--- a/documentos/ApresentacaoFinal.pptx
+++ b/documentos/ApresentacaoFinal.pptx
@@ -211,7 +211,7 @@
           <a:p>
             <a:fld id="{B6B1FB5B-F2CB-438D-8F56-E30A5DFB9512}" type="datetimeFigureOut">
               <a:rPr lang="pt-PT" smtClean="0"/>
-              <a:t>16/02/2022</a:t>
+              <a:t>22/02/2022</a:t>
             </a:fld>
             <a:endParaRPr lang="pt-PT"/>
           </a:p>
@@ -522,7 +522,728 @@
           <a:bodyPr/>
           <a:lstStyle/>
           <a:p>
+            <a:pPr marL="171450" indent="-171450">
+              <a:buFont typeface="Arial" panose="020B0604020202020204" pitchFamily="34" charset="0"/>
+              <a:buChar char="•"/>
+            </a:pPr>
+            <a:r>
+              <a:rPr lang="pt-PT" dirty="0"/>
+              <a:t>Falar sobre o âmbito do projeto</a:t>
+            </a:r>
+          </a:p>
+          <a:p>
+            <a:pPr marL="171450" indent="-171450">
+              <a:buFont typeface="Arial" panose="020B0604020202020204" pitchFamily="34" charset="0"/>
+              <a:buChar char="•"/>
+            </a:pPr>
+            <a:r>
+              <a:rPr lang="pt-PT" dirty="0"/>
+              <a:t>a razão pela qual escolhemos este tema</a:t>
+            </a:r>
+          </a:p>
+          <a:p>
+            <a:pPr marL="171450" indent="-171450">
+              <a:buFont typeface="Arial" panose="020B0604020202020204" pitchFamily="34" charset="0"/>
+              <a:buChar char="•"/>
+            </a:pPr>
+            <a:r>
+              <a:rPr lang="pt-PT" dirty="0"/>
+              <a:t>Referir que temos um café com o qual temos trabalhado.</a:t>
+            </a:r>
+          </a:p>
+          <a:p>
+            <a:pPr marL="171450" indent="-171450">
+              <a:buFont typeface="Arial" panose="020B0604020202020204" pitchFamily="34" charset="0"/>
+              <a:buChar char="•"/>
+            </a:pPr>
             <a:endParaRPr lang="pt-PT" dirty="0"/>
+          </a:p>
+        </p:txBody>
+      </p:sp>
+      <p:sp>
+        <p:nvSpPr>
+          <p:cNvPr id="4" name="Marcador de Posição do Número do Diapositivo 3"/>
+          <p:cNvSpPr>
+            <a:spLocks noGrp="1"/>
+          </p:cNvSpPr>
+          <p:nvPr>
+            <p:ph type="sldNum" sz="quarter" idx="5"/>
+          </p:nvPr>
+        </p:nvSpPr>
+        <p:spPr/>
+        <p:txBody>
+          <a:bodyPr/>
+          <a:lstStyle/>
+          <a:p>
+            <a:fld id="{B75E9354-2B91-4014-B829-0008AE7711A5}" type="slidenum">
+              <a:rPr lang="pt-PT" smtClean="0"/>
+              <a:t>2</a:t>
+            </a:fld>
+            <a:endParaRPr lang="pt-PT"/>
+          </a:p>
+        </p:txBody>
+      </p:sp>
+    </p:spTree>
+    <p:extLst>
+      <p:ext uri="{BB962C8B-B14F-4D97-AF65-F5344CB8AC3E}">
+        <p14:creationId xmlns:p14="http://schemas.microsoft.com/office/powerpoint/2010/main" val="77468359"/>
+      </p:ext>
+    </p:extLst>
+  </p:cSld>
+  <p:clrMapOvr>
+    <a:masterClrMapping/>
+  </p:clrMapOvr>
+</p:notes>
+</file>
+
+<file path=ppt/notesSlides/notesSlide10.xml><?xml version="1.0" encoding="utf-8"?>
+<p:notes xmlns:a="http://schemas.openxmlformats.org/drawingml/2006/main" xmlns:r="http://schemas.openxmlformats.org/officeDocument/2006/relationships" xmlns:p="http://schemas.openxmlformats.org/presentationml/2006/main">
+  <p:cSld>
+    <p:spTree>
+      <p:nvGrpSpPr>
+        <p:cNvPr id="1" name=""/>
+        <p:cNvGrpSpPr/>
+        <p:nvPr/>
+      </p:nvGrpSpPr>
+      <p:grpSpPr>
+        <a:xfrm>
+          <a:off x="0" y="0"/>
+          <a:ext cx="0" cy="0"/>
+          <a:chOff x="0" y="0"/>
+          <a:chExt cx="0" cy="0"/>
+        </a:xfrm>
+      </p:grpSpPr>
+      <p:sp>
+        <p:nvSpPr>
+          <p:cNvPr id="2" name="Marcador de Posição da Imagem do Diapositivo 1"/>
+          <p:cNvSpPr>
+            <a:spLocks noGrp="1" noRot="1" noChangeAspect="1"/>
+          </p:cNvSpPr>
+          <p:nvPr>
+            <p:ph type="sldImg"/>
+          </p:nvPr>
+        </p:nvSpPr>
+        <p:spPr/>
+      </p:sp>
+      <p:sp>
+        <p:nvSpPr>
+          <p:cNvPr id="3" name="Marcador de Posição de Notas 2"/>
+          <p:cNvSpPr>
+            <a:spLocks noGrp="1"/>
+          </p:cNvSpPr>
+          <p:nvPr>
+            <p:ph type="body" idx="1"/>
+          </p:nvPr>
+        </p:nvSpPr>
+        <p:spPr/>
+        <p:txBody>
+          <a:bodyPr/>
+          <a:lstStyle/>
+          <a:p>
+            <a:r>
+              <a:rPr lang="pt-PT" dirty="0"/>
+              <a:t>Sobre o levar o comer a mesa e poder decidir a mesa no </a:t>
+            </a:r>
+            <a:r>
+              <a:rPr lang="pt-PT" dirty="0" err="1"/>
+              <a:t>acto</a:t>
+            </a:r>
+            <a:r>
+              <a:rPr lang="pt-PT" dirty="0"/>
+              <a:t> do pagamento</a:t>
+            </a:r>
+          </a:p>
+          <a:p>
+            <a:r>
+              <a:rPr lang="pt-PT" dirty="0"/>
+              <a:t>Falar sobre mais coisa na parte do android e web</a:t>
+            </a:r>
+          </a:p>
+          <a:p>
+            <a:r>
+              <a:rPr lang="pt-PT" dirty="0" err="1"/>
+              <a:t>Api</a:t>
+            </a:r>
+            <a:r>
+              <a:rPr lang="pt-PT" dirty="0"/>
+              <a:t> referir os pedidos estarem seguros e os </a:t>
+            </a:r>
+            <a:r>
+              <a:rPr lang="pt-PT" dirty="0" err="1"/>
+              <a:t>custom</a:t>
+            </a:r>
+            <a:r>
+              <a:rPr lang="pt-PT" dirty="0"/>
+              <a:t> </a:t>
+            </a:r>
+          </a:p>
+        </p:txBody>
+      </p:sp>
+      <p:sp>
+        <p:nvSpPr>
+          <p:cNvPr id="4" name="Marcador de Posição do Número do Diapositivo 3"/>
+          <p:cNvSpPr>
+            <a:spLocks noGrp="1"/>
+          </p:cNvSpPr>
+          <p:nvPr>
+            <p:ph type="sldNum" sz="quarter" idx="5"/>
+          </p:nvPr>
+        </p:nvSpPr>
+        <p:spPr/>
+        <p:txBody>
+          <a:bodyPr/>
+          <a:lstStyle/>
+          <a:p>
+            <a:fld id="{B75E9354-2B91-4014-B829-0008AE7711A5}" type="slidenum">
+              <a:rPr lang="pt-PT" smtClean="0"/>
+              <a:t>11</a:t>
+            </a:fld>
+            <a:endParaRPr lang="pt-PT"/>
+          </a:p>
+        </p:txBody>
+      </p:sp>
+    </p:spTree>
+    <p:extLst>
+      <p:ext uri="{BB962C8B-B14F-4D97-AF65-F5344CB8AC3E}">
+        <p14:creationId xmlns:p14="http://schemas.microsoft.com/office/powerpoint/2010/main" val="4059407667"/>
+      </p:ext>
+    </p:extLst>
+  </p:cSld>
+  <p:clrMapOvr>
+    <a:masterClrMapping/>
+  </p:clrMapOvr>
+</p:notes>
+</file>
+
+<file path=ppt/notesSlides/notesSlide11.xml><?xml version="1.0" encoding="utf-8"?>
+<p:notes xmlns:a="http://schemas.openxmlformats.org/drawingml/2006/main" xmlns:r="http://schemas.openxmlformats.org/officeDocument/2006/relationships" xmlns:p="http://schemas.openxmlformats.org/presentationml/2006/main">
+  <p:cSld>
+    <p:spTree>
+      <p:nvGrpSpPr>
+        <p:cNvPr id="1" name=""/>
+        <p:cNvGrpSpPr/>
+        <p:nvPr/>
+      </p:nvGrpSpPr>
+      <p:grpSpPr>
+        <a:xfrm>
+          <a:off x="0" y="0"/>
+          <a:ext cx="0" cy="0"/>
+          <a:chOff x="0" y="0"/>
+          <a:chExt cx="0" cy="0"/>
+        </a:xfrm>
+      </p:grpSpPr>
+      <p:sp>
+        <p:nvSpPr>
+          <p:cNvPr id="2" name="Marcador de Posição da Imagem do Diapositivo 1"/>
+          <p:cNvSpPr>
+            <a:spLocks noGrp="1" noRot="1" noChangeAspect="1"/>
+          </p:cNvSpPr>
+          <p:nvPr>
+            <p:ph type="sldImg"/>
+          </p:nvPr>
+        </p:nvSpPr>
+        <p:spPr/>
+      </p:sp>
+      <p:sp>
+        <p:nvSpPr>
+          <p:cNvPr id="3" name="Marcador de Posição de Notas 2"/>
+          <p:cNvSpPr>
+            <a:spLocks noGrp="1"/>
+          </p:cNvSpPr>
+          <p:nvPr>
+            <p:ph type="body" idx="1"/>
+          </p:nvPr>
+        </p:nvSpPr>
+        <p:spPr/>
+        <p:txBody>
+          <a:bodyPr/>
+          <a:lstStyle/>
+          <a:p>
+            <a:r>
+              <a:rPr lang="pt-PT" dirty="0"/>
+              <a:t>QR </a:t>
+            </a:r>
+            <a:r>
+              <a:rPr lang="pt-PT" dirty="0" err="1"/>
+              <a:t>code</a:t>
+            </a:r>
+            <a:r>
+              <a:rPr lang="pt-PT" dirty="0"/>
+              <a:t> bastante importante</a:t>
+            </a:r>
+          </a:p>
+          <a:p>
+            <a:r>
+              <a:rPr lang="pt-PT" dirty="0"/>
+              <a:t>Implementar para mais que um café, tornar global</a:t>
+            </a:r>
+          </a:p>
+        </p:txBody>
+      </p:sp>
+      <p:sp>
+        <p:nvSpPr>
+          <p:cNvPr id="4" name="Marcador de Posição do Número do Diapositivo 3"/>
+          <p:cNvSpPr>
+            <a:spLocks noGrp="1"/>
+          </p:cNvSpPr>
+          <p:nvPr>
+            <p:ph type="sldNum" sz="quarter" idx="5"/>
+          </p:nvPr>
+        </p:nvSpPr>
+        <p:spPr/>
+        <p:txBody>
+          <a:bodyPr/>
+          <a:lstStyle/>
+          <a:p>
+            <a:fld id="{B75E9354-2B91-4014-B829-0008AE7711A5}" type="slidenum">
+              <a:rPr lang="pt-PT" smtClean="0"/>
+              <a:t>12</a:t>
+            </a:fld>
+            <a:endParaRPr lang="pt-PT"/>
+          </a:p>
+        </p:txBody>
+      </p:sp>
+    </p:spTree>
+    <p:extLst>
+      <p:ext uri="{BB962C8B-B14F-4D97-AF65-F5344CB8AC3E}">
+        <p14:creationId xmlns:p14="http://schemas.microsoft.com/office/powerpoint/2010/main" val="1769412559"/>
+      </p:ext>
+    </p:extLst>
+  </p:cSld>
+  <p:clrMapOvr>
+    <a:masterClrMapping/>
+  </p:clrMapOvr>
+</p:notes>
+</file>
+
+<file path=ppt/notesSlides/notesSlide12.xml><?xml version="1.0" encoding="utf-8"?>
+<p:notes xmlns:a="http://schemas.openxmlformats.org/drawingml/2006/main" xmlns:r="http://schemas.openxmlformats.org/officeDocument/2006/relationships" xmlns:p="http://schemas.openxmlformats.org/presentationml/2006/main">
+  <p:cSld>
+    <p:spTree>
+      <p:nvGrpSpPr>
+        <p:cNvPr id="1" name=""/>
+        <p:cNvGrpSpPr/>
+        <p:nvPr/>
+      </p:nvGrpSpPr>
+      <p:grpSpPr>
+        <a:xfrm>
+          <a:off x="0" y="0"/>
+          <a:ext cx="0" cy="0"/>
+          <a:chOff x="0" y="0"/>
+          <a:chExt cx="0" cy="0"/>
+        </a:xfrm>
+      </p:grpSpPr>
+      <p:sp>
+        <p:nvSpPr>
+          <p:cNvPr id="2" name="Marcador de Posição da Imagem do Diapositivo 1"/>
+          <p:cNvSpPr>
+            <a:spLocks noGrp="1" noRot="1" noChangeAspect="1"/>
+          </p:cNvSpPr>
+          <p:nvPr>
+            <p:ph type="sldImg"/>
+          </p:nvPr>
+        </p:nvSpPr>
+        <p:spPr/>
+      </p:sp>
+      <p:sp>
+        <p:nvSpPr>
+          <p:cNvPr id="3" name="Marcador de Posição de Notas 2"/>
+          <p:cNvSpPr>
+            <a:spLocks noGrp="1"/>
+          </p:cNvSpPr>
+          <p:nvPr>
+            <p:ph type="body" idx="1"/>
+          </p:nvPr>
+        </p:nvSpPr>
+        <p:spPr/>
+        <p:txBody>
+          <a:bodyPr/>
+          <a:lstStyle/>
+          <a:p>
+            <a:r>
+              <a:rPr lang="pt-PT" dirty="0"/>
+              <a:t>Perguntar se há perguntas</a:t>
+            </a:r>
+          </a:p>
+          <a:p>
+            <a:r>
+              <a:rPr lang="pt-PT"/>
+              <a:t>E dar um toque final</a:t>
+            </a:r>
+          </a:p>
+        </p:txBody>
+      </p:sp>
+      <p:sp>
+        <p:nvSpPr>
+          <p:cNvPr id="4" name="Marcador de Posição do Número do Diapositivo 3"/>
+          <p:cNvSpPr>
+            <a:spLocks noGrp="1"/>
+          </p:cNvSpPr>
+          <p:nvPr>
+            <p:ph type="sldNum" sz="quarter" idx="5"/>
+          </p:nvPr>
+        </p:nvSpPr>
+        <p:spPr/>
+        <p:txBody>
+          <a:bodyPr/>
+          <a:lstStyle/>
+          <a:p>
+            <a:fld id="{B75E9354-2B91-4014-B829-0008AE7711A5}" type="slidenum">
+              <a:rPr lang="pt-PT" smtClean="0"/>
+              <a:t>15</a:t>
+            </a:fld>
+            <a:endParaRPr lang="pt-PT"/>
+          </a:p>
+        </p:txBody>
+      </p:sp>
+    </p:spTree>
+    <p:extLst>
+      <p:ext uri="{BB962C8B-B14F-4D97-AF65-F5344CB8AC3E}">
+        <p14:creationId xmlns:p14="http://schemas.microsoft.com/office/powerpoint/2010/main" val="201122476"/>
+      </p:ext>
+    </p:extLst>
+  </p:cSld>
+  <p:clrMapOvr>
+    <a:masterClrMapping/>
+  </p:clrMapOvr>
+</p:notes>
+</file>
+
+<file path=ppt/notesSlides/notesSlide2.xml><?xml version="1.0" encoding="utf-8"?>
+<p:notes xmlns:a="http://schemas.openxmlformats.org/drawingml/2006/main" xmlns:r="http://schemas.openxmlformats.org/officeDocument/2006/relationships" xmlns:p="http://schemas.openxmlformats.org/presentationml/2006/main">
+  <p:cSld>
+    <p:spTree>
+      <p:nvGrpSpPr>
+        <p:cNvPr id="1" name=""/>
+        <p:cNvGrpSpPr/>
+        <p:nvPr/>
+      </p:nvGrpSpPr>
+      <p:grpSpPr>
+        <a:xfrm>
+          <a:off x="0" y="0"/>
+          <a:ext cx="0" cy="0"/>
+          <a:chOff x="0" y="0"/>
+          <a:chExt cx="0" cy="0"/>
+        </a:xfrm>
+      </p:grpSpPr>
+      <p:sp>
+        <p:nvSpPr>
+          <p:cNvPr id="2" name="Marcador de Posição da Imagem do Diapositivo 1"/>
+          <p:cNvSpPr>
+            <a:spLocks noGrp="1" noRot="1" noChangeAspect="1"/>
+          </p:cNvSpPr>
+          <p:nvPr>
+            <p:ph type="sldImg"/>
+          </p:nvPr>
+        </p:nvSpPr>
+        <p:spPr/>
+      </p:sp>
+      <p:sp>
+        <p:nvSpPr>
+          <p:cNvPr id="3" name="Marcador de Posição de Notas 2"/>
+          <p:cNvSpPr>
+            <a:spLocks noGrp="1"/>
+          </p:cNvSpPr>
+          <p:nvPr>
+            <p:ph type="body" idx="1"/>
+          </p:nvPr>
+        </p:nvSpPr>
+        <p:spPr/>
+        <p:txBody>
+          <a:bodyPr/>
+          <a:lstStyle/>
+          <a:p>
+            <a:r>
+              <a:rPr lang="pt-PT" dirty="0"/>
+              <a:t>Entregar o projeto funcional</a:t>
+            </a:r>
+          </a:p>
+          <a:p>
+            <a:r>
+              <a:rPr lang="pt-PT" dirty="0"/>
+              <a:t>API</a:t>
+            </a:r>
+          </a:p>
+          <a:p>
+            <a:pPr marL="171450" indent="-171450">
+              <a:buFont typeface="Arial" panose="020B0604020202020204" pitchFamily="34" charset="0"/>
+              <a:buChar char="•"/>
+            </a:pPr>
+            <a:r>
+              <a:rPr lang="pt-PT" dirty="0"/>
+              <a:t>Uma API REST que inclua métodos CRUD (pelo menos em 3 controladores diferentes) e </a:t>
+            </a:r>
+            <a:r>
+              <a:rPr lang="pt-PT" dirty="0" err="1"/>
+              <a:t>Custom</a:t>
+            </a:r>
+            <a:r>
+              <a:rPr lang="pt-PT" dirty="0"/>
+              <a:t> (personalizados) com, pelo menos, 3 funções/métodos diferentes;</a:t>
+            </a:r>
+          </a:p>
+          <a:p>
+            <a:pPr marL="171450" indent="-171450">
+              <a:buFont typeface="Arial" panose="020B0604020202020204" pitchFamily="34" charset="0"/>
+              <a:buChar char="•"/>
+            </a:pPr>
+            <a:r>
+              <a:rPr lang="pt-PT" dirty="0"/>
+              <a:t>Funcionalidade(s) baseada(s) em messaging (</a:t>
+            </a:r>
+            <a:r>
+              <a:rPr lang="pt-PT" dirty="0" err="1"/>
+              <a:t>publish</a:t>
+            </a:r>
+            <a:r>
+              <a:rPr lang="pt-PT" dirty="0"/>
+              <a:t>/</a:t>
+            </a:r>
+            <a:r>
+              <a:rPr lang="pt-PT" dirty="0" err="1"/>
+              <a:t>subscribe</a:t>
+            </a:r>
+            <a:r>
+              <a:rPr lang="pt-PT" dirty="0"/>
+              <a:t>)</a:t>
+            </a:r>
+          </a:p>
+          <a:p>
+            <a:pPr marL="0" indent="0">
+              <a:buFont typeface="Arial" panose="020B0604020202020204" pitchFamily="34" charset="0"/>
+              <a:buNone/>
+            </a:pPr>
+            <a:r>
+              <a:rPr lang="pt-PT" dirty="0"/>
+              <a:t>Android</a:t>
+            </a:r>
+          </a:p>
+          <a:p>
+            <a:pPr marL="171450" indent="-171450">
+              <a:buFont typeface="Arial" panose="020B0604020202020204" pitchFamily="34" charset="0"/>
+              <a:buChar char="•"/>
+            </a:pPr>
+            <a:r>
+              <a:rPr lang="pt-PT" dirty="0"/>
+              <a:t>A aplicação deverá ter, no mínimo, 6 e um máximo recomendado de 10 atividades ou fragmentos (temos 10)</a:t>
+            </a:r>
+          </a:p>
+          <a:p>
+            <a:pPr marL="171450" indent="-171450">
+              <a:buFont typeface="Arial" panose="020B0604020202020204" pitchFamily="34" charset="0"/>
+              <a:buChar char="•"/>
+            </a:pPr>
+            <a:r>
+              <a:rPr lang="pt-PT" dirty="0"/>
+              <a:t>Algumas funcionalidades têm de ser implementadas/apresentadas através de fragmentos (</a:t>
+            </a:r>
+            <a:r>
+              <a:rPr lang="pt-PT" dirty="0" err="1"/>
+              <a:t>ex</a:t>
+            </a:r>
+            <a:r>
+              <a:rPr lang="pt-PT" dirty="0"/>
+              <a:t>: login e registo)</a:t>
+            </a:r>
+          </a:p>
+          <a:p>
+            <a:pPr marL="171450" indent="-171450">
+              <a:buFont typeface="Arial" panose="020B0604020202020204" pitchFamily="34" charset="0"/>
+              <a:buChar char="•"/>
+            </a:pPr>
+            <a:r>
+              <a:rPr lang="pt-PT" dirty="0"/>
+              <a:t>No mínimo, 4 das funcionalidades implementadas têm de aceder ao </a:t>
+            </a:r>
+            <a:r>
+              <a:rPr lang="pt-PT" dirty="0" err="1"/>
+              <a:t>webservice</a:t>
+            </a:r>
+            <a:r>
+              <a:rPr lang="pt-PT" dirty="0"/>
+              <a:t> para realização das operações CRUD</a:t>
+            </a:r>
+          </a:p>
+          <a:p>
+            <a:pPr marL="171450" indent="-171450">
+              <a:buFont typeface="Arial" panose="020B0604020202020204" pitchFamily="34" charset="0"/>
+              <a:buChar char="•"/>
+            </a:pPr>
+            <a:r>
+              <a:rPr lang="pt-PT" dirty="0"/>
+              <a:t>No mínimo 2 atividades devem permitir introdução de dados pelo utilizador (registo, login, </a:t>
+            </a:r>
+            <a:r>
+              <a:rPr lang="pt-PT" dirty="0" err="1"/>
+              <a:t>user</a:t>
+            </a:r>
+            <a:r>
+              <a:rPr lang="pt-PT" dirty="0"/>
+              <a:t> interface e carrinho)</a:t>
+            </a:r>
+          </a:p>
+          <a:p>
+            <a:pPr marL="171450" indent="-171450">
+              <a:buFont typeface="Arial" panose="020B0604020202020204" pitchFamily="34" charset="0"/>
+              <a:buChar char="•"/>
+            </a:pPr>
+            <a:r>
+              <a:rPr lang="pt-PT" dirty="0"/>
+              <a:t>No mínimo, 1 das atividades implementadas deve ser construída de forma dinâmica, com os dados obtidos do </a:t>
+            </a:r>
+            <a:r>
+              <a:rPr lang="pt-PT" dirty="0" err="1"/>
+              <a:t>webservice</a:t>
+            </a:r>
+            <a:r>
+              <a:rPr lang="pt-PT" dirty="0"/>
+              <a:t> (as compras e os produtos)</a:t>
+            </a:r>
+          </a:p>
+          <a:p>
+            <a:pPr marL="171450" indent="-171450">
+              <a:buFont typeface="Arial" panose="020B0604020202020204" pitchFamily="34" charset="0"/>
+              <a:buChar char="•"/>
+            </a:pPr>
+            <a:r>
+              <a:rPr lang="pt-PT" dirty="0"/>
+              <a:t>É obrigatório o registo de dados em ficheiros locais (ex.: </a:t>
+            </a:r>
+            <a:r>
+              <a:rPr lang="pt-PT" dirty="0" err="1"/>
+              <a:t>shared</a:t>
+            </a:r>
+            <a:r>
+              <a:rPr lang="pt-PT" dirty="0"/>
+              <a:t> </a:t>
+            </a:r>
+            <a:r>
+              <a:rPr lang="pt-PT" dirty="0" err="1"/>
+              <a:t>preferences</a:t>
+            </a:r>
+            <a:r>
+              <a:rPr lang="pt-PT" dirty="0"/>
+              <a:t> onde se guarda os dados do login do utilizador) e em base de dados SQL local (ex.: cache de informação onde se guarda todos os dados do utilizador como por exemplo os produtos existentes, ou as compras).</a:t>
+            </a:r>
+          </a:p>
+          <a:p>
+            <a:pPr marL="0" indent="0">
+              <a:buFont typeface="Arial" panose="020B0604020202020204" pitchFamily="34" charset="0"/>
+              <a:buNone/>
+            </a:pPr>
+            <a:r>
+              <a:rPr lang="pt-PT" dirty="0"/>
+              <a:t>Projeto</a:t>
+            </a:r>
+          </a:p>
+          <a:p>
+            <a:pPr marL="171450" indent="-171450">
+              <a:buFont typeface="Arial" panose="020B0604020202020204" pitchFamily="34" charset="0"/>
+              <a:buChar char="•"/>
+            </a:pPr>
+            <a:r>
+              <a:rPr lang="pt-PT" dirty="0"/>
+              <a:t>Entrega do </a:t>
+            </a:r>
+            <a:r>
+              <a:rPr lang="pt-PT" dirty="0" err="1"/>
+              <a:t>relatorio</a:t>
+            </a:r>
+            <a:endParaRPr lang="pt-PT" dirty="0"/>
+          </a:p>
+          <a:p>
+            <a:pPr marL="171450" indent="-171450">
+              <a:buFont typeface="Arial" panose="020B0604020202020204" pitchFamily="34" charset="0"/>
+              <a:buChar char="•"/>
+            </a:pPr>
+            <a:endParaRPr lang="pt-PT" dirty="0"/>
+          </a:p>
+        </p:txBody>
+      </p:sp>
+      <p:sp>
+        <p:nvSpPr>
+          <p:cNvPr id="4" name="Marcador de Posição do Número do Diapositivo 3"/>
+          <p:cNvSpPr>
+            <a:spLocks noGrp="1"/>
+          </p:cNvSpPr>
+          <p:nvPr>
+            <p:ph type="sldNum" sz="quarter" idx="5"/>
+          </p:nvPr>
+        </p:nvSpPr>
+        <p:spPr/>
+        <p:txBody>
+          <a:bodyPr/>
+          <a:lstStyle/>
+          <a:p>
+            <a:fld id="{B75E9354-2B91-4014-B829-0008AE7711A5}" type="slidenum">
+              <a:rPr lang="pt-PT" smtClean="0"/>
+              <a:t>3</a:t>
+            </a:fld>
+            <a:endParaRPr lang="pt-PT"/>
+          </a:p>
+        </p:txBody>
+      </p:sp>
+    </p:spTree>
+    <p:extLst>
+      <p:ext uri="{BB962C8B-B14F-4D97-AF65-F5344CB8AC3E}">
+        <p14:creationId xmlns:p14="http://schemas.microsoft.com/office/powerpoint/2010/main" val="3971132343"/>
+      </p:ext>
+    </p:extLst>
+  </p:cSld>
+  <p:clrMapOvr>
+    <a:masterClrMapping/>
+  </p:clrMapOvr>
+</p:notes>
+</file>
+
+<file path=ppt/notesSlides/notesSlide3.xml><?xml version="1.0" encoding="utf-8"?>
+<p:notes xmlns:a="http://schemas.openxmlformats.org/drawingml/2006/main" xmlns:r="http://schemas.openxmlformats.org/officeDocument/2006/relationships" xmlns:p="http://schemas.openxmlformats.org/presentationml/2006/main">
+  <p:cSld>
+    <p:spTree>
+      <p:nvGrpSpPr>
+        <p:cNvPr id="1" name=""/>
+        <p:cNvGrpSpPr/>
+        <p:nvPr/>
+      </p:nvGrpSpPr>
+      <p:grpSpPr>
+        <a:xfrm>
+          <a:off x="0" y="0"/>
+          <a:ext cx="0" cy="0"/>
+          <a:chOff x="0" y="0"/>
+          <a:chExt cx="0" cy="0"/>
+        </a:xfrm>
+      </p:grpSpPr>
+      <p:sp>
+        <p:nvSpPr>
+          <p:cNvPr id="2" name="Marcador de Posição da Imagem do Diapositivo 1"/>
+          <p:cNvSpPr>
+            <a:spLocks noGrp="1" noRot="1" noChangeAspect="1"/>
+          </p:cNvSpPr>
+          <p:nvPr>
+            <p:ph type="sldImg"/>
+          </p:nvPr>
+        </p:nvSpPr>
+        <p:spPr/>
+      </p:sp>
+      <p:sp>
+        <p:nvSpPr>
+          <p:cNvPr id="3" name="Marcador de Posição de Notas 2"/>
+          <p:cNvSpPr>
+            <a:spLocks noGrp="1"/>
+          </p:cNvSpPr>
+          <p:nvPr>
+            <p:ph type="body" idx="1"/>
+          </p:nvPr>
+        </p:nvSpPr>
+        <p:spPr/>
+        <p:txBody>
+          <a:bodyPr/>
+          <a:lstStyle/>
+          <a:p>
+            <a:r>
+              <a:rPr lang="pt-PT" dirty="0"/>
+              <a:t>Passar para a próximo para explicar individualmente.</a:t>
+            </a:r>
           </a:p>
         </p:txBody>
       </p:sp>
@@ -562,7 +1283,333 @@
 </p:notes>
 </file>
 
-<file path=ppt/notesSlides/notesSlide2.xml><?xml version="1.0" encoding="utf-8"?>
+<file path=ppt/notesSlides/notesSlide4.xml><?xml version="1.0" encoding="utf-8"?>
+<p:notes xmlns:a="http://schemas.openxmlformats.org/drawingml/2006/main" xmlns:r="http://schemas.openxmlformats.org/officeDocument/2006/relationships" xmlns:p="http://schemas.openxmlformats.org/presentationml/2006/main">
+  <p:cSld>
+    <p:spTree>
+      <p:nvGrpSpPr>
+        <p:cNvPr id="1" name=""/>
+        <p:cNvGrpSpPr/>
+        <p:nvPr/>
+      </p:nvGrpSpPr>
+      <p:grpSpPr>
+        <a:xfrm>
+          <a:off x="0" y="0"/>
+          <a:ext cx="0" cy="0"/>
+          <a:chOff x="0" y="0"/>
+          <a:chExt cx="0" cy="0"/>
+        </a:xfrm>
+      </p:grpSpPr>
+      <p:sp>
+        <p:nvSpPr>
+          <p:cNvPr id="2" name="Marcador de Posição da Imagem do Diapositivo 1"/>
+          <p:cNvSpPr>
+            <a:spLocks noGrp="1" noRot="1" noChangeAspect="1"/>
+          </p:cNvSpPr>
+          <p:nvPr>
+            <p:ph type="sldImg"/>
+          </p:nvPr>
+        </p:nvSpPr>
+        <p:spPr/>
+      </p:sp>
+      <p:sp>
+        <p:nvSpPr>
+          <p:cNvPr id="3" name="Marcador de Posição de Notas 2"/>
+          <p:cNvSpPr>
+            <a:spLocks noGrp="1"/>
+          </p:cNvSpPr>
+          <p:nvPr>
+            <p:ph type="body" idx="1"/>
+          </p:nvPr>
+        </p:nvSpPr>
+        <p:spPr/>
+        <p:txBody>
+          <a:bodyPr/>
+          <a:lstStyle/>
+          <a:p>
+            <a:r>
+              <a:rPr lang="pt-PT" dirty="0" err="1"/>
+              <a:t>Api</a:t>
+            </a:r>
+            <a:r>
+              <a:rPr lang="pt-PT" dirty="0"/>
+              <a:t> desenvolvida de forma a receber o </a:t>
+            </a:r>
+            <a:r>
+              <a:rPr lang="pt-PT" dirty="0" err="1"/>
+              <a:t>token</a:t>
+            </a:r>
+            <a:r>
+              <a:rPr lang="pt-PT" dirty="0"/>
+              <a:t> do utilizador para poder passar os dados que vem da base dados em formato </a:t>
+            </a:r>
+            <a:r>
+              <a:rPr lang="pt-PT" dirty="0" err="1"/>
+              <a:t>json</a:t>
+            </a:r>
+            <a:r>
+              <a:rPr lang="pt-PT" dirty="0"/>
+              <a:t>.</a:t>
+            </a:r>
+          </a:p>
+          <a:p>
+            <a:r>
+              <a:rPr lang="pt-PT" dirty="0"/>
+              <a:t>Em termos de login ele passa o email e a password para receber o </a:t>
+            </a:r>
+            <a:r>
+              <a:rPr lang="pt-PT" dirty="0" err="1"/>
+              <a:t>token</a:t>
+            </a:r>
+            <a:r>
+              <a:rPr lang="pt-PT" dirty="0"/>
+              <a:t>.</a:t>
+            </a:r>
+          </a:p>
+        </p:txBody>
+      </p:sp>
+      <p:sp>
+        <p:nvSpPr>
+          <p:cNvPr id="4" name="Marcador de Posição do Número do Diapositivo 3"/>
+          <p:cNvSpPr>
+            <a:spLocks noGrp="1"/>
+          </p:cNvSpPr>
+          <p:nvPr>
+            <p:ph type="sldNum" sz="quarter" idx="5"/>
+          </p:nvPr>
+        </p:nvSpPr>
+        <p:spPr/>
+        <p:txBody>
+          <a:bodyPr/>
+          <a:lstStyle/>
+          <a:p>
+            <a:fld id="{B75E9354-2B91-4014-B829-0008AE7711A5}" type="slidenum">
+              <a:rPr lang="pt-PT" smtClean="0"/>
+              <a:t>5</a:t>
+            </a:fld>
+            <a:endParaRPr lang="pt-PT"/>
+          </a:p>
+        </p:txBody>
+      </p:sp>
+    </p:spTree>
+    <p:extLst>
+      <p:ext uri="{BB962C8B-B14F-4D97-AF65-F5344CB8AC3E}">
+        <p14:creationId xmlns:p14="http://schemas.microsoft.com/office/powerpoint/2010/main" val="3615887681"/>
+      </p:ext>
+    </p:extLst>
+  </p:cSld>
+  <p:clrMapOvr>
+    <a:masterClrMapping/>
+  </p:clrMapOvr>
+</p:notes>
+</file>
+
+<file path=ppt/notesSlides/notesSlide5.xml><?xml version="1.0" encoding="utf-8"?>
+<p:notes xmlns:a="http://schemas.openxmlformats.org/drawingml/2006/main" xmlns:r="http://schemas.openxmlformats.org/officeDocument/2006/relationships" xmlns:p="http://schemas.openxmlformats.org/presentationml/2006/main">
+  <p:cSld>
+    <p:spTree>
+      <p:nvGrpSpPr>
+        <p:cNvPr id="1" name=""/>
+        <p:cNvGrpSpPr/>
+        <p:nvPr/>
+      </p:nvGrpSpPr>
+      <p:grpSpPr>
+        <a:xfrm>
+          <a:off x="0" y="0"/>
+          <a:ext cx="0" cy="0"/>
+          <a:chOff x="0" y="0"/>
+          <a:chExt cx="0" cy="0"/>
+        </a:xfrm>
+      </p:grpSpPr>
+      <p:sp>
+        <p:nvSpPr>
+          <p:cNvPr id="2" name="Marcador de Posição da Imagem do Diapositivo 1"/>
+          <p:cNvSpPr>
+            <a:spLocks noGrp="1" noRot="1" noChangeAspect="1"/>
+          </p:cNvSpPr>
+          <p:nvPr>
+            <p:ph type="sldImg"/>
+          </p:nvPr>
+        </p:nvSpPr>
+        <p:spPr/>
+      </p:sp>
+      <p:sp>
+        <p:nvSpPr>
+          <p:cNvPr id="3" name="Marcador de Posição de Notas 2"/>
+          <p:cNvSpPr>
+            <a:spLocks noGrp="1"/>
+          </p:cNvSpPr>
+          <p:nvPr>
+            <p:ph type="body" idx="1"/>
+          </p:nvPr>
+        </p:nvSpPr>
+        <p:spPr/>
+        <p:txBody>
+          <a:bodyPr/>
+          <a:lstStyle/>
+          <a:p>
+            <a:r>
+              <a:rPr lang="pt-PT" dirty="0"/>
+              <a:t>Explicar para que serve</a:t>
+            </a:r>
+          </a:p>
+          <a:p>
+            <a:r>
+              <a:rPr lang="pt-PT" dirty="0"/>
+              <a:t>Na aplicação é obrigatório login/ registo para mexer na aplicação, a aplicação serve para compras na aplicação</a:t>
+            </a:r>
+          </a:p>
+        </p:txBody>
+      </p:sp>
+      <p:sp>
+        <p:nvSpPr>
+          <p:cNvPr id="4" name="Marcador de Posição do Número do Diapositivo 3"/>
+          <p:cNvSpPr>
+            <a:spLocks noGrp="1"/>
+          </p:cNvSpPr>
+          <p:nvPr>
+            <p:ph type="sldNum" sz="quarter" idx="5"/>
+          </p:nvPr>
+        </p:nvSpPr>
+        <p:spPr/>
+        <p:txBody>
+          <a:bodyPr/>
+          <a:lstStyle/>
+          <a:p>
+            <a:fld id="{B75E9354-2B91-4014-B829-0008AE7711A5}" type="slidenum">
+              <a:rPr lang="pt-PT" smtClean="0"/>
+              <a:t>6</a:t>
+            </a:fld>
+            <a:endParaRPr lang="pt-PT"/>
+          </a:p>
+        </p:txBody>
+      </p:sp>
+    </p:spTree>
+    <p:extLst>
+      <p:ext uri="{BB962C8B-B14F-4D97-AF65-F5344CB8AC3E}">
+        <p14:creationId xmlns:p14="http://schemas.microsoft.com/office/powerpoint/2010/main" val="887963343"/>
+      </p:ext>
+    </p:extLst>
+  </p:cSld>
+  <p:clrMapOvr>
+    <a:masterClrMapping/>
+  </p:clrMapOvr>
+</p:notes>
+</file>
+
+<file path=ppt/notesSlides/notesSlide6.xml><?xml version="1.0" encoding="utf-8"?>
+<p:notes xmlns:a="http://schemas.openxmlformats.org/drawingml/2006/main" xmlns:r="http://schemas.openxmlformats.org/officeDocument/2006/relationships" xmlns:p="http://schemas.openxmlformats.org/presentationml/2006/main">
+  <p:cSld>
+    <p:spTree>
+      <p:nvGrpSpPr>
+        <p:cNvPr id="1" name=""/>
+        <p:cNvGrpSpPr/>
+        <p:nvPr/>
+      </p:nvGrpSpPr>
+      <p:grpSpPr>
+        <a:xfrm>
+          <a:off x="0" y="0"/>
+          <a:ext cx="0" cy="0"/>
+          <a:chOff x="0" y="0"/>
+          <a:chExt cx="0" cy="0"/>
+        </a:xfrm>
+      </p:grpSpPr>
+      <p:sp>
+        <p:nvSpPr>
+          <p:cNvPr id="2" name="Marcador de Posição da Imagem do Diapositivo 1"/>
+          <p:cNvSpPr>
+            <a:spLocks noGrp="1" noRot="1" noChangeAspect="1"/>
+          </p:cNvSpPr>
+          <p:nvPr>
+            <p:ph type="sldImg"/>
+          </p:nvPr>
+        </p:nvSpPr>
+        <p:spPr/>
+      </p:sp>
+      <p:sp>
+        <p:nvSpPr>
+          <p:cNvPr id="3" name="Marcador de Posição de Notas 2"/>
+          <p:cNvSpPr>
+            <a:spLocks noGrp="1"/>
+          </p:cNvSpPr>
+          <p:nvPr>
+            <p:ph type="body" idx="1"/>
+          </p:nvPr>
+        </p:nvSpPr>
+        <p:spPr/>
+        <p:txBody>
+          <a:bodyPr/>
+          <a:lstStyle/>
+          <a:p>
+            <a:r>
+              <a:rPr lang="pt-PT" dirty="0"/>
+              <a:t>Web explicar para que serve</a:t>
+            </a:r>
+          </a:p>
+          <a:p>
+            <a:r>
+              <a:rPr lang="pt-PT" dirty="0"/>
+              <a:t>Para ver os detalhes da compras e as informações do utilizador</a:t>
+            </a:r>
+          </a:p>
+          <a:p>
+            <a:r>
+              <a:rPr lang="pt-PT" dirty="0"/>
+              <a:t>Explicar que </a:t>
+            </a:r>
+            <a:r>
+              <a:rPr lang="pt-PT" dirty="0" err="1"/>
+              <a:t>tb</a:t>
+            </a:r>
+            <a:r>
+              <a:rPr lang="pt-PT" dirty="0"/>
+              <a:t> serve para o </a:t>
+            </a:r>
+            <a:r>
+              <a:rPr lang="pt-PT" dirty="0" err="1"/>
+              <a:t>admin</a:t>
+            </a:r>
+            <a:endParaRPr lang="pt-PT" dirty="0"/>
+          </a:p>
+        </p:txBody>
+      </p:sp>
+      <p:sp>
+        <p:nvSpPr>
+          <p:cNvPr id="4" name="Marcador de Posição do Número do Diapositivo 3"/>
+          <p:cNvSpPr>
+            <a:spLocks noGrp="1"/>
+          </p:cNvSpPr>
+          <p:nvPr>
+            <p:ph type="sldNum" sz="quarter" idx="5"/>
+          </p:nvPr>
+        </p:nvSpPr>
+        <p:spPr/>
+        <p:txBody>
+          <a:bodyPr/>
+          <a:lstStyle/>
+          <a:p>
+            <a:fld id="{B75E9354-2B91-4014-B829-0008AE7711A5}" type="slidenum">
+              <a:rPr lang="pt-PT" smtClean="0"/>
+              <a:t>7</a:t>
+            </a:fld>
+            <a:endParaRPr lang="pt-PT"/>
+          </a:p>
+        </p:txBody>
+      </p:sp>
+    </p:spTree>
+    <p:extLst>
+      <p:ext uri="{BB962C8B-B14F-4D97-AF65-F5344CB8AC3E}">
+        <p14:creationId xmlns:p14="http://schemas.microsoft.com/office/powerpoint/2010/main" val="2821106900"/>
+      </p:ext>
+    </p:extLst>
+  </p:cSld>
+  <p:clrMapOvr>
+    <a:masterClrMapping/>
+  </p:clrMapOvr>
+</p:notes>
+</file>
+
+<file path=ppt/notesSlides/notesSlide7.xml><?xml version="1.0" encoding="utf-8"?>
 <p:notes xmlns:a="http://schemas.openxmlformats.org/drawingml/2006/main" xmlns:r="http://schemas.openxmlformats.org/officeDocument/2006/relationships" xmlns:p="http://schemas.openxmlformats.org/presentationml/2006/main">
   <p:cSld>
     <p:spTree>
@@ -649,7 +1696,7 @@
 </p:notes>
 </file>
 
-<file path=ppt/notesSlides/notesSlide3.xml><?xml version="1.0" encoding="utf-8"?>
+<file path=ppt/notesSlides/notesSlide8.xml><?xml version="1.0" encoding="utf-8"?>
 <p:notes xmlns:a="http://schemas.openxmlformats.org/drawingml/2006/main" xmlns:r="http://schemas.openxmlformats.org/officeDocument/2006/relationships" xmlns:p="http://schemas.openxmlformats.org/presentationml/2006/main">
   <p:cSld>
     <p:spTree>
@@ -736,7 +1783,7 @@
 </p:notes>
 </file>
 
-<file path=ppt/notesSlides/notesSlide4.xml><?xml version="1.0" encoding="utf-8"?>
+<file path=ppt/notesSlides/notesSlide9.xml><?xml version="1.0" encoding="utf-8"?>
 <p:notes xmlns:a="http://schemas.openxmlformats.org/drawingml/2006/main" xmlns:r="http://schemas.openxmlformats.org/officeDocument/2006/relationships" xmlns:p="http://schemas.openxmlformats.org/presentationml/2006/main">
   <p:cSld>
     <p:spTree>
@@ -780,6 +1827,53 @@
           <a:bodyPr/>
           <a:lstStyle/>
           <a:p>
+            <a:r>
+              <a:rPr lang="pt-PT" dirty="0" err="1"/>
+              <a:t>Php</a:t>
+            </a:r>
+            <a:r>
+              <a:rPr lang="pt-PT" dirty="0"/>
+              <a:t> </a:t>
+            </a:r>
+            <a:r>
+              <a:rPr lang="pt-PT" dirty="0" err="1"/>
+              <a:t>Storm</a:t>
+            </a:r>
+            <a:endParaRPr lang="pt-PT" dirty="0"/>
+          </a:p>
+          <a:p>
+            <a:r>
+              <a:rPr lang="pt-PT" dirty="0"/>
+              <a:t>Android </a:t>
+            </a:r>
+            <a:r>
+              <a:rPr lang="pt-PT" dirty="0" err="1"/>
+              <a:t>Studio</a:t>
+            </a:r>
+            <a:endParaRPr lang="pt-PT" dirty="0"/>
+          </a:p>
+          <a:p>
+            <a:r>
+              <a:rPr lang="pt-PT" dirty="0" err="1"/>
+              <a:t>Netbeans</a:t>
+            </a:r>
+            <a:endParaRPr lang="pt-PT" dirty="0"/>
+          </a:p>
+          <a:p>
+            <a:r>
+              <a:rPr lang="pt-PT" dirty="0" err="1"/>
+              <a:t>Github</a:t>
+            </a:r>
+            <a:r>
+              <a:rPr lang="pt-PT" dirty="0"/>
+              <a:t> </a:t>
+            </a:r>
+          </a:p>
+          <a:p>
+            <a:r>
+              <a:rPr lang="pt-PT" dirty="0" err="1"/>
+              <a:t>trello</a:t>
+            </a:r>
             <a:endParaRPr lang="pt-PT" dirty="0"/>
           </a:p>
         </p:txBody>
@@ -811,90 +1905,6 @@
     <p:extLst>
       <p:ext uri="{BB962C8B-B14F-4D97-AF65-F5344CB8AC3E}">
         <p14:creationId xmlns:p14="http://schemas.microsoft.com/office/powerpoint/2010/main" val="1864462275"/>
-      </p:ext>
-    </p:extLst>
-  </p:cSld>
-  <p:clrMapOvr>
-    <a:masterClrMapping/>
-  </p:clrMapOvr>
-</p:notes>
-</file>
-
-<file path=ppt/notesSlides/notesSlide5.xml><?xml version="1.0" encoding="utf-8"?>
-<p:notes xmlns:a="http://schemas.openxmlformats.org/drawingml/2006/main" xmlns:r="http://schemas.openxmlformats.org/officeDocument/2006/relationships" xmlns:p="http://schemas.openxmlformats.org/presentationml/2006/main">
-  <p:cSld>
-    <p:spTree>
-      <p:nvGrpSpPr>
-        <p:cNvPr id="1" name=""/>
-        <p:cNvGrpSpPr/>
-        <p:nvPr/>
-      </p:nvGrpSpPr>
-      <p:grpSpPr>
-        <a:xfrm>
-          <a:off x="0" y="0"/>
-          <a:ext cx="0" cy="0"/>
-          <a:chOff x="0" y="0"/>
-          <a:chExt cx="0" cy="0"/>
-        </a:xfrm>
-      </p:grpSpPr>
-      <p:sp>
-        <p:nvSpPr>
-          <p:cNvPr id="2" name="Marcador de Posição da Imagem do Diapositivo 1"/>
-          <p:cNvSpPr>
-            <a:spLocks noGrp="1" noRot="1" noChangeAspect="1"/>
-          </p:cNvSpPr>
-          <p:nvPr>
-            <p:ph type="sldImg"/>
-          </p:nvPr>
-        </p:nvSpPr>
-        <p:spPr/>
-      </p:sp>
-      <p:sp>
-        <p:nvSpPr>
-          <p:cNvPr id="3" name="Marcador de Posição de Notas 2"/>
-          <p:cNvSpPr>
-            <a:spLocks noGrp="1"/>
-          </p:cNvSpPr>
-          <p:nvPr>
-            <p:ph type="body" idx="1"/>
-          </p:nvPr>
-        </p:nvSpPr>
-        <p:spPr/>
-        <p:txBody>
-          <a:bodyPr/>
-          <a:lstStyle/>
-          <a:p>
-            <a:endParaRPr lang="pt-PT" dirty="0"/>
-          </a:p>
-        </p:txBody>
-      </p:sp>
-      <p:sp>
-        <p:nvSpPr>
-          <p:cNvPr id="4" name="Marcador de Posição do Número do Diapositivo 3"/>
-          <p:cNvSpPr>
-            <a:spLocks noGrp="1"/>
-          </p:cNvSpPr>
-          <p:nvPr>
-            <p:ph type="sldNum" sz="quarter" idx="5"/>
-          </p:nvPr>
-        </p:nvSpPr>
-        <p:spPr/>
-        <p:txBody>
-          <a:bodyPr/>
-          <a:lstStyle/>
-          <a:p>
-            <a:fld id="{B75E9354-2B91-4014-B829-0008AE7711A5}" type="slidenum">
-              <a:rPr lang="pt-PT" smtClean="0"/>
-              <a:t>11</a:t>
-            </a:fld>
-            <a:endParaRPr lang="pt-PT"/>
-          </a:p>
-        </p:txBody>
-      </p:sp>
-    </p:spTree>
-    <p:extLst>
-      <p:ext uri="{BB962C8B-B14F-4D97-AF65-F5344CB8AC3E}">
-        <p14:creationId xmlns:p14="http://schemas.microsoft.com/office/powerpoint/2010/main" val="4059407667"/>
       </p:ext>
     </p:extLst>
   </p:cSld>
@@ -1051,7 +2061,7 @@
           <a:p>
             <a:fld id="{05307479-741F-46C9-AA1F-ADEABD52138C}" type="datetime1">
               <a:rPr lang="pt-PT" smtClean="0"/>
-              <a:t>16/02/2022</a:t>
+              <a:t>22/02/2022</a:t>
             </a:fld>
             <a:endParaRPr lang="pt-PT"/>
           </a:p>
@@ -1249,7 +2259,7 @@
           <a:p>
             <a:fld id="{943CABCC-5718-4A34-87BF-4AE9B2AAC825}" type="datetime1">
               <a:rPr lang="pt-PT" smtClean="0"/>
-              <a:t>16/02/2022</a:t>
+              <a:t>22/02/2022</a:t>
             </a:fld>
             <a:endParaRPr lang="pt-PT"/>
           </a:p>
@@ -1457,7 +2467,7 @@
           <a:p>
             <a:fld id="{C504EB24-9AA5-4EBD-8C50-1155405E2FAE}" type="datetime1">
               <a:rPr lang="pt-PT" smtClean="0"/>
-              <a:t>16/02/2022</a:t>
+              <a:t>22/02/2022</a:t>
             </a:fld>
             <a:endParaRPr lang="pt-PT"/>
           </a:p>
@@ -1655,7 +2665,7 @@
           <a:p>
             <a:fld id="{6E5ADBF4-9F27-45CF-9B74-6FD3369ABE6A}" type="datetime1">
               <a:rPr lang="pt-PT" smtClean="0"/>
-              <a:t>16/02/2022</a:t>
+              <a:t>22/02/2022</a:t>
             </a:fld>
             <a:endParaRPr lang="pt-PT"/>
           </a:p>
@@ -1930,7 +2940,7 @@
           <a:p>
             <a:fld id="{A64028EA-98ED-4938-A4A2-6D3579BD0C34}" type="datetime1">
               <a:rPr lang="pt-PT" smtClean="0"/>
-              <a:t>16/02/2022</a:t>
+              <a:t>22/02/2022</a:t>
             </a:fld>
             <a:endParaRPr lang="pt-PT"/>
           </a:p>
@@ -2195,7 +3205,7 @@
           <a:p>
             <a:fld id="{8074561A-FA82-4D84-ACC7-105B3B6F90B5}" type="datetime1">
               <a:rPr lang="pt-PT" smtClean="0"/>
-              <a:t>16/02/2022</a:t>
+              <a:t>22/02/2022</a:t>
             </a:fld>
             <a:endParaRPr lang="pt-PT"/>
           </a:p>
@@ -2607,7 +3617,7 @@
           <a:p>
             <a:fld id="{AA0B1A50-C9F9-4FC8-B6AD-EFA0456F3BCA}" type="datetime1">
               <a:rPr lang="pt-PT" smtClean="0"/>
-              <a:t>16/02/2022</a:t>
+              <a:t>22/02/2022</a:t>
             </a:fld>
             <a:endParaRPr lang="pt-PT"/>
           </a:p>
@@ -2748,7 +3758,7 @@
           <a:p>
             <a:fld id="{3E82B714-C593-471C-8B15-DE7C752031CE}" type="datetime1">
               <a:rPr lang="pt-PT" smtClean="0"/>
-              <a:t>16/02/2022</a:t>
+              <a:t>22/02/2022</a:t>
             </a:fld>
             <a:endParaRPr lang="pt-PT"/>
           </a:p>
@@ -2861,7 +3871,7 @@
           <a:p>
             <a:fld id="{FF458F88-3E3A-4176-BE57-D724FF237973}" type="datetime1">
               <a:rPr lang="pt-PT" smtClean="0"/>
-              <a:t>16/02/2022</a:t>
+              <a:t>22/02/2022</a:t>
             </a:fld>
             <a:endParaRPr lang="pt-PT"/>
           </a:p>
@@ -3172,7 +4182,7 @@
           <a:p>
             <a:fld id="{1DF82F4D-080D-4131-8344-4272FD0F5547}" type="datetime1">
               <a:rPr lang="pt-PT" smtClean="0"/>
-              <a:t>16/02/2022</a:t>
+              <a:t>22/02/2022</a:t>
             </a:fld>
             <a:endParaRPr lang="pt-PT"/>
           </a:p>
@@ -3460,7 +4470,7 @@
           <a:p>
             <a:fld id="{D70B890E-449C-4D84-89E0-3D4A87516A3D}" type="datetime1">
               <a:rPr lang="pt-PT" smtClean="0"/>
-              <a:t>16/02/2022</a:t>
+              <a:t>22/02/2022</a:t>
             </a:fld>
             <a:endParaRPr lang="pt-PT"/>
           </a:p>
@@ -3701,7 +4711,7 @@
           <a:p>
             <a:fld id="{E0CAB64D-F707-4AC9-8F38-3BDFB3101443}" type="datetime1">
               <a:rPr lang="pt-PT" smtClean="0"/>
-              <a:t>16/02/2022</a:t>
+              <a:t>22/02/2022</a:t>
             </a:fld>
             <a:endParaRPr lang="pt-PT"/>
           </a:p>
@@ -9393,7 +10403,7 @@
           <p:nvPr/>
         </p:nvPicPr>
         <p:blipFill rotWithShape="1">
-          <a:blip r:embed="rId2"/>
+          <a:blip r:embed="rId3"/>
           <a:srcRect l="20676" r="10914" b="-1"/>
           <a:stretch/>
         </p:blipFill>
@@ -23313,7 +24323,7 @@
           <p:nvPr/>
         </p:nvPicPr>
         <p:blipFill rotWithShape="1">
-          <a:blip r:embed="rId2"/>
+          <a:blip r:embed="rId3"/>
           <a:srcRect l="15628" r="-1" b="-1"/>
           <a:stretch/>
         </p:blipFill>
@@ -23867,7 +24877,7 @@
           </p:nvPr>
         </p:nvPicPr>
         <p:blipFill rotWithShape="1">
-          <a:blip r:embed="rId2">
+          <a:blip r:embed="rId3">
             <a:extLst>
               <a:ext uri="{28A0092B-C50C-407E-A947-70E740481C1C}">
                 <a14:useLocalDpi xmlns:a14="http://schemas.microsoft.com/office/drawing/2010/main" val="0"/>
@@ -24247,7 +25257,7 @@
           </p:nvPr>
         </p:nvPicPr>
         <p:blipFill rotWithShape="1">
-          <a:blip r:embed="rId2">
+          <a:blip r:embed="rId3">
             <a:extLst>
               <a:ext uri="{28A0092B-C50C-407E-A947-70E740481C1C}">
                 <a14:useLocalDpi xmlns:a14="http://schemas.microsoft.com/office/drawing/2010/main" val="0"/>
@@ -24897,7 +25907,7 @@
           <p:nvPr/>
         </p:nvPicPr>
         <p:blipFill>
-          <a:blip r:embed="rId2">
+          <a:blip r:embed="rId3">
             <a:extLst>
               <a:ext uri="{28A0092B-C50C-407E-A947-70E740481C1C}">
                 <a14:useLocalDpi xmlns:a14="http://schemas.microsoft.com/office/drawing/2010/main" val="0"/>
@@ -25176,7 +26186,7 @@
           <p:nvPr/>
         </p:nvPicPr>
         <p:blipFill rotWithShape="1">
-          <a:blip r:embed="rId2">
+          <a:blip r:embed="rId3">
             <a:extLst>
               <a:ext uri="{28A0092B-C50C-407E-A947-70E740481C1C}">
                 <a14:useLocalDpi xmlns:a14="http://schemas.microsoft.com/office/drawing/2010/main" val="0"/>
@@ -25404,7 +26414,7 @@
           <p:nvPr/>
         </p:nvPicPr>
         <p:blipFill rotWithShape="1">
-          <a:blip r:embed="rId2">
+          <a:blip r:embed="rId3">
             <a:extLst>
               <a:ext uri="{28A0092B-C50C-407E-A947-70E740481C1C}">
                 <a14:useLocalDpi xmlns:a14="http://schemas.microsoft.com/office/drawing/2010/main" val="0"/>
@@ -27202,6 +28212,15 @@
 </file>
 
 <file path=customXml/item1.xml><?xml version="1.0" encoding="utf-8"?>
+<?mso-contentType ?>
+<FormTemplates xmlns="http://schemas.microsoft.com/sharepoint/v3/contenttype/forms">
+  <Display>DocumentLibraryForm</Display>
+  <Edit>DocumentLibraryForm</Edit>
+  <New>DocumentLibraryForm</New>
+</FormTemplates>
+</file>
+
+<file path=customXml/item2.xml><?xml version="1.0" encoding="utf-8"?>
 <ct:contentTypeSchema xmlns:ct="http://schemas.microsoft.com/office/2006/metadata/contentType" xmlns:ma="http://schemas.microsoft.com/office/2006/metadata/properties/metaAttributes" ct:_="" ma:_="" ma:contentTypeName="Document" ma:contentTypeID="0x010100F9D87775D2C7474C804A12E237D4A870" ma:contentTypeVersion="12" ma:contentTypeDescription="Create a new document." ma:contentTypeScope="" ma:versionID="715c8e22c52934408a848c5571b9c2dc">
   <xsd:schema xmlns:xsd="http://www.w3.org/2001/XMLSchema" xmlns:xs="http://www.w3.org/2001/XMLSchema" xmlns:p="http://schemas.microsoft.com/office/2006/metadata/properties" xmlns:ns3="bc34f749-a9cc-486e-aa86-7fce59d0e900" xmlns:ns4="0749c31c-d6e7-4502-8916-6384ae8f01aa" targetNamespace="http://schemas.microsoft.com/office/2006/metadata/properties" ma:root="true" ma:fieldsID="0793b28f856afbb0bc8d6bc9132a772e" ns3:_="" ns4:_="">
     <xsd:import namespace="bc34f749-a9cc-486e-aa86-7fce59d0e900"/>
@@ -27418,15 +28437,6 @@
 </ct:contentTypeSchema>
 </file>
 
-<file path=customXml/item2.xml><?xml version="1.0" encoding="utf-8"?>
-<?mso-contentType ?>
-<FormTemplates xmlns="http://schemas.microsoft.com/sharepoint/v3/contenttype/forms">
-  <Display>DocumentLibraryForm</Display>
-  <Edit>DocumentLibraryForm</Edit>
-  <New>DocumentLibraryForm</New>
-</FormTemplates>
-</file>
-
 <file path=customXml/item3.xml><?xml version="1.0" encoding="utf-8"?>
 <p:properties xmlns:p="http://schemas.microsoft.com/office/2006/metadata/properties" xmlns:xsi="http://www.w3.org/2001/XMLSchema-instance" xmlns:pc="http://schemas.microsoft.com/office/infopath/2007/PartnerControls">
   <documentManagement/>
@@ -27434,6 +28444,14 @@
 </file>
 
 <file path=customXml/itemProps1.xml><?xml version="1.0" encoding="utf-8"?>
+<ds:datastoreItem xmlns:ds="http://schemas.openxmlformats.org/officeDocument/2006/customXml" ds:itemID="{51D4F5DA-3E29-4492-A802-408F5FCB0B3C}">
+  <ds:schemaRefs>
+    <ds:schemaRef ds:uri="http://schemas.microsoft.com/sharepoint/v3/contenttype/forms"/>
+  </ds:schemaRefs>
+</ds:datastoreItem>
+</file>
+
+<file path=customXml/itemProps2.xml><?xml version="1.0" encoding="utf-8"?>
 <ds:datastoreItem xmlns:ds="http://schemas.openxmlformats.org/officeDocument/2006/customXml" ds:itemID="{BD7D8914-296A-4762-9E13-BD36E4628C2E}">
   <ds:schemaRefs>
     <ds:schemaRef ds:uri="http://schemas.microsoft.com/office/2006/metadata/contentType"/>
@@ -27448,14 +28466,6 @@
     <ds:schemaRef ds:uri="http://purl.org/dc/elements/1.1/"/>
     <ds:schemaRef ds:uri="http://purl.org/dc/terms/"/>
     <ds:schemaRef ds:uri="http://schemas.microsoft.com/internal/obd"/>
-  </ds:schemaRefs>
-</ds:datastoreItem>
-</file>
-
-<file path=customXml/itemProps2.xml><?xml version="1.0" encoding="utf-8"?>
-<ds:datastoreItem xmlns:ds="http://schemas.openxmlformats.org/officeDocument/2006/customXml" ds:itemID="{51D4F5DA-3E29-4492-A802-408F5FCB0B3C}">
-  <ds:schemaRefs>
-    <ds:schemaRef ds:uri="http://schemas.microsoft.com/sharepoint/v3/contenttype/forms"/>
   </ds:schemaRefs>
 </ds:datastoreItem>
 </file>

--- a/documentos/ApresentacaoFinal.pptx
+++ b/documentos/ApresentacaoFinal.pptx
@@ -5,24 +5,26 @@
     <p:sldMasterId id="2147483648" r:id="rId4"/>
   </p:sldMasterIdLst>
   <p:notesMasterIdLst>
-    <p:notesMasterId r:id="rId20"/>
+    <p:notesMasterId r:id="rId22"/>
   </p:notesMasterIdLst>
   <p:sldIdLst>
     <p:sldId id="256" r:id="rId5"/>
-    <p:sldId id="257" r:id="rId6"/>
-    <p:sldId id="258" r:id="rId7"/>
-    <p:sldId id="259" r:id="rId8"/>
-    <p:sldId id="268" r:id="rId9"/>
-    <p:sldId id="269" r:id="rId10"/>
-    <p:sldId id="270" r:id="rId11"/>
-    <p:sldId id="260" r:id="rId12"/>
-    <p:sldId id="261" r:id="rId13"/>
-    <p:sldId id="262" r:id="rId14"/>
-    <p:sldId id="263" r:id="rId15"/>
-    <p:sldId id="264" r:id="rId16"/>
-    <p:sldId id="265" r:id="rId17"/>
-    <p:sldId id="266" r:id="rId18"/>
-    <p:sldId id="267" r:id="rId19"/>
+    <p:sldId id="271" r:id="rId6"/>
+    <p:sldId id="272" r:id="rId7"/>
+    <p:sldId id="257" r:id="rId8"/>
+    <p:sldId id="258" r:id="rId9"/>
+    <p:sldId id="259" r:id="rId10"/>
+    <p:sldId id="268" r:id="rId11"/>
+    <p:sldId id="269" r:id="rId12"/>
+    <p:sldId id="270" r:id="rId13"/>
+    <p:sldId id="260" r:id="rId14"/>
+    <p:sldId id="261" r:id="rId15"/>
+    <p:sldId id="262" r:id="rId16"/>
+    <p:sldId id="263" r:id="rId17"/>
+    <p:sldId id="264" r:id="rId18"/>
+    <p:sldId id="265" r:id="rId19"/>
+    <p:sldId id="266" r:id="rId20"/>
+    <p:sldId id="267" r:id="rId21"/>
   </p:sldIdLst>
   <p:sldSz cx="12192000" cy="6858000"/>
   <p:notesSz cx="6858000" cy="9144000"/>
@@ -211,7 +213,7 @@
           <a:p>
             <a:fld id="{B6B1FB5B-F2CB-438D-8F56-E30A5DFB9512}" type="datetimeFigureOut">
               <a:rPr lang="pt-PT" smtClean="0"/>
-              <a:t>22/02/2022</a:t>
+              <a:t>23/02/2022</a:t>
             </a:fld>
             <a:endParaRPr lang="pt-PT"/>
           </a:p>
@@ -577,7 +579,7 @@
           <a:p>
             <a:fld id="{B75E9354-2B91-4014-B829-0008AE7711A5}" type="slidenum">
               <a:rPr lang="pt-PT" smtClean="0"/>
-              <a:t>2</a:t>
+              <a:t>4</a:t>
             </a:fld>
             <a:endParaRPr lang="pt-PT"/>
           </a:p>
@@ -696,7 +698,7 @@
           <a:p>
             <a:fld id="{B75E9354-2B91-4014-B829-0008AE7711A5}" type="slidenum">
               <a:rPr lang="pt-PT" smtClean="0"/>
-              <a:t>11</a:t>
+              <a:t>13</a:t>
             </a:fld>
             <a:endParaRPr lang="pt-PT"/>
           </a:p>
@@ -797,7 +799,7 @@
           <a:p>
             <a:fld id="{B75E9354-2B91-4014-B829-0008AE7711A5}" type="slidenum">
               <a:rPr lang="pt-PT" smtClean="0"/>
-              <a:t>12</a:t>
+              <a:t>14</a:t>
             </a:fld>
             <a:endParaRPr lang="pt-PT"/>
           </a:p>
@@ -890,7 +892,7 @@
           <a:p>
             <a:fld id="{B75E9354-2B91-4014-B829-0008AE7711A5}" type="slidenum">
               <a:rPr lang="pt-PT" smtClean="0"/>
-              <a:t>15</a:t>
+              <a:t>17</a:t>
             </a:fld>
             <a:endParaRPr lang="pt-PT"/>
           </a:p>
@@ -1177,7 +1179,7 @@
           <a:p>
             <a:fld id="{B75E9354-2B91-4014-B829-0008AE7711A5}" type="slidenum">
               <a:rPr lang="pt-PT" smtClean="0"/>
-              <a:t>3</a:t>
+              <a:t>5</a:t>
             </a:fld>
             <a:endParaRPr lang="pt-PT"/>
           </a:p>
@@ -1264,7 +1266,7 @@
           <a:p>
             <a:fld id="{B75E9354-2B91-4014-B829-0008AE7711A5}" type="slidenum">
               <a:rPr lang="pt-PT" smtClean="0"/>
-              <a:t>4</a:t>
+              <a:t>6</a:t>
             </a:fld>
             <a:endParaRPr lang="pt-PT"/>
           </a:p>
@@ -1385,7 +1387,7 @@
           <a:p>
             <a:fld id="{B75E9354-2B91-4014-B829-0008AE7711A5}" type="slidenum">
               <a:rPr lang="pt-PT" smtClean="0"/>
-              <a:t>5</a:t>
+              <a:t>7</a:t>
             </a:fld>
             <a:endParaRPr lang="pt-PT"/>
           </a:p>
@@ -1478,7 +1480,7 @@
           <a:p>
             <a:fld id="{B75E9354-2B91-4014-B829-0008AE7711A5}" type="slidenum">
               <a:rPr lang="pt-PT" smtClean="0"/>
-              <a:t>6</a:t>
+              <a:t>8</a:t>
             </a:fld>
             <a:endParaRPr lang="pt-PT"/>
           </a:p>
@@ -1590,7 +1592,7 @@
           <a:p>
             <a:fld id="{B75E9354-2B91-4014-B829-0008AE7711A5}" type="slidenum">
               <a:rPr lang="pt-PT" smtClean="0"/>
-              <a:t>7</a:t>
+              <a:t>9</a:t>
             </a:fld>
             <a:endParaRPr lang="pt-PT"/>
           </a:p>
@@ -1677,7 +1679,7 @@
           <a:p>
             <a:fld id="{B75E9354-2B91-4014-B829-0008AE7711A5}" type="slidenum">
               <a:rPr lang="pt-PT" smtClean="0"/>
-              <a:t>8</a:t>
+              <a:t>10</a:t>
             </a:fld>
             <a:endParaRPr lang="pt-PT"/>
           </a:p>
@@ -1764,7 +1766,7 @@
           <a:p>
             <a:fld id="{B75E9354-2B91-4014-B829-0008AE7711A5}" type="slidenum">
               <a:rPr lang="pt-PT" smtClean="0"/>
-              <a:t>9</a:t>
+              <a:t>11</a:t>
             </a:fld>
             <a:endParaRPr lang="pt-PT"/>
           </a:p>
@@ -1895,7 +1897,7 @@
           <a:p>
             <a:fld id="{B75E9354-2B91-4014-B829-0008AE7711A5}" type="slidenum">
               <a:rPr lang="pt-PT" smtClean="0"/>
-              <a:t>10</a:t>
+              <a:t>12</a:t>
             </a:fld>
             <a:endParaRPr lang="pt-PT"/>
           </a:p>
@@ -2061,7 +2063,7 @@
           <a:p>
             <a:fld id="{05307479-741F-46C9-AA1F-ADEABD52138C}" type="datetime1">
               <a:rPr lang="pt-PT" smtClean="0"/>
-              <a:t>22/02/2022</a:t>
+              <a:t>23/02/2022</a:t>
             </a:fld>
             <a:endParaRPr lang="pt-PT"/>
           </a:p>
@@ -2259,7 +2261,7 @@
           <a:p>
             <a:fld id="{943CABCC-5718-4A34-87BF-4AE9B2AAC825}" type="datetime1">
               <a:rPr lang="pt-PT" smtClean="0"/>
-              <a:t>22/02/2022</a:t>
+              <a:t>23/02/2022</a:t>
             </a:fld>
             <a:endParaRPr lang="pt-PT"/>
           </a:p>
@@ -2467,7 +2469,7 @@
           <a:p>
             <a:fld id="{C504EB24-9AA5-4EBD-8C50-1155405E2FAE}" type="datetime1">
               <a:rPr lang="pt-PT" smtClean="0"/>
-              <a:t>22/02/2022</a:t>
+              <a:t>23/02/2022</a:t>
             </a:fld>
             <a:endParaRPr lang="pt-PT"/>
           </a:p>
@@ -2665,7 +2667,7 @@
           <a:p>
             <a:fld id="{6E5ADBF4-9F27-45CF-9B74-6FD3369ABE6A}" type="datetime1">
               <a:rPr lang="pt-PT" smtClean="0"/>
-              <a:t>22/02/2022</a:t>
+              <a:t>23/02/2022</a:t>
             </a:fld>
             <a:endParaRPr lang="pt-PT"/>
           </a:p>
@@ -2940,7 +2942,7 @@
           <a:p>
             <a:fld id="{A64028EA-98ED-4938-A4A2-6D3579BD0C34}" type="datetime1">
               <a:rPr lang="pt-PT" smtClean="0"/>
-              <a:t>22/02/2022</a:t>
+              <a:t>23/02/2022</a:t>
             </a:fld>
             <a:endParaRPr lang="pt-PT"/>
           </a:p>
@@ -3205,7 +3207,7 @@
           <a:p>
             <a:fld id="{8074561A-FA82-4D84-ACC7-105B3B6F90B5}" type="datetime1">
               <a:rPr lang="pt-PT" smtClean="0"/>
-              <a:t>22/02/2022</a:t>
+              <a:t>23/02/2022</a:t>
             </a:fld>
             <a:endParaRPr lang="pt-PT"/>
           </a:p>
@@ -3617,7 +3619,7 @@
           <a:p>
             <a:fld id="{AA0B1A50-C9F9-4FC8-B6AD-EFA0456F3BCA}" type="datetime1">
               <a:rPr lang="pt-PT" smtClean="0"/>
-              <a:t>22/02/2022</a:t>
+              <a:t>23/02/2022</a:t>
             </a:fld>
             <a:endParaRPr lang="pt-PT"/>
           </a:p>
@@ -3758,7 +3760,7 @@
           <a:p>
             <a:fld id="{3E82B714-C593-471C-8B15-DE7C752031CE}" type="datetime1">
               <a:rPr lang="pt-PT" smtClean="0"/>
-              <a:t>22/02/2022</a:t>
+              <a:t>23/02/2022</a:t>
             </a:fld>
             <a:endParaRPr lang="pt-PT"/>
           </a:p>
@@ -3871,7 +3873,7 @@
           <a:p>
             <a:fld id="{FF458F88-3E3A-4176-BE57-D724FF237973}" type="datetime1">
               <a:rPr lang="pt-PT" smtClean="0"/>
-              <a:t>22/02/2022</a:t>
+              <a:t>23/02/2022</a:t>
             </a:fld>
             <a:endParaRPr lang="pt-PT"/>
           </a:p>
@@ -4182,7 +4184,7 @@
           <a:p>
             <a:fld id="{1DF82F4D-080D-4131-8344-4272FD0F5547}" type="datetime1">
               <a:rPr lang="pt-PT" smtClean="0"/>
-              <a:t>22/02/2022</a:t>
+              <a:t>23/02/2022</a:t>
             </a:fld>
             <a:endParaRPr lang="pt-PT"/>
           </a:p>
@@ -4470,7 +4472,7 @@
           <a:p>
             <a:fld id="{D70B890E-449C-4D84-89E0-3D4A87516A3D}" type="datetime1">
               <a:rPr lang="pt-PT" smtClean="0"/>
-              <a:t>22/02/2022</a:t>
+              <a:t>23/02/2022</a:t>
             </a:fld>
             <a:endParaRPr lang="pt-PT"/>
           </a:p>
@@ -4711,7 +4713,7 @@
           <a:p>
             <a:fld id="{E0CAB64D-F707-4AC9-8F38-3BDFB3101443}" type="datetime1">
               <a:rPr lang="pt-PT" smtClean="0"/>
-              <a:t>22/02/2022</a:t>
+              <a:t>23/02/2022</a:t>
             </a:fld>
             <a:endParaRPr lang="pt-PT"/>
           </a:p>
@@ -5786,6 +5788,843 @@
     <p:bg>
       <p:bgPr>
         <a:solidFill>
+          <a:schemeClr val="bg1">
+            <a:tint val="95000"/>
+            <a:satMod val="170000"/>
+          </a:schemeClr>
+        </a:solidFill>
+        <a:effectLst/>
+      </p:bgPr>
+    </p:bg>
+    <p:spTree>
+      <p:nvGrpSpPr>
+        <p:cNvPr id="1" name=""/>
+        <p:cNvGrpSpPr/>
+        <p:nvPr/>
+      </p:nvGrpSpPr>
+      <p:grpSpPr>
+        <a:xfrm>
+          <a:off x="0" y="0"/>
+          <a:ext cx="0" cy="0"/>
+          <a:chOff x="0" y="0"/>
+          <a:chExt cx="0" cy="0"/>
+        </a:xfrm>
+      </p:grpSpPr>
+      <p:sp>
+        <p:nvSpPr>
+          <p:cNvPr id="8" name="Freeform: Shape 7">
+            <a:extLst>
+              <a:ext uri="{FF2B5EF4-FFF2-40B4-BE49-F238E27FC236}">
+                <a16:creationId xmlns:a16="http://schemas.microsoft.com/office/drawing/2014/main" id="{66B332A4-D438-4773-A77F-5ED49A448D9D}"/>
+              </a:ext>
+              <a:ext uri="{C183D7F6-B498-43B3-948B-1728B52AA6E4}">
+                <adec:decorative xmlns:adec="http://schemas.microsoft.com/office/drawing/2017/decorative" val="1"/>
+              </a:ext>
+            </a:extLst>
+          </p:cNvPr>
+          <p:cNvSpPr>
+            <a:spLocks noGrp="1" noRot="1" noChangeAspect="1" noMove="1" noResize="1" noEditPoints="1" noAdjustHandles="1" noChangeArrowheads="1" noChangeShapeType="1" noTextEdit="1"/>
+          </p:cNvSpPr>
+          <p:nvPr>
+            <p:extLst>
+              <p:ext uri="{386F3935-93C4-4BCD-93E2-E3B085C9AB24}">
+                <p16:designElem xmlns:p16="http://schemas.microsoft.com/office/powerpoint/2015/main" val="1"/>
+              </p:ext>
+            </p:extLst>
+          </p:nvPr>
+        </p:nvSpPr>
+        <p:spPr>
+          <a:xfrm>
+            <a:off x="1953768" y="0"/>
+            <a:ext cx="8284464" cy="6858000"/>
+          </a:xfrm>
+          <a:custGeom>
+            <a:avLst/>
+            <a:gdLst>
+              <a:gd name="connsiteX0" fmla="*/ 1818109 w 8284464"/>
+              <a:gd name="connsiteY0" fmla="*/ 0 h 6858000"/>
+              <a:gd name="connsiteX1" fmla="*/ 6466355 w 8284464"/>
+              <a:gd name="connsiteY1" fmla="*/ 0 h 6858000"/>
+              <a:gd name="connsiteX2" fmla="*/ 6620596 w 8284464"/>
+              <a:gd name="connsiteY2" fmla="*/ 109683 h 6858000"/>
+              <a:gd name="connsiteX3" fmla="*/ 8284464 w 8284464"/>
+              <a:gd name="connsiteY3" fmla="*/ 3429000 h 6858000"/>
+              <a:gd name="connsiteX4" fmla="*/ 6620596 w 8284464"/>
+              <a:gd name="connsiteY4" fmla="*/ 6748318 h 6858000"/>
+              <a:gd name="connsiteX5" fmla="*/ 6466355 w 8284464"/>
+              <a:gd name="connsiteY5" fmla="*/ 6858000 h 6858000"/>
+              <a:gd name="connsiteX6" fmla="*/ 1818109 w 8284464"/>
+              <a:gd name="connsiteY6" fmla="*/ 6858000 h 6858000"/>
+              <a:gd name="connsiteX7" fmla="*/ 1663869 w 8284464"/>
+              <a:gd name="connsiteY7" fmla="*/ 6748318 h 6858000"/>
+              <a:gd name="connsiteX8" fmla="*/ 0 w 8284464"/>
+              <a:gd name="connsiteY8" fmla="*/ 3429000 h 6858000"/>
+              <a:gd name="connsiteX9" fmla="*/ 1663869 w 8284464"/>
+              <a:gd name="connsiteY9" fmla="*/ 109683 h 6858000"/>
+            </a:gdLst>
+            <a:ahLst/>
+            <a:cxnLst>
+              <a:cxn ang="0">
+                <a:pos x="connsiteX0" y="connsiteY0"/>
+              </a:cxn>
+              <a:cxn ang="0">
+                <a:pos x="connsiteX1" y="connsiteY1"/>
+              </a:cxn>
+              <a:cxn ang="0">
+                <a:pos x="connsiteX2" y="connsiteY2"/>
+              </a:cxn>
+              <a:cxn ang="0">
+                <a:pos x="connsiteX3" y="connsiteY3"/>
+              </a:cxn>
+              <a:cxn ang="0">
+                <a:pos x="connsiteX4" y="connsiteY4"/>
+              </a:cxn>
+              <a:cxn ang="0">
+                <a:pos x="connsiteX5" y="connsiteY5"/>
+              </a:cxn>
+              <a:cxn ang="0">
+                <a:pos x="connsiteX6" y="connsiteY6"/>
+              </a:cxn>
+              <a:cxn ang="0">
+                <a:pos x="connsiteX7" y="connsiteY7"/>
+              </a:cxn>
+              <a:cxn ang="0">
+                <a:pos x="connsiteX8" y="connsiteY8"/>
+              </a:cxn>
+              <a:cxn ang="0">
+                <a:pos x="connsiteX9" y="connsiteY9"/>
+              </a:cxn>
+            </a:cxnLst>
+            <a:rect l="l" t="t" r="r" b="b"/>
+            <a:pathLst>
+              <a:path w="8284464" h="6858000">
+                <a:moveTo>
+                  <a:pt x="1818109" y="0"/>
+                </a:moveTo>
+                <a:lnTo>
+                  <a:pt x="6466355" y="0"/>
+                </a:lnTo>
+                <a:lnTo>
+                  <a:pt x="6620596" y="109683"/>
+                </a:lnTo>
+                <a:cubicBezTo>
+                  <a:pt x="7630666" y="865069"/>
+                  <a:pt x="8284464" y="2070683"/>
+                  <a:pt x="8284464" y="3429000"/>
+                </a:cubicBezTo>
+                <a:cubicBezTo>
+                  <a:pt x="8284464" y="4787317"/>
+                  <a:pt x="7630666" y="5992931"/>
+                  <a:pt x="6620596" y="6748318"/>
+                </a:cubicBezTo>
+                <a:lnTo>
+                  <a:pt x="6466355" y="6858000"/>
+                </a:lnTo>
+                <a:lnTo>
+                  <a:pt x="1818109" y="6858000"/>
+                </a:lnTo>
+                <a:lnTo>
+                  <a:pt x="1663869" y="6748318"/>
+                </a:lnTo>
+                <a:cubicBezTo>
+                  <a:pt x="653798" y="5992931"/>
+                  <a:pt x="0" y="4787317"/>
+                  <a:pt x="0" y="3429000"/>
+                </a:cubicBezTo>
+                <a:cubicBezTo>
+                  <a:pt x="0" y="2070683"/>
+                  <a:pt x="653798" y="865069"/>
+                  <a:pt x="1663869" y="109683"/>
+                </a:cubicBezTo>
+                <a:close/>
+              </a:path>
+            </a:pathLst>
+          </a:custGeom>
+          <a:solidFill>
+            <a:srgbClr val="FFFFFF">
+              <a:alpha val="80000"/>
+            </a:srgbClr>
+          </a:solidFill>
+          <a:ln>
+            <a:noFill/>
+          </a:ln>
+        </p:spPr>
+        <p:style>
+          <a:lnRef idx="2">
+            <a:schemeClr val="accent1">
+              <a:shade val="50000"/>
+            </a:schemeClr>
+          </a:lnRef>
+          <a:fillRef idx="1">
+            <a:schemeClr val="accent1"/>
+          </a:fillRef>
+          <a:effectRef idx="0">
+            <a:schemeClr val="accent1"/>
+          </a:effectRef>
+          <a:fontRef idx="minor">
+            <a:schemeClr val="lt1"/>
+          </a:fontRef>
+        </p:style>
+        <p:txBody>
+          <a:bodyPr wrap="square" rtlCol="0" anchor="ctr">
+            <a:noAutofit/>
+          </a:bodyPr>
+          <a:lstStyle/>
+          <a:p>
+            <a:pPr algn="ctr"/>
+            <a:endParaRPr lang="en-US"/>
+          </a:p>
+        </p:txBody>
+      </p:sp>
+      <p:sp>
+        <p:nvSpPr>
+          <p:cNvPr id="10" name="Freeform: Shape 9">
+            <a:extLst>
+              <a:ext uri="{FF2B5EF4-FFF2-40B4-BE49-F238E27FC236}">
+                <a16:creationId xmlns:a16="http://schemas.microsoft.com/office/drawing/2014/main" id="{DF9AD32D-FF05-44F4-BD4D-9CEE89B71EB9}"/>
+              </a:ext>
+              <a:ext uri="{C183D7F6-B498-43B3-948B-1728B52AA6E4}">
+                <adec:decorative xmlns:adec="http://schemas.microsoft.com/office/drawing/2017/decorative" val="1"/>
+              </a:ext>
+            </a:extLst>
+          </p:cNvPr>
+          <p:cNvSpPr>
+            <a:spLocks noGrp="1" noRot="1" noChangeAspect="1" noMove="1" noResize="1" noEditPoints="1" noAdjustHandles="1" noChangeArrowheads="1" noChangeShapeType="1" noTextEdit="1"/>
+          </p:cNvSpPr>
+          <p:nvPr>
+            <p:extLst>
+              <p:ext uri="{386F3935-93C4-4BCD-93E2-E3B085C9AB24}">
+                <p16:designElem xmlns:p16="http://schemas.microsoft.com/office/powerpoint/2015/main" val="1"/>
+              </p:ext>
+            </p:extLst>
+          </p:nvPr>
+        </p:nvSpPr>
+        <p:spPr>
+          <a:xfrm>
+            <a:off x="2118360" y="0"/>
+            <a:ext cx="7955280" cy="6858000"/>
+          </a:xfrm>
+          <a:custGeom>
+            <a:avLst/>
+            <a:gdLst>
+              <a:gd name="connsiteX0" fmla="*/ 1962423 w 7955280"/>
+              <a:gd name="connsiteY0" fmla="*/ 0 h 6858000"/>
+              <a:gd name="connsiteX1" fmla="*/ 5992858 w 7955280"/>
+              <a:gd name="connsiteY1" fmla="*/ 0 h 6858000"/>
+              <a:gd name="connsiteX2" fmla="*/ 6040191 w 7955280"/>
+              <a:gd name="connsiteY2" fmla="*/ 27216 h 6858000"/>
+              <a:gd name="connsiteX3" fmla="*/ 7955280 w 7955280"/>
+              <a:gd name="connsiteY3" fmla="*/ 3429000 h 6858000"/>
+              <a:gd name="connsiteX4" fmla="*/ 6040191 w 7955280"/>
+              <a:gd name="connsiteY4" fmla="*/ 6830784 h 6858000"/>
+              <a:gd name="connsiteX5" fmla="*/ 5992858 w 7955280"/>
+              <a:gd name="connsiteY5" fmla="*/ 6858000 h 6858000"/>
+              <a:gd name="connsiteX6" fmla="*/ 1962423 w 7955280"/>
+              <a:gd name="connsiteY6" fmla="*/ 6858000 h 6858000"/>
+              <a:gd name="connsiteX7" fmla="*/ 1915089 w 7955280"/>
+              <a:gd name="connsiteY7" fmla="*/ 6830784 h 6858000"/>
+              <a:gd name="connsiteX8" fmla="*/ 0 w 7955280"/>
+              <a:gd name="connsiteY8" fmla="*/ 3429000 h 6858000"/>
+              <a:gd name="connsiteX9" fmla="*/ 1915089 w 7955280"/>
+              <a:gd name="connsiteY9" fmla="*/ 27216 h 6858000"/>
+            </a:gdLst>
+            <a:ahLst/>
+            <a:cxnLst>
+              <a:cxn ang="0">
+                <a:pos x="connsiteX0" y="connsiteY0"/>
+              </a:cxn>
+              <a:cxn ang="0">
+                <a:pos x="connsiteX1" y="connsiteY1"/>
+              </a:cxn>
+              <a:cxn ang="0">
+                <a:pos x="connsiteX2" y="connsiteY2"/>
+              </a:cxn>
+              <a:cxn ang="0">
+                <a:pos x="connsiteX3" y="connsiteY3"/>
+              </a:cxn>
+              <a:cxn ang="0">
+                <a:pos x="connsiteX4" y="connsiteY4"/>
+              </a:cxn>
+              <a:cxn ang="0">
+                <a:pos x="connsiteX5" y="connsiteY5"/>
+              </a:cxn>
+              <a:cxn ang="0">
+                <a:pos x="connsiteX6" y="connsiteY6"/>
+              </a:cxn>
+              <a:cxn ang="0">
+                <a:pos x="connsiteX7" y="connsiteY7"/>
+              </a:cxn>
+              <a:cxn ang="0">
+                <a:pos x="connsiteX8" y="connsiteY8"/>
+              </a:cxn>
+              <a:cxn ang="0">
+                <a:pos x="connsiteX9" y="connsiteY9"/>
+              </a:cxn>
+            </a:cxnLst>
+            <a:rect l="l" t="t" r="r" b="b"/>
+            <a:pathLst>
+              <a:path w="7955280" h="6858000">
+                <a:moveTo>
+                  <a:pt x="1962423" y="0"/>
+                </a:moveTo>
+                <a:lnTo>
+                  <a:pt x="5992858" y="0"/>
+                </a:lnTo>
+                <a:lnTo>
+                  <a:pt x="6040191" y="27216"/>
+                </a:lnTo>
+                <a:cubicBezTo>
+                  <a:pt x="7188332" y="724844"/>
+                  <a:pt x="7955280" y="1987357"/>
+                  <a:pt x="7955280" y="3429000"/>
+                </a:cubicBezTo>
+                <a:cubicBezTo>
+                  <a:pt x="7955280" y="4870644"/>
+                  <a:pt x="7188332" y="6133157"/>
+                  <a:pt x="6040191" y="6830784"/>
+                </a:cubicBezTo>
+                <a:lnTo>
+                  <a:pt x="5992858" y="6858000"/>
+                </a:lnTo>
+                <a:lnTo>
+                  <a:pt x="1962423" y="6858000"/>
+                </a:lnTo>
+                <a:lnTo>
+                  <a:pt x="1915089" y="6830784"/>
+                </a:lnTo>
+                <a:cubicBezTo>
+                  <a:pt x="766948" y="6133157"/>
+                  <a:pt x="0" y="4870644"/>
+                  <a:pt x="0" y="3429000"/>
+                </a:cubicBezTo>
+                <a:cubicBezTo>
+                  <a:pt x="0" y="1987357"/>
+                  <a:pt x="766948" y="724844"/>
+                  <a:pt x="1915089" y="27216"/>
+                </a:cubicBezTo>
+                <a:close/>
+              </a:path>
+            </a:pathLst>
+          </a:custGeom>
+          <a:solidFill>
+            <a:schemeClr val="tx1"/>
+          </a:solidFill>
+          <a:ln>
+            <a:noFill/>
+          </a:ln>
+        </p:spPr>
+        <p:style>
+          <a:lnRef idx="2">
+            <a:schemeClr val="accent1">
+              <a:shade val="50000"/>
+            </a:schemeClr>
+          </a:lnRef>
+          <a:fillRef idx="1">
+            <a:schemeClr val="accent1"/>
+          </a:fillRef>
+          <a:effectRef idx="0">
+            <a:schemeClr val="accent1"/>
+          </a:effectRef>
+          <a:fontRef idx="minor">
+            <a:schemeClr val="lt1"/>
+          </a:fontRef>
+        </p:style>
+        <p:txBody>
+          <a:bodyPr wrap="square" rtlCol="0" anchor="ctr">
+            <a:noAutofit/>
+          </a:bodyPr>
+          <a:lstStyle/>
+          <a:p>
+            <a:pPr algn="ctr"/>
+            <a:endParaRPr lang="en-US"/>
+          </a:p>
+        </p:txBody>
+      </p:sp>
+      <p:sp>
+        <p:nvSpPr>
+          <p:cNvPr id="2" name="Título 1">
+            <a:extLst>
+              <a:ext uri="{FF2B5EF4-FFF2-40B4-BE49-F238E27FC236}">
+                <a16:creationId xmlns:a16="http://schemas.microsoft.com/office/drawing/2014/main" id="{38758FAB-19F5-4230-AE7B-60EA6E08891E}"/>
+              </a:ext>
+            </a:extLst>
+          </p:cNvPr>
+          <p:cNvSpPr>
+            <a:spLocks noGrp="1"/>
+          </p:cNvSpPr>
+          <p:nvPr>
+            <p:ph type="title"/>
+          </p:nvPr>
+        </p:nvSpPr>
+        <p:spPr>
+          <a:xfrm>
+            <a:off x="2555631" y="1441938"/>
+            <a:ext cx="7080738" cy="3974124"/>
+          </a:xfrm>
+        </p:spPr>
+        <p:txBody>
+          <a:bodyPr vert="horz" lIns="91440" tIns="45720" rIns="91440" bIns="45720" rtlCol="0" anchor="ctr">
+            <a:normAutofit/>
+          </a:bodyPr>
+          <a:lstStyle/>
+          <a:p>
+            <a:pPr algn="ctr"/>
+            <a:r>
+              <a:rPr lang="en-US" sz="5400">
+                <a:solidFill>
+                  <a:schemeClr val="bg1">
+                    <a:lumMod val="95000"/>
+                    <a:lumOff val="5000"/>
+                  </a:schemeClr>
+                </a:solidFill>
+                <a:effectLst/>
+              </a:rPr>
+              <a:t>Interligação do projeto </a:t>
+            </a:r>
+            <a:endParaRPr lang="en-US" sz="5400">
+              <a:solidFill>
+                <a:schemeClr val="bg1">
+                  <a:lumMod val="95000"/>
+                  <a:lumOff val="5000"/>
+                </a:schemeClr>
+              </a:solidFill>
+            </a:endParaRPr>
+          </a:p>
+        </p:txBody>
+      </p:sp>
+      <p:sp>
+        <p:nvSpPr>
+          <p:cNvPr id="3" name="Marcador de Posição do Número do Diapositivo 2">
+            <a:extLst>
+              <a:ext uri="{FF2B5EF4-FFF2-40B4-BE49-F238E27FC236}">
+                <a16:creationId xmlns:a16="http://schemas.microsoft.com/office/drawing/2014/main" id="{8A8926E5-E9FC-4E8A-8C14-7246D128069F}"/>
+              </a:ext>
+            </a:extLst>
+          </p:cNvPr>
+          <p:cNvSpPr>
+            <a:spLocks noGrp="1"/>
+          </p:cNvSpPr>
+          <p:nvPr>
+            <p:ph type="sldNum" sz="quarter" idx="12"/>
+          </p:nvPr>
+        </p:nvSpPr>
+        <p:spPr/>
+        <p:txBody>
+          <a:bodyPr/>
+          <a:lstStyle/>
+          <a:p>
+            <a:fld id="{DA87C3F2-8E36-420A-B6CE-8D33D5DF61CB}" type="slidenum">
+              <a:rPr lang="pt-PT" smtClean="0"/>
+              <a:t>10</a:t>
+            </a:fld>
+            <a:endParaRPr lang="pt-PT"/>
+          </a:p>
+        </p:txBody>
+      </p:sp>
+    </p:spTree>
+    <p:extLst>
+      <p:ext uri="{BB962C8B-B14F-4D97-AF65-F5344CB8AC3E}">
+        <p14:creationId xmlns:p14="http://schemas.microsoft.com/office/powerpoint/2010/main" val="3639048791"/>
+      </p:ext>
+    </p:extLst>
+  </p:cSld>
+  <p:clrMapOvr>
+    <a:overrideClrMapping bg1="dk1" tx1="lt1" bg2="dk2" tx2="lt2" accent1="accent1" accent2="accent2" accent3="accent3" accent4="accent4" accent5="accent5" accent6="accent6" hlink="hlink" folHlink="folHlink"/>
+  </p:clrMapOvr>
+</p:sld>
+</file>
+
+<file path=ppt/slides/slide11.xml><?xml version="1.0" encoding="utf-8"?>
+<p:sld xmlns:a="http://schemas.openxmlformats.org/drawingml/2006/main" xmlns:r="http://schemas.openxmlformats.org/officeDocument/2006/relationships" xmlns:p="http://schemas.openxmlformats.org/presentationml/2006/main">
+  <p:cSld>
+    <p:bg>
+      <p:bgPr>
+        <a:solidFill>
+          <a:schemeClr val="bg1">
+            <a:tint val="95000"/>
+            <a:satMod val="170000"/>
+          </a:schemeClr>
+        </a:solidFill>
+        <a:effectLst/>
+      </p:bgPr>
+    </p:bg>
+    <p:spTree>
+      <p:nvGrpSpPr>
+        <p:cNvPr id="1" name=""/>
+        <p:cNvGrpSpPr/>
+        <p:nvPr/>
+      </p:nvGrpSpPr>
+      <p:grpSpPr>
+        <a:xfrm>
+          <a:off x="0" y="0"/>
+          <a:ext cx="0" cy="0"/>
+          <a:chOff x="0" y="0"/>
+          <a:chExt cx="0" cy="0"/>
+        </a:xfrm>
+      </p:grpSpPr>
+      <p:sp>
+        <p:nvSpPr>
+          <p:cNvPr id="2" name="Título 1">
+            <a:extLst>
+              <a:ext uri="{FF2B5EF4-FFF2-40B4-BE49-F238E27FC236}">
+                <a16:creationId xmlns:a16="http://schemas.microsoft.com/office/drawing/2014/main" id="{EAA10D45-88A0-4A9B-B86F-9CE219245F52}"/>
+              </a:ext>
+            </a:extLst>
+          </p:cNvPr>
+          <p:cNvSpPr>
+            <a:spLocks noGrp="1"/>
+          </p:cNvSpPr>
+          <p:nvPr>
+            <p:ph type="title"/>
+          </p:nvPr>
+        </p:nvSpPr>
+        <p:spPr>
+          <a:xfrm>
+            <a:off x="804673" y="3320859"/>
+            <a:ext cx="4524973" cy="2076333"/>
+          </a:xfrm>
+        </p:spPr>
+        <p:txBody>
+          <a:bodyPr vert="horz" lIns="91440" tIns="45720" rIns="91440" bIns="45720" rtlCol="0" anchor="t">
+            <a:normAutofit/>
+          </a:bodyPr>
+          <a:lstStyle/>
+          <a:p>
+            <a:r>
+              <a:rPr lang="en-US" sz="4800"/>
+              <a:t>Desenvolvimento </a:t>
+            </a:r>
+          </a:p>
+        </p:txBody>
+      </p:sp>
+      <p:sp>
+        <p:nvSpPr>
+          <p:cNvPr id="9" name="Freeform: Shape 8">
+            <a:extLst>
+              <a:ext uri="{FF2B5EF4-FFF2-40B4-BE49-F238E27FC236}">
+                <a16:creationId xmlns:a16="http://schemas.microsoft.com/office/drawing/2014/main" id="{BCC55ACC-A2F6-403C-A3A4-D59B3734D45F}"/>
+              </a:ext>
+              <a:ext uri="{C183D7F6-B498-43B3-948B-1728B52AA6E4}">
+                <adec:decorative xmlns:adec="http://schemas.microsoft.com/office/drawing/2017/decorative" val="1"/>
+              </a:ext>
+            </a:extLst>
+          </p:cNvPr>
+          <p:cNvSpPr>
+            <a:spLocks noGrp="1" noRot="1" noChangeAspect="1" noMove="1" noResize="1" noEditPoints="1" noAdjustHandles="1" noChangeArrowheads="1" noChangeShapeType="1" noTextEdit="1"/>
+          </p:cNvSpPr>
+          <p:nvPr>
+            <p:extLst>
+              <p:ext uri="{386F3935-93C4-4BCD-93E2-E3B085C9AB24}">
+                <p16:designElem xmlns:p16="http://schemas.microsoft.com/office/powerpoint/2015/main" val="1"/>
+              </p:ext>
+            </p:extLst>
+          </p:nvPr>
+        </p:nvSpPr>
+        <p:spPr>
+          <a:xfrm>
+            <a:off x="5857312" y="381000"/>
+            <a:ext cx="6334689" cy="6477000"/>
+          </a:xfrm>
+          <a:custGeom>
+            <a:avLst/>
+            <a:gdLst>
+              <a:gd name="connsiteX0" fmla="*/ 3561588 w 6334689"/>
+              <a:gd name="connsiteY0" fmla="*/ 0 h 6477000"/>
+              <a:gd name="connsiteX1" fmla="*/ 6309883 w 6334689"/>
+              <a:gd name="connsiteY1" fmla="*/ 1296087 h 6477000"/>
+              <a:gd name="connsiteX2" fmla="*/ 6334689 w 6334689"/>
+              <a:gd name="connsiteY2" fmla="*/ 1329261 h 6477000"/>
+              <a:gd name="connsiteX3" fmla="*/ 6334689 w 6334689"/>
+              <a:gd name="connsiteY3" fmla="*/ 5793916 h 6477000"/>
+              <a:gd name="connsiteX4" fmla="*/ 6309883 w 6334689"/>
+              <a:gd name="connsiteY4" fmla="*/ 5827089 h 6477000"/>
+              <a:gd name="connsiteX5" fmla="*/ 5760467 w 6334689"/>
+              <a:gd name="connsiteY5" fmla="*/ 6363539 h 6477000"/>
+              <a:gd name="connsiteX6" fmla="*/ 5607796 w 6334689"/>
+              <a:gd name="connsiteY6" fmla="*/ 6477000 h 6477000"/>
+              <a:gd name="connsiteX7" fmla="*/ 1519571 w 6334689"/>
+              <a:gd name="connsiteY7" fmla="*/ 6477000 h 6477000"/>
+              <a:gd name="connsiteX8" fmla="*/ 1296088 w 6334689"/>
+              <a:gd name="connsiteY8" fmla="*/ 6309883 h 6477000"/>
+              <a:gd name="connsiteX9" fmla="*/ 0 w 6334689"/>
+              <a:gd name="connsiteY9" fmla="*/ 3561588 h 6477000"/>
+              <a:gd name="connsiteX10" fmla="*/ 3561588 w 6334689"/>
+              <a:gd name="connsiteY10" fmla="*/ 0 h 6477000"/>
+            </a:gdLst>
+            <a:ahLst/>
+            <a:cxnLst>
+              <a:cxn ang="0">
+                <a:pos x="connsiteX0" y="connsiteY0"/>
+              </a:cxn>
+              <a:cxn ang="0">
+                <a:pos x="connsiteX1" y="connsiteY1"/>
+              </a:cxn>
+              <a:cxn ang="0">
+                <a:pos x="connsiteX2" y="connsiteY2"/>
+              </a:cxn>
+              <a:cxn ang="0">
+                <a:pos x="connsiteX3" y="connsiteY3"/>
+              </a:cxn>
+              <a:cxn ang="0">
+                <a:pos x="connsiteX4" y="connsiteY4"/>
+              </a:cxn>
+              <a:cxn ang="0">
+                <a:pos x="connsiteX5" y="connsiteY5"/>
+              </a:cxn>
+              <a:cxn ang="0">
+                <a:pos x="connsiteX6" y="connsiteY6"/>
+              </a:cxn>
+              <a:cxn ang="0">
+                <a:pos x="connsiteX7" y="connsiteY7"/>
+              </a:cxn>
+              <a:cxn ang="0">
+                <a:pos x="connsiteX8" y="connsiteY8"/>
+              </a:cxn>
+              <a:cxn ang="0">
+                <a:pos x="connsiteX9" y="connsiteY9"/>
+              </a:cxn>
+              <a:cxn ang="0">
+                <a:pos x="connsiteX10" y="connsiteY10"/>
+              </a:cxn>
+            </a:cxnLst>
+            <a:rect l="l" t="t" r="r" b="b"/>
+            <a:pathLst>
+              <a:path w="6334689" h="6477000">
+                <a:moveTo>
+                  <a:pt x="3561588" y="0"/>
+                </a:moveTo>
+                <a:cubicBezTo>
+                  <a:pt x="4668032" y="0"/>
+                  <a:pt x="5656635" y="504534"/>
+                  <a:pt x="6309883" y="1296087"/>
+                </a:cubicBezTo>
+                <a:lnTo>
+                  <a:pt x="6334689" y="1329261"/>
+                </a:lnTo>
+                <a:lnTo>
+                  <a:pt x="6334689" y="5793916"/>
+                </a:lnTo>
+                <a:lnTo>
+                  <a:pt x="6309883" y="5827089"/>
+                </a:lnTo>
+                <a:cubicBezTo>
+                  <a:pt x="6146571" y="6024977"/>
+                  <a:pt x="5962299" y="6204927"/>
+                  <a:pt x="5760467" y="6363539"/>
+                </a:cubicBezTo>
+                <a:lnTo>
+                  <a:pt x="5607796" y="6477000"/>
+                </a:lnTo>
+                <a:lnTo>
+                  <a:pt x="1519571" y="6477000"/>
+                </a:lnTo>
+                <a:lnTo>
+                  <a:pt x="1296088" y="6309883"/>
+                </a:lnTo>
+                <a:cubicBezTo>
+                  <a:pt x="504535" y="5656635"/>
+                  <a:pt x="0" y="4668032"/>
+                  <a:pt x="0" y="3561588"/>
+                </a:cubicBezTo>
+                <a:cubicBezTo>
+                  <a:pt x="0" y="1594577"/>
+                  <a:pt x="1594577" y="0"/>
+                  <a:pt x="3561588" y="0"/>
+                </a:cubicBezTo>
+                <a:close/>
+              </a:path>
+            </a:pathLst>
+          </a:custGeom>
+          <a:solidFill>
+            <a:srgbClr val="FFFFFF">
+              <a:alpha val="80000"/>
+            </a:srgbClr>
+          </a:solidFill>
+          <a:ln>
+            <a:noFill/>
+          </a:ln>
+        </p:spPr>
+        <p:style>
+          <a:lnRef idx="2">
+            <a:schemeClr val="accent1">
+              <a:shade val="50000"/>
+            </a:schemeClr>
+          </a:lnRef>
+          <a:fillRef idx="1">
+            <a:schemeClr val="accent1"/>
+          </a:fillRef>
+          <a:effectRef idx="0">
+            <a:schemeClr val="accent1"/>
+          </a:effectRef>
+          <a:fontRef idx="minor">
+            <a:schemeClr val="lt1"/>
+          </a:fontRef>
+        </p:style>
+        <p:txBody>
+          <a:bodyPr rtlCol="0" anchor="ctr"/>
+          <a:lstStyle/>
+          <a:p>
+            <a:pPr marL="0" marR="0" lvl="0" indent="0" algn="ctr" defTabSz="914400" rtl="0" eaLnBrk="1" fontAlgn="auto" latinLnBrk="0" hangingPunct="1">
+              <a:lnSpc>
+                <a:spcPct val="100000"/>
+              </a:lnSpc>
+              <a:spcBef>
+                <a:spcPts val="0"/>
+              </a:spcBef>
+              <a:spcAft>
+                <a:spcPts val="0"/>
+              </a:spcAft>
+              <a:buClrTx/>
+              <a:buSzTx/>
+              <a:buFontTx/>
+              <a:buNone/>
+              <a:tabLst/>
+              <a:defRPr/>
+            </a:pPr>
+            <a:endParaRPr kumimoji="0" lang="en-US" sz="1800" b="0" i="0" u="none" strike="noStrike" kern="1200" cap="none" spc="0" normalizeH="0" baseline="0" noProof="0">
+              <a:ln>
+                <a:noFill/>
+              </a:ln>
+              <a:solidFill>
+                <a:prstClr val="white"/>
+              </a:solidFill>
+              <a:effectLst/>
+              <a:uLnTx/>
+              <a:uFillTx/>
+              <a:latin typeface="Calibri" panose="020F0502020204030204"/>
+              <a:ea typeface="+mn-ea"/>
+              <a:cs typeface="+mn-cs"/>
+            </a:endParaRPr>
+          </a:p>
+        </p:txBody>
+      </p:sp>
+      <p:pic>
+        <p:nvPicPr>
+          <p:cNvPr id="5" name="Picture 4" descr="Peça de puzzle a preencher o espaço">
+            <a:extLst>
+              <a:ext uri="{FF2B5EF4-FFF2-40B4-BE49-F238E27FC236}">
+                <a16:creationId xmlns:a16="http://schemas.microsoft.com/office/drawing/2014/main" id="{557DAC53-6458-4CA1-9F1B-735D7D5FD118}"/>
+              </a:ext>
+            </a:extLst>
+          </p:cNvPr>
+          <p:cNvPicPr>
+            <a:picLocks noChangeAspect="1"/>
+          </p:cNvPicPr>
+          <p:nvPr/>
+        </p:nvPicPr>
+        <p:blipFill rotWithShape="1">
+          <a:blip r:embed="rId3"/>
+          <a:srcRect l="273" r="26418"/>
+          <a:stretch/>
+        </p:blipFill>
+        <p:spPr>
+          <a:xfrm>
+            <a:off x="6021086" y="544777"/>
+            <a:ext cx="6170914" cy="6313225"/>
+          </a:xfrm>
+          <a:custGeom>
+            <a:avLst/>
+            <a:gdLst/>
+            <a:ahLst/>
+            <a:cxnLst/>
+            <a:rect l="l" t="t" r="r" b="b"/>
+            <a:pathLst>
+              <a:path w="6170914" h="6313225">
+                <a:moveTo>
+                  <a:pt x="3397813" y="0"/>
+                </a:moveTo>
+                <a:cubicBezTo>
+                  <a:pt x="4453378" y="0"/>
+                  <a:pt x="5396522" y="481334"/>
+                  <a:pt x="6019731" y="1236489"/>
+                </a:cubicBezTo>
+                <a:lnTo>
+                  <a:pt x="6170914" y="1438663"/>
+                </a:lnTo>
+                <a:lnTo>
+                  <a:pt x="6170914" y="5356963"/>
+                </a:lnTo>
+                <a:lnTo>
+                  <a:pt x="6019731" y="5559138"/>
+                </a:lnTo>
+                <a:cubicBezTo>
+                  <a:pt x="5786028" y="5842321"/>
+                  <a:pt x="5507333" y="6086998"/>
+                  <a:pt x="5194591" y="6282226"/>
+                </a:cubicBezTo>
+                <a:lnTo>
+                  <a:pt x="5141791" y="6313225"/>
+                </a:lnTo>
+                <a:lnTo>
+                  <a:pt x="1659199" y="6313225"/>
+                </a:lnTo>
+                <a:lnTo>
+                  <a:pt x="1498064" y="6215333"/>
+                </a:lnTo>
+                <a:cubicBezTo>
+                  <a:pt x="594240" y="5604721"/>
+                  <a:pt x="0" y="4570663"/>
+                  <a:pt x="0" y="3397813"/>
+                </a:cubicBezTo>
+                <a:cubicBezTo>
+                  <a:pt x="0" y="1521253"/>
+                  <a:pt x="1521253" y="0"/>
+                  <a:pt x="3397813" y="0"/>
+                </a:cubicBezTo>
+                <a:close/>
+              </a:path>
+            </a:pathLst>
+          </a:custGeom>
+        </p:spPr>
+      </p:pic>
+      <p:sp>
+        <p:nvSpPr>
+          <p:cNvPr id="3" name="Marcador de Posição do Número do Diapositivo 2">
+            <a:extLst>
+              <a:ext uri="{FF2B5EF4-FFF2-40B4-BE49-F238E27FC236}">
+                <a16:creationId xmlns:a16="http://schemas.microsoft.com/office/drawing/2014/main" id="{9D71751B-B825-45F9-90AA-1A4155B2F814}"/>
+              </a:ext>
+            </a:extLst>
+          </p:cNvPr>
+          <p:cNvSpPr>
+            <a:spLocks noGrp="1"/>
+          </p:cNvSpPr>
+          <p:nvPr>
+            <p:ph type="sldNum" sz="quarter" idx="12"/>
+          </p:nvPr>
+        </p:nvSpPr>
+        <p:spPr/>
+        <p:txBody>
+          <a:bodyPr/>
+          <a:lstStyle/>
+          <a:p>
+            <a:fld id="{DA87C3F2-8E36-420A-B6CE-8D33D5DF61CB}" type="slidenum">
+              <a:rPr lang="pt-PT" smtClean="0"/>
+              <a:t>11</a:t>
+            </a:fld>
+            <a:endParaRPr lang="pt-PT"/>
+          </a:p>
+        </p:txBody>
+      </p:sp>
+    </p:spTree>
+    <p:extLst>
+      <p:ext uri="{BB962C8B-B14F-4D97-AF65-F5344CB8AC3E}">
+        <p14:creationId xmlns:p14="http://schemas.microsoft.com/office/powerpoint/2010/main" val="3435902349"/>
+      </p:ext>
+    </p:extLst>
+  </p:cSld>
+  <p:clrMapOvr>
+    <a:overrideClrMapping bg1="dk1" tx1="lt1" bg2="dk2" tx2="lt2" accent1="accent1" accent2="accent2" accent3="accent3" accent4="accent4" accent5="accent5" accent6="accent6" hlink="hlink" folHlink="folHlink"/>
+  </p:clrMapOvr>
+</p:sld>
+</file>
+
+<file path=ppt/slides/slide12.xml><?xml version="1.0" encoding="utf-8"?>
+<p:sld xmlns:a="http://schemas.openxmlformats.org/drawingml/2006/main" xmlns:r="http://schemas.openxmlformats.org/officeDocument/2006/relationships" xmlns:p="http://schemas.openxmlformats.org/presentationml/2006/main">
+  <p:cSld>
+    <p:bg>
+      <p:bgPr>
+        <a:solidFill>
           <a:schemeClr val="bg1"/>
         </a:solidFill>
         <a:effectLst/>
@@ -6081,7 +6920,7 @@
           <a:p>
             <a:fld id="{DA87C3F2-8E36-420A-B6CE-8D33D5DF61CB}" type="slidenum">
               <a:rPr lang="pt-PT" smtClean="0"/>
-              <a:t>10</a:t>
+              <a:t>12</a:t>
             </a:fld>
             <a:endParaRPr lang="pt-PT"/>
           </a:p>
@@ -6100,7 +6939,7 @@
 </p:sld>
 </file>
 
-<file path=ppt/slides/slide11.xml><?xml version="1.0" encoding="utf-8"?>
+<file path=ppt/slides/slide13.xml><?xml version="1.0" encoding="utf-8"?>
 <p:sld xmlns:a="http://schemas.openxmlformats.org/drawingml/2006/main" xmlns:r="http://schemas.openxmlformats.org/officeDocument/2006/relationships" xmlns:p="http://schemas.openxmlformats.org/presentationml/2006/main">
   <p:cSld>
     <p:bg>
@@ -10168,7 +11007,7 @@
           <a:p>
             <a:fld id="{DA87C3F2-8E36-420A-B6CE-8D33D5DF61CB}" type="slidenum">
               <a:rPr lang="pt-PT" smtClean="0"/>
-              <a:t>11</a:t>
+              <a:t>13</a:t>
             </a:fld>
             <a:endParaRPr lang="pt-PT"/>
           </a:p>
@@ -10187,7 +11026,7 @@
 </p:sld>
 </file>
 
-<file path=ppt/slides/slide12.xml><?xml version="1.0" encoding="utf-8"?>
+<file path=ppt/slides/slide14.xml><?xml version="1.0" encoding="utf-8"?>
 <p:sld xmlns:a="http://schemas.openxmlformats.org/drawingml/2006/main" xmlns:r="http://schemas.openxmlformats.org/officeDocument/2006/relationships" xmlns:p="http://schemas.openxmlformats.org/presentationml/2006/main">
   <p:cSld>
     <p:bg>
@@ -10474,7 +11313,7 @@
           <a:p>
             <a:fld id="{DA87C3F2-8E36-420A-B6CE-8D33D5DF61CB}" type="slidenum">
               <a:rPr lang="pt-PT" smtClean="0"/>
-              <a:t>12</a:t>
+              <a:t>14</a:t>
             </a:fld>
             <a:endParaRPr lang="pt-PT"/>
           </a:p>
@@ -10493,7 +11332,7 @@
 </p:sld>
 </file>
 
-<file path=ppt/slides/slide13.xml><?xml version="1.0" encoding="utf-8"?>
+<file path=ppt/slides/slide15.xml><?xml version="1.0" encoding="utf-8"?>
 <p:sld xmlns:a="http://schemas.openxmlformats.org/drawingml/2006/main" xmlns:r="http://schemas.openxmlformats.org/officeDocument/2006/relationships" xmlns:p="http://schemas.openxmlformats.org/presentationml/2006/main">
   <p:cSld>
     <p:bg>
@@ -17339,7 +18178,7 @@
           <a:p>
             <a:fld id="{DA87C3F2-8E36-420A-B6CE-8D33D5DF61CB}" type="slidenum">
               <a:rPr lang="pt-PT" smtClean="0"/>
-              <a:t>13</a:t>
+              <a:t>15</a:t>
             </a:fld>
             <a:endParaRPr lang="pt-PT"/>
           </a:p>
@@ -17358,7 +18197,7 @@
 </p:sld>
 </file>
 
-<file path=ppt/slides/slide14.xml><?xml version="1.0" encoding="utf-8"?>
+<file path=ppt/slides/slide16.xml><?xml version="1.0" encoding="utf-8"?>
 <p:sld xmlns:a="http://schemas.openxmlformats.org/drawingml/2006/main" xmlns:r="http://schemas.openxmlformats.org/officeDocument/2006/relationships" xmlns:p="http://schemas.openxmlformats.org/presentationml/2006/main">
   <p:cSld>
     <p:bg>
@@ -24204,7 +25043,7 @@
           <a:p>
             <a:fld id="{DA87C3F2-8E36-420A-B6CE-8D33D5DF61CB}" type="slidenum">
               <a:rPr lang="pt-PT" smtClean="0"/>
-              <a:t>14</a:t>
+              <a:t>16</a:t>
             </a:fld>
             <a:endParaRPr lang="pt-PT"/>
           </a:p>
@@ -24223,7 +25062,7 @@
 </p:sld>
 </file>
 
-<file path=ppt/slides/slide15.xml><?xml version="1.0" encoding="utf-8"?>
+<file path=ppt/slides/slide17.xml><?xml version="1.0" encoding="utf-8"?>
 <p:sld xmlns:a="http://schemas.openxmlformats.org/drawingml/2006/main" xmlns:r="http://schemas.openxmlformats.org/officeDocument/2006/relationships" xmlns:p="http://schemas.openxmlformats.org/presentationml/2006/main">
   <p:cSld>
     <p:bg>
@@ -24637,7 +25476,7 @@
           <a:p>
             <a:fld id="{DA87C3F2-8E36-420A-B6CE-8D33D5DF61CB}" type="slidenum">
               <a:rPr lang="pt-PT" smtClean="0"/>
-              <a:t>15</a:t>
+              <a:t>17</a:t>
             </a:fld>
             <a:endParaRPr lang="pt-PT"/>
           </a:p>
@@ -24657,6 +25496,1053 @@
 </file>
 
 <file path=ppt/slides/slide2.xml><?xml version="1.0" encoding="utf-8"?>
+<p:sld xmlns:a="http://schemas.openxmlformats.org/drawingml/2006/main" xmlns:r="http://schemas.openxmlformats.org/officeDocument/2006/relationships" xmlns:p="http://schemas.openxmlformats.org/presentationml/2006/main">
+  <p:cSld>
+    <p:bg>
+      <p:bgPr>
+        <a:solidFill>
+          <a:schemeClr val="bg1"/>
+        </a:solidFill>
+        <a:effectLst/>
+      </p:bgPr>
+    </p:bg>
+    <p:spTree>
+      <p:nvGrpSpPr>
+        <p:cNvPr id="1" name=""/>
+        <p:cNvGrpSpPr/>
+        <p:nvPr/>
+      </p:nvGrpSpPr>
+      <p:grpSpPr>
+        <a:xfrm>
+          <a:off x="0" y="0"/>
+          <a:ext cx="0" cy="0"/>
+          <a:chOff x="0" y="0"/>
+          <a:chExt cx="0" cy="0"/>
+        </a:xfrm>
+      </p:grpSpPr>
+      <p:sp useBgFill="1">
+        <p:nvSpPr>
+          <p:cNvPr id="13" name="Rectangle 12">
+            <a:extLst>
+              <a:ext uri="{FF2B5EF4-FFF2-40B4-BE49-F238E27FC236}">
+                <a16:creationId xmlns:a16="http://schemas.microsoft.com/office/drawing/2014/main" id="{04812C46-200A-4DEB-A05E-3ED6C68C2387}"/>
+              </a:ext>
+              <a:ext uri="{C183D7F6-B498-43B3-948B-1728B52AA6E4}">
+                <adec:decorative xmlns:adec="http://schemas.microsoft.com/office/drawing/2017/decorative" val="1"/>
+              </a:ext>
+            </a:extLst>
+          </p:cNvPr>
+          <p:cNvSpPr>
+            <a:spLocks noGrp="1" noRot="1" noChangeAspect="1" noMove="1" noResize="1" noEditPoints="1" noAdjustHandles="1" noChangeArrowheads="1" noChangeShapeType="1" noTextEdit="1"/>
+          </p:cNvSpPr>
+          <p:nvPr>
+            <p:extLst>
+              <p:ext uri="{386F3935-93C4-4BCD-93E2-E3B085C9AB24}">
+                <p16:designElem xmlns:p16="http://schemas.microsoft.com/office/powerpoint/2015/main" val="1"/>
+              </p:ext>
+            </p:extLst>
+          </p:nvPr>
+        </p:nvSpPr>
+        <p:spPr>
+          <a:xfrm>
+            <a:off x="-1" y="0"/>
+            <a:ext cx="12188952" cy="6858000"/>
+          </a:xfrm>
+          <a:prstGeom prst="rect">
+            <a:avLst/>
+          </a:prstGeom>
+          <a:ln>
+            <a:noFill/>
+          </a:ln>
+        </p:spPr>
+        <p:style>
+          <a:lnRef idx="2">
+            <a:schemeClr val="accent1">
+              <a:shade val="50000"/>
+            </a:schemeClr>
+          </a:lnRef>
+          <a:fillRef idx="1">
+            <a:schemeClr val="accent1"/>
+          </a:fillRef>
+          <a:effectRef idx="0">
+            <a:schemeClr val="accent1"/>
+          </a:effectRef>
+          <a:fontRef idx="minor">
+            <a:schemeClr val="lt1"/>
+          </a:fontRef>
+        </p:style>
+        <p:txBody>
+          <a:bodyPr rtlCol="0" anchor="ctr"/>
+          <a:lstStyle/>
+          <a:p>
+            <a:pPr algn="ctr"/>
+            <a:endParaRPr lang="en-US"/>
+          </a:p>
+        </p:txBody>
+      </p:sp>
+      <p:pic>
+        <p:nvPicPr>
+          <p:cNvPr id="6" name="Marcador de Posição de Conteúdo 5" descr="Uma imagem com texto, quadro-preto, pessoa, mulher&#10;&#10;Descrição gerada automaticamente">
+            <a:extLst>
+              <a:ext uri="{FF2B5EF4-FFF2-40B4-BE49-F238E27FC236}">
+                <a16:creationId xmlns:a16="http://schemas.microsoft.com/office/drawing/2014/main" id="{6EA38859-1BC7-477F-9FBA-C4544B5030F4}"/>
+              </a:ext>
+            </a:extLst>
+          </p:cNvPr>
+          <p:cNvPicPr>
+            <a:picLocks noChangeAspect="1"/>
+          </p:cNvPicPr>
+          <p:nvPr/>
+        </p:nvPicPr>
+        <p:blipFill rotWithShape="1">
+          <a:blip r:embed="rId2">
+            <a:extLst>
+              <a:ext uri="{28A0092B-C50C-407E-A947-70E740481C1C}">
+                <a14:useLocalDpi xmlns:a14="http://schemas.microsoft.com/office/drawing/2010/main" val="0"/>
+              </a:ext>
+            </a:extLst>
+          </a:blip>
+          <a:srcRect r="6237"/>
+          <a:stretch/>
+        </p:blipFill>
+        <p:spPr>
+          <a:xfrm>
+            <a:off x="1" y="10"/>
+            <a:ext cx="9669642" cy="6857990"/>
+          </a:xfrm>
+          <a:prstGeom prst="rect">
+            <a:avLst/>
+          </a:prstGeom>
+        </p:spPr>
+      </p:pic>
+      <p:sp>
+        <p:nvSpPr>
+          <p:cNvPr id="15" name="Rectangle 14">
+            <a:extLst>
+              <a:ext uri="{FF2B5EF4-FFF2-40B4-BE49-F238E27FC236}">
+                <a16:creationId xmlns:a16="http://schemas.microsoft.com/office/drawing/2014/main" id="{D1EA859B-E555-4109-94F3-6700E046E008}"/>
+              </a:ext>
+              <a:ext uri="{C183D7F6-B498-43B3-948B-1728B52AA6E4}">
+                <adec:decorative xmlns:adec="http://schemas.microsoft.com/office/drawing/2017/decorative" val="1"/>
+              </a:ext>
+            </a:extLst>
+          </p:cNvPr>
+          <p:cNvSpPr>
+            <a:spLocks noGrp="1" noRot="1" noChangeAspect="1" noMove="1" noResize="1" noEditPoints="1" noAdjustHandles="1" noChangeArrowheads="1" noChangeShapeType="1" noTextEdit="1"/>
+          </p:cNvSpPr>
+          <p:nvPr>
+            <p:extLst>
+              <p:ext uri="{386F3935-93C4-4BCD-93E2-E3B085C9AB24}">
+                <p16:designElem xmlns:p16="http://schemas.microsoft.com/office/powerpoint/2015/main" val="1"/>
+              </p:ext>
+            </p:extLst>
+          </p:nvPr>
+        </p:nvSpPr>
+        <p:spPr>
+          <a:xfrm flipH="1">
+            <a:off x="5125019" y="0"/>
+            <a:ext cx="7066978" cy="6858000"/>
+          </a:xfrm>
+          <a:prstGeom prst="rect">
+            <a:avLst/>
+          </a:prstGeom>
+          <a:gradFill>
+            <a:gsLst>
+              <a:gs pos="48000">
+                <a:schemeClr val="bg1"/>
+              </a:gs>
+              <a:gs pos="35000">
+                <a:schemeClr val="bg1">
+                  <a:alpha val="77000"/>
+                </a:schemeClr>
+              </a:gs>
+              <a:gs pos="19000">
+                <a:schemeClr val="bg1">
+                  <a:alpha val="38000"/>
+                </a:schemeClr>
+              </a:gs>
+              <a:gs pos="0">
+                <a:schemeClr val="bg1">
+                  <a:alpha val="0"/>
+                </a:schemeClr>
+              </a:gs>
+              <a:gs pos="100000">
+                <a:schemeClr val="bg1"/>
+              </a:gs>
+            </a:gsLst>
+            <a:lin ang="10800000" scaled="0"/>
+          </a:gradFill>
+          <a:ln>
+            <a:noFill/>
+          </a:ln>
+        </p:spPr>
+        <p:style>
+          <a:lnRef idx="2">
+            <a:schemeClr val="accent1">
+              <a:shade val="50000"/>
+            </a:schemeClr>
+          </a:lnRef>
+          <a:fillRef idx="1">
+            <a:schemeClr val="accent1"/>
+          </a:fillRef>
+          <a:effectRef idx="0">
+            <a:schemeClr val="accent1"/>
+          </a:effectRef>
+          <a:fontRef idx="minor">
+            <a:schemeClr val="lt1"/>
+          </a:fontRef>
+        </p:style>
+        <p:txBody>
+          <a:bodyPr rtlCol="0" anchor="ctr"/>
+          <a:lstStyle/>
+          <a:p>
+            <a:pPr algn="ctr"/>
+            <a:endParaRPr lang="en-US" dirty="0"/>
+          </a:p>
+        </p:txBody>
+      </p:sp>
+      <p:sp>
+        <p:nvSpPr>
+          <p:cNvPr id="2" name="Título 1">
+            <a:extLst>
+              <a:ext uri="{FF2B5EF4-FFF2-40B4-BE49-F238E27FC236}">
+                <a16:creationId xmlns:a16="http://schemas.microsoft.com/office/drawing/2014/main" id="{6509A375-766E-45C8-873D-ABF30AF4AE13}"/>
+              </a:ext>
+            </a:extLst>
+          </p:cNvPr>
+          <p:cNvSpPr>
+            <a:spLocks noGrp="1"/>
+          </p:cNvSpPr>
+          <p:nvPr>
+            <p:ph type="title"/>
+          </p:nvPr>
+        </p:nvSpPr>
+        <p:spPr>
+          <a:xfrm>
+            <a:off x="7531610" y="365125"/>
+            <a:ext cx="3822189" cy="1899912"/>
+          </a:xfrm>
+        </p:spPr>
+        <p:txBody>
+          <a:bodyPr>
+            <a:normAutofit/>
+          </a:bodyPr>
+          <a:lstStyle/>
+          <a:p>
+            <a:r>
+              <a:rPr lang="pt-PT" sz="4000"/>
+              <a:t>De Onde Surgiu a Ideia</a:t>
+            </a:r>
+          </a:p>
+        </p:txBody>
+      </p:sp>
+      <p:sp>
+        <p:nvSpPr>
+          <p:cNvPr id="10" name="Content Placeholder 9">
+            <a:extLst>
+              <a:ext uri="{FF2B5EF4-FFF2-40B4-BE49-F238E27FC236}">
+                <a16:creationId xmlns:a16="http://schemas.microsoft.com/office/drawing/2014/main" id="{653F63D2-C4F5-41A1-A01E-5124F8B3B4A8}"/>
+              </a:ext>
+            </a:extLst>
+          </p:cNvPr>
+          <p:cNvSpPr>
+            <a:spLocks noGrp="1"/>
+          </p:cNvSpPr>
+          <p:nvPr>
+            <p:ph idx="1"/>
+          </p:nvPr>
+        </p:nvSpPr>
+        <p:spPr>
+          <a:xfrm>
+            <a:off x="7531610" y="2434201"/>
+            <a:ext cx="3822189" cy="3742762"/>
+          </a:xfrm>
+        </p:spPr>
+        <p:txBody>
+          <a:bodyPr>
+            <a:normAutofit/>
+          </a:bodyPr>
+          <a:lstStyle/>
+          <a:p>
+            <a:endParaRPr lang="en-US" sz="2000"/>
+          </a:p>
+        </p:txBody>
+      </p:sp>
+      <p:sp>
+        <p:nvSpPr>
+          <p:cNvPr id="4" name="Marcador de Posição do Número do Diapositivo 3">
+            <a:extLst>
+              <a:ext uri="{FF2B5EF4-FFF2-40B4-BE49-F238E27FC236}">
+                <a16:creationId xmlns:a16="http://schemas.microsoft.com/office/drawing/2014/main" id="{C6D57124-0383-4EF7-A959-B881E542C32A}"/>
+              </a:ext>
+            </a:extLst>
+          </p:cNvPr>
+          <p:cNvSpPr>
+            <a:spLocks noGrp="1"/>
+          </p:cNvSpPr>
+          <p:nvPr>
+            <p:ph type="sldNum" sz="quarter" idx="12"/>
+          </p:nvPr>
+        </p:nvSpPr>
+        <p:spPr>
+          <a:xfrm>
+            <a:off x="8610600" y="6356350"/>
+            <a:ext cx="2743200" cy="365125"/>
+          </a:xfrm>
+        </p:spPr>
+        <p:txBody>
+          <a:bodyPr>
+            <a:normAutofit/>
+          </a:bodyPr>
+          <a:lstStyle/>
+          <a:p>
+            <a:pPr>
+              <a:spcAft>
+                <a:spcPts val="600"/>
+              </a:spcAft>
+            </a:pPr>
+            <a:fld id="{DA87C3F2-8E36-420A-B6CE-8D33D5DF61CB}" type="slidenum">
+              <a:rPr lang="pt-PT" smtClean="0"/>
+              <a:pPr>
+                <a:spcAft>
+                  <a:spcPts val="600"/>
+                </a:spcAft>
+              </a:pPr>
+              <a:t>2</a:t>
+            </a:fld>
+            <a:endParaRPr lang="pt-PT"/>
+          </a:p>
+        </p:txBody>
+      </p:sp>
+    </p:spTree>
+    <p:extLst>
+      <p:ext uri="{BB962C8B-B14F-4D97-AF65-F5344CB8AC3E}">
+        <p14:creationId xmlns:p14="http://schemas.microsoft.com/office/powerpoint/2010/main" val="1411237024"/>
+      </p:ext>
+    </p:extLst>
+  </p:cSld>
+  <p:clrMapOvr>
+    <a:masterClrMapping/>
+  </p:clrMapOvr>
+</p:sld>
+</file>
+
+<file path=ppt/slides/slide3.xml><?xml version="1.0" encoding="utf-8"?>
+<p:sld xmlns:a="http://schemas.openxmlformats.org/drawingml/2006/main" xmlns:r="http://schemas.openxmlformats.org/officeDocument/2006/relationships" xmlns:p="http://schemas.openxmlformats.org/presentationml/2006/main">
+  <p:cSld>
+    <p:bg>
+      <p:bgPr>
+        <a:solidFill>
+          <a:schemeClr val="bg1"/>
+        </a:solidFill>
+        <a:effectLst/>
+      </p:bgPr>
+    </p:bg>
+    <p:spTree>
+      <p:nvGrpSpPr>
+        <p:cNvPr id="1" name=""/>
+        <p:cNvGrpSpPr/>
+        <p:nvPr/>
+      </p:nvGrpSpPr>
+      <p:grpSpPr>
+        <a:xfrm>
+          <a:off x="0" y="0"/>
+          <a:ext cx="0" cy="0"/>
+          <a:chOff x="0" y="0"/>
+          <a:chExt cx="0" cy="0"/>
+        </a:xfrm>
+      </p:grpSpPr>
+      <p:sp useBgFill="1">
+        <p:nvSpPr>
+          <p:cNvPr id="12" name="Rectangle 11">
+            <a:extLst>
+              <a:ext uri="{FF2B5EF4-FFF2-40B4-BE49-F238E27FC236}">
+                <a16:creationId xmlns:a16="http://schemas.microsoft.com/office/drawing/2014/main" id="{F13C74B1-5B17-4795-BED0-7140497B445A}"/>
+              </a:ext>
+              <a:ext uri="{C183D7F6-B498-43B3-948B-1728B52AA6E4}">
+                <adec:decorative xmlns:adec="http://schemas.microsoft.com/office/drawing/2017/decorative" val="1"/>
+              </a:ext>
+            </a:extLst>
+          </p:cNvPr>
+          <p:cNvSpPr>
+            <a:spLocks noGrp="1" noRot="1" noChangeAspect="1" noMove="1" noResize="1" noEditPoints="1" noAdjustHandles="1" noChangeArrowheads="1" noChangeShapeType="1" noTextEdit="1"/>
+          </p:cNvSpPr>
+          <p:nvPr>
+            <p:extLst>
+              <p:ext uri="{386F3935-93C4-4BCD-93E2-E3B085C9AB24}">
+                <p16:designElem xmlns:p16="http://schemas.microsoft.com/office/powerpoint/2015/main" val="1"/>
+              </p:ext>
+            </p:extLst>
+          </p:nvPr>
+        </p:nvSpPr>
+        <p:spPr>
+          <a:xfrm>
+            <a:off x="0" y="0"/>
+            <a:ext cx="12188952" cy="6858000"/>
+          </a:xfrm>
+          <a:prstGeom prst="rect">
+            <a:avLst/>
+          </a:prstGeom>
+          <a:ln>
+            <a:noFill/>
+          </a:ln>
+        </p:spPr>
+        <p:style>
+          <a:lnRef idx="2">
+            <a:schemeClr val="accent1">
+              <a:shade val="50000"/>
+            </a:schemeClr>
+          </a:lnRef>
+          <a:fillRef idx="1">
+            <a:schemeClr val="accent1"/>
+          </a:fillRef>
+          <a:effectRef idx="0">
+            <a:schemeClr val="accent1"/>
+          </a:effectRef>
+          <a:fontRef idx="minor">
+            <a:schemeClr val="lt1"/>
+          </a:fontRef>
+        </p:style>
+        <p:txBody>
+          <a:bodyPr rtlCol="0" anchor="ctr"/>
+          <a:lstStyle/>
+          <a:p>
+            <a:pPr algn="ctr"/>
+            <a:endParaRPr lang="en-US"/>
+          </a:p>
+        </p:txBody>
+      </p:sp>
+      <p:sp>
+        <p:nvSpPr>
+          <p:cNvPr id="2" name="Título 1">
+            <a:extLst>
+              <a:ext uri="{FF2B5EF4-FFF2-40B4-BE49-F238E27FC236}">
+                <a16:creationId xmlns:a16="http://schemas.microsoft.com/office/drawing/2014/main" id="{3F334430-23E5-4F07-B216-079C07B53892}"/>
+              </a:ext>
+            </a:extLst>
+          </p:cNvPr>
+          <p:cNvSpPr>
+            <a:spLocks noGrp="1"/>
+          </p:cNvSpPr>
+          <p:nvPr>
+            <p:ph type="title"/>
+          </p:nvPr>
+        </p:nvSpPr>
+        <p:spPr>
+          <a:xfrm>
+            <a:off x="640080" y="325369"/>
+            <a:ext cx="4368602" cy="1956841"/>
+          </a:xfrm>
+        </p:spPr>
+        <p:txBody>
+          <a:bodyPr vert="horz" lIns="91440" tIns="45720" rIns="91440" bIns="45720" rtlCol="0" anchor="b">
+            <a:normAutofit/>
+          </a:bodyPr>
+          <a:lstStyle/>
+          <a:p>
+            <a:r>
+              <a:rPr lang="en-US" sz="5400"/>
+              <a:t>Problemas Resolvidos</a:t>
+            </a:r>
+          </a:p>
+        </p:txBody>
+      </p:sp>
+      <p:sp>
+        <p:nvSpPr>
+          <p:cNvPr id="14" name="sketchy line">
+            <a:extLst>
+              <a:ext uri="{FF2B5EF4-FFF2-40B4-BE49-F238E27FC236}">
+                <a16:creationId xmlns:a16="http://schemas.microsoft.com/office/drawing/2014/main" id="{D4974D33-8DC5-464E-8C6D-BE58F0669C17}"/>
+              </a:ext>
+              <a:ext uri="{C183D7F6-B498-43B3-948B-1728B52AA6E4}">
+                <adec:decorative xmlns:adec="http://schemas.microsoft.com/office/drawing/2017/decorative" val="1"/>
+              </a:ext>
+            </a:extLst>
+          </p:cNvPr>
+          <p:cNvSpPr>
+            <a:spLocks noGrp="1" noRot="1" noChangeAspect="1" noMove="1" noResize="1" noEditPoints="1" noAdjustHandles="1" noChangeArrowheads="1" noChangeShapeType="1" noTextEdit="1"/>
+          </p:cNvSpPr>
+          <p:nvPr>
+            <p:extLst>
+              <p:ext uri="{386F3935-93C4-4BCD-93E2-E3B085C9AB24}">
+                <p16:designElem xmlns:p16="http://schemas.microsoft.com/office/powerpoint/2015/main" val="1"/>
+              </p:ext>
+            </p:extLst>
+          </p:nvPr>
+        </p:nvSpPr>
+        <p:spPr>
+          <a:xfrm>
+            <a:off x="640080" y="2586994"/>
+            <a:ext cx="3474720" cy="18288"/>
+          </a:xfrm>
+          <a:custGeom>
+            <a:avLst/>
+            <a:gdLst>
+              <a:gd name="connsiteX0" fmla="*/ 0 w 3474720"/>
+              <a:gd name="connsiteY0" fmla="*/ 0 h 18288"/>
+              <a:gd name="connsiteX1" fmla="*/ 694944 w 3474720"/>
+              <a:gd name="connsiteY1" fmla="*/ 0 h 18288"/>
+              <a:gd name="connsiteX2" fmla="*/ 1355141 w 3474720"/>
+              <a:gd name="connsiteY2" fmla="*/ 0 h 18288"/>
+              <a:gd name="connsiteX3" fmla="*/ 2015338 w 3474720"/>
+              <a:gd name="connsiteY3" fmla="*/ 0 h 18288"/>
+              <a:gd name="connsiteX4" fmla="*/ 2779776 w 3474720"/>
+              <a:gd name="connsiteY4" fmla="*/ 0 h 18288"/>
+              <a:gd name="connsiteX5" fmla="*/ 3474720 w 3474720"/>
+              <a:gd name="connsiteY5" fmla="*/ 0 h 18288"/>
+              <a:gd name="connsiteX6" fmla="*/ 3474720 w 3474720"/>
+              <a:gd name="connsiteY6" fmla="*/ 18288 h 18288"/>
+              <a:gd name="connsiteX7" fmla="*/ 2779776 w 3474720"/>
+              <a:gd name="connsiteY7" fmla="*/ 18288 h 18288"/>
+              <a:gd name="connsiteX8" fmla="*/ 2189074 w 3474720"/>
+              <a:gd name="connsiteY8" fmla="*/ 18288 h 18288"/>
+              <a:gd name="connsiteX9" fmla="*/ 1528877 w 3474720"/>
+              <a:gd name="connsiteY9" fmla="*/ 18288 h 18288"/>
+              <a:gd name="connsiteX10" fmla="*/ 868680 w 3474720"/>
+              <a:gd name="connsiteY10" fmla="*/ 18288 h 18288"/>
+              <a:gd name="connsiteX11" fmla="*/ 0 w 3474720"/>
+              <a:gd name="connsiteY11" fmla="*/ 18288 h 18288"/>
+              <a:gd name="connsiteX12" fmla="*/ 0 w 3474720"/>
+              <a:gd name="connsiteY12" fmla="*/ 0 h 18288"/>
+            </a:gdLst>
+            <a:ahLst/>
+            <a:cxnLst>
+              <a:cxn ang="0">
+                <a:pos x="connsiteX0" y="connsiteY0"/>
+              </a:cxn>
+              <a:cxn ang="0">
+                <a:pos x="connsiteX1" y="connsiteY1"/>
+              </a:cxn>
+              <a:cxn ang="0">
+                <a:pos x="connsiteX2" y="connsiteY2"/>
+              </a:cxn>
+              <a:cxn ang="0">
+                <a:pos x="connsiteX3" y="connsiteY3"/>
+              </a:cxn>
+              <a:cxn ang="0">
+                <a:pos x="connsiteX4" y="connsiteY4"/>
+              </a:cxn>
+              <a:cxn ang="0">
+                <a:pos x="connsiteX5" y="connsiteY5"/>
+              </a:cxn>
+              <a:cxn ang="0">
+                <a:pos x="connsiteX6" y="connsiteY6"/>
+              </a:cxn>
+              <a:cxn ang="0">
+                <a:pos x="connsiteX7" y="connsiteY7"/>
+              </a:cxn>
+              <a:cxn ang="0">
+                <a:pos x="connsiteX8" y="connsiteY8"/>
+              </a:cxn>
+              <a:cxn ang="0">
+                <a:pos x="connsiteX9" y="connsiteY9"/>
+              </a:cxn>
+              <a:cxn ang="0">
+                <a:pos x="connsiteX10" y="connsiteY10"/>
+              </a:cxn>
+              <a:cxn ang="0">
+                <a:pos x="connsiteX11" y="connsiteY11"/>
+              </a:cxn>
+              <a:cxn ang="0">
+                <a:pos x="connsiteX12" y="connsiteY12"/>
+              </a:cxn>
+            </a:cxnLst>
+            <a:rect l="l" t="t" r="r" b="b"/>
+            <a:pathLst>
+              <a:path w="3474720" h="18288" fill="none" extrusionOk="0">
+                <a:moveTo>
+                  <a:pt x="0" y="0"/>
+                </a:moveTo>
+                <a:cubicBezTo>
+                  <a:pt x="224454" y="-14544"/>
+                  <a:pt x="495407" y="26540"/>
+                  <a:pt x="694944" y="0"/>
+                </a:cubicBezTo>
+                <a:cubicBezTo>
+                  <a:pt x="894481" y="-26540"/>
+                  <a:pt x="1130063" y="24713"/>
+                  <a:pt x="1355141" y="0"/>
+                </a:cubicBezTo>
+                <a:cubicBezTo>
+                  <a:pt x="1580219" y="-24713"/>
+                  <a:pt x="1820099" y="26695"/>
+                  <a:pt x="2015338" y="0"/>
+                </a:cubicBezTo>
+                <a:cubicBezTo>
+                  <a:pt x="2210577" y="-26695"/>
+                  <a:pt x="2402045" y="165"/>
+                  <a:pt x="2779776" y="0"/>
+                </a:cubicBezTo>
+                <a:cubicBezTo>
+                  <a:pt x="3157507" y="-165"/>
+                  <a:pt x="3286859" y="-15571"/>
+                  <a:pt x="3474720" y="0"/>
+                </a:cubicBezTo>
+                <a:cubicBezTo>
+                  <a:pt x="3474286" y="7551"/>
+                  <a:pt x="3474253" y="9822"/>
+                  <a:pt x="3474720" y="18288"/>
+                </a:cubicBezTo>
+                <a:cubicBezTo>
+                  <a:pt x="3233904" y="29845"/>
+                  <a:pt x="2945134" y="-5256"/>
+                  <a:pt x="2779776" y="18288"/>
+                </a:cubicBezTo>
+                <a:cubicBezTo>
+                  <a:pt x="2614418" y="41832"/>
+                  <a:pt x="2339768" y="22709"/>
+                  <a:pt x="2189074" y="18288"/>
+                </a:cubicBezTo>
+                <a:cubicBezTo>
+                  <a:pt x="2038380" y="13867"/>
+                  <a:pt x="1817434" y="-4947"/>
+                  <a:pt x="1528877" y="18288"/>
+                </a:cubicBezTo>
+                <a:cubicBezTo>
+                  <a:pt x="1240320" y="41523"/>
+                  <a:pt x="1042447" y="37198"/>
+                  <a:pt x="868680" y="18288"/>
+                </a:cubicBezTo>
+                <a:cubicBezTo>
+                  <a:pt x="694913" y="-622"/>
+                  <a:pt x="233232" y="44909"/>
+                  <a:pt x="0" y="18288"/>
+                </a:cubicBezTo>
+                <a:cubicBezTo>
+                  <a:pt x="60" y="11696"/>
+                  <a:pt x="66" y="3758"/>
+                  <a:pt x="0" y="0"/>
+                </a:cubicBezTo>
+                <a:close/>
+              </a:path>
+              <a:path w="3474720" h="18288" stroke="0" extrusionOk="0">
+                <a:moveTo>
+                  <a:pt x="0" y="0"/>
+                </a:moveTo>
+                <a:cubicBezTo>
+                  <a:pt x="202328" y="-14716"/>
+                  <a:pt x="332722" y="-11499"/>
+                  <a:pt x="625450" y="0"/>
+                </a:cubicBezTo>
+                <a:cubicBezTo>
+                  <a:pt x="918178" y="11499"/>
+                  <a:pt x="1096688" y="5123"/>
+                  <a:pt x="1389888" y="0"/>
+                </a:cubicBezTo>
+                <a:cubicBezTo>
+                  <a:pt x="1683088" y="-5123"/>
+                  <a:pt x="1835981" y="-14038"/>
+                  <a:pt x="1980590" y="0"/>
+                </a:cubicBezTo>
+                <a:cubicBezTo>
+                  <a:pt x="2125199" y="14038"/>
+                  <a:pt x="2396099" y="-7203"/>
+                  <a:pt x="2571293" y="0"/>
+                </a:cubicBezTo>
+                <a:cubicBezTo>
+                  <a:pt x="2746487" y="7203"/>
+                  <a:pt x="3041609" y="-12036"/>
+                  <a:pt x="3474720" y="0"/>
+                </a:cubicBezTo>
+                <a:cubicBezTo>
+                  <a:pt x="3474638" y="4406"/>
+                  <a:pt x="3474631" y="9982"/>
+                  <a:pt x="3474720" y="18288"/>
+                </a:cubicBezTo>
+                <a:cubicBezTo>
+                  <a:pt x="3324873" y="21876"/>
+                  <a:pt x="3136771" y="12587"/>
+                  <a:pt x="2814523" y="18288"/>
+                </a:cubicBezTo>
+                <a:cubicBezTo>
+                  <a:pt x="2492275" y="23989"/>
+                  <a:pt x="2294402" y="47111"/>
+                  <a:pt x="2154326" y="18288"/>
+                </a:cubicBezTo>
+                <a:cubicBezTo>
+                  <a:pt x="2014250" y="-10535"/>
+                  <a:pt x="1820317" y="33903"/>
+                  <a:pt x="1494130" y="18288"/>
+                </a:cubicBezTo>
+                <a:cubicBezTo>
+                  <a:pt x="1167943" y="2673"/>
+                  <a:pt x="948432" y="14868"/>
+                  <a:pt x="729691" y="18288"/>
+                </a:cubicBezTo>
+                <a:cubicBezTo>
+                  <a:pt x="510950" y="21708"/>
+                  <a:pt x="264032" y="24354"/>
+                  <a:pt x="0" y="18288"/>
+                </a:cubicBezTo>
+                <a:cubicBezTo>
+                  <a:pt x="189" y="14288"/>
+                  <a:pt x="-703" y="3747"/>
+                  <a:pt x="0" y="0"/>
+                </a:cubicBezTo>
+                <a:close/>
+              </a:path>
+            </a:pathLst>
+          </a:custGeom>
+          <a:solidFill>
+            <a:schemeClr val="accent2"/>
+          </a:solidFill>
+          <a:ln w="44450" cap="rnd">
+            <a:solidFill>
+              <a:schemeClr val="accent2"/>
+            </a:solidFill>
+            <a:round/>
+            <a:extLst>
+              <a:ext uri="{C807C97D-BFC1-408E-A445-0C87EB9F89A2}">
+                <ask:lineSketchStyleProps xmlns:ask="http://schemas.microsoft.com/office/drawing/2018/sketchyshapes" sd="2863741219">
+                  <a:prstGeom prst="rect">
+                    <a:avLst/>
+                  </a:prstGeom>
+                  <ask:type>
+                    <ask:lineSketchFreehand/>
+                  </ask:type>
+                </ask:lineSketchStyleProps>
+              </a:ext>
+            </a:extLst>
+          </a:ln>
+        </p:spPr>
+        <p:style>
+          <a:lnRef idx="2">
+            <a:schemeClr val="accent1">
+              <a:shade val="50000"/>
+            </a:schemeClr>
+          </a:lnRef>
+          <a:fillRef idx="1">
+            <a:schemeClr val="accent1"/>
+          </a:fillRef>
+          <a:effectRef idx="0">
+            <a:schemeClr val="accent1"/>
+          </a:effectRef>
+          <a:fontRef idx="minor">
+            <a:schemeClr val="lt1"/>
+          </a:fontRef>
+        </p:style>
+        <p:txBody>
+          <a:bodyPr rtlCol="0" anchor="ctr"/>
+          <a:lstStyle/>
+          <a:p>
+            <a:pPr algn="ctr"/>
+            <a:endParaRPr lang="en-US"/>
+          </a:p>
+        </p:txBody>
+      </p:sp>
+      <p:sp>
+        <p:nvSpPr>
+          <p:cNvPr id="7" name="CaixaDeTexto 6">
+            <a:extLst>
+              <a:ext uri="{FF2B5EF4-FFF2-40B4-BE49-F238E27FC236}">
+                <a16:creationId xmlns:a16="http://schemas.microsoft.com/office/drawing/2014/main" id="{E99CFF25-8B25-4B4E-937F-30B0AC43ACC0}"/>
+              </a:ext>
+            </a:extLst>
+          </p:cNvPr>
+          <p:cNvSpPr txBox="1"/>
+          <p:nvPr/>
+        </p:nvSpPr>
+        <p:spPr>
+          <a:xfrm>
+            <a:off x="640080" y="2872899"/>
+            <a:ext cx="4243589" cy="3320668"/>
+          </a:xfrm>
+          <a:prstGeom prst="rect">
+            <a:avLst/>
+          </a:prstGeom>
+        </p:spPr>
+        <p:txBody>
+          <a:bodyPr vert="horz" lIns="91440" tIns="45720" rIns="91440" bIns="45720" rtlCol="0">
+            <a:normAutofit/>
+          </a:bodyPr>
+          <a:lstStyle/>
+          <a:p>
+            <a:pPr marL="285750" indent="-228600">
+              <a:lnSpc>
+                <a:spcPct val="90000"/>
+              </a:lnSpc>
+              <a:spcAft>
+                <a:spcPts val="600"/>
+              </a:spcAft>
+              <a:buFont typeface="Arial" panose="020B0604020202020204" pitchFamily="34" charset="0"/>
+              <a:buChar char="•"/>
+            </a:pPr>
+            <a:r>
+              <a:rPr lang="en-US" sz="2200"/>
+              <a:t>Tempo de espera</a:t>
+            </a:r>
+          </a:p>
+          <a:p>
+            <a:pPr marL="285750" indent="-228600">
+              <a:lnSpc>
+                <a:spcPct val="90000"/>
+              </a:lnSpc>
+              <a:spcAft>
+                <a:spcPts val="600"/>
+              </a:spcAft>
+              <a:buFont typeface="Arial" panose="020B0604020202020204" pitchFamily="34" charset="0"/>
+              <a:buChar char="•"/>
+            </a:pPr>
+            <a:r>
+              <a:rPr lang="en-US" sz="2200"/>
+              <a:t>Problemas relacionados com covid</a:t>
+            </a:r>
+          </a:p>
+          <a:p>
+            <a:pPr marL="285750" indent="-228600">
+              <a:lnSpc>
+                <a:spcPct val="90000"/>
+              </a:lnSpc>
+              <a:spcAft>
+                <a:spcPts val="600"/>
+              </a:spcAft>
+              <a:buFont typeface="Arial" panose="020B0604020202020204" pitchFamily="34" charset="0"/>
+              <a:buChar char="•"/>
+            </a:pPr>
+            <a:r>
+              <a:rPr lang="en-US" sz="2200"/>
+              <a:t>Facilidade</a:t>
+            </a:r>
+          </a:p>
+          <a:p>
+            <a:pPr marL="285750" indent="-228600">
+              <a:lnSpc>
+                <a:spcPct val="90000"/>
+              </a:lnSpc>
+              <a:spcAft>
+                <a:spcPts val="600"/>
+              </a:spcAft>
+              <a:buFont typeface="Arial" panose="020B0604020202020204" pitchFamily="34" charset="0"/>
+              <a:buChar char="•"/>
+            </a:pPr>
+            <a:r>
+              <a:rPr lang="en-US" sz="2200"/>
+              <a:t>Rapidez</a:t>
+            </a:r>
+          </a:p>
+        </p:txBody>
+      </p:sp>
+      <p:pic>
+        <p:nvPicPr>
+          <p:cNvPr id="6" name="Marcador de Posição de Conteúdo 5" descr="Uma imagem com texto, cartão-de-visita&#10;&#10;Descrição gerada automaticamente">
+            <a:extLst>
+              <a:ext uri="{FF2B5EF4-FFF2-40B4-BE49-F238E27FC236}">
+                <a16:creationId xmlns:a16="http://schemas.microsoft.com/office/drawing/2014/main" id="{99AB38E1-30EC-47A2-806D-5015DB03A8DD}"/>
+              </a:ext>
+            </a:extLst>
+          </p:cNvPr>
+          <p:cNvPicPr>
+            <a:picLocks noGrp="1" noChangeAspect="1"/>
+          </p:cNvPicPr>
+          <p:nvPr>
+            <p:ph idx="1"/>
+          </p:nvPr>
+        </p:nvPicPr>
+        <p:blipFill rotWithShape="1">
+          <a:blip r:embed="rId2">
+            <a:extLst>
+              <a:ext uri="{28A0092B-C50C-407E-A947-70E740481C1C}">
+                <a14:useLocalDpi xmlns:a14="http://schemas.microsoft.com/office/drawing/2010/main" val="0"/>
+              </a:ext>
+            </a:extLst>
+          </a:blip>
+          <a:srcRect l="1205" r="4978" b="1"/>
+          <a:stretch/>
+        </p:blipFill>
+        <p:spPr>
+          <a:xfrm>
+            <a:off x="5311702" y="10"/>
+            <a:ext cx="6878775" cy="6857990"/>
+          </a:xfrm>
+          <a:custGeom>
+            <a:avLst/>
+            <a:gdLst/>
+            <a:ahLst/>
+            <a:cxnLst/>
+            <a:rect l="l" t="t" r="r" b="b"/>
+            <a:pathLst>
+              <a:path w="6878775" h="6858000">
+                <a:moveTo>
+                  <a:pt x="1102973" y="0"/>
+                </a:moveTo>
+                <a:lnTo>
+                  <a:pt x="1160688" y="0"/>
+                </a:lnTo>
+                <a:lnTo>
+                  <a:pt x="983189" y="331786"/>
+                </a:lnTo>
+                <a:cubicBezTo>
+                  <a:pt x="914866" y="469145"/>
+                  <a:pt x="850355" y="608712"/>
+                  <a:pt x="789261" y="750263"/>
+                </a:cubicBezTo>
+                <a:cubicBezTo>
+                  <a:pt x="774307" y="784928"/>
+                  <a:pt x="759992" y="819849"/>
+                  <a:pt x="745295" y="854514"/>
+                </a:cubicBezTo>
+                <a:cubicBezTo>
+                  <a:pt x="756682" y="845393"/>
+                  <a:pt x="765489" y="833492"/>
+                  <a:pt x="770857" y="819975"/>
+                </a:cubicBezTo>
+                <a:cubicBezTo>
+                  <a:pt x="879943" y="589569"/>
+                  <a:pt x="999605" y="365513"/>
+                  <a:pt x="1131329" y="148742"/>
+                </a:cubicBezTo>
+                <a:lnTo>
+                  <a:pt x="1227589" y="0"/>
+                </a:lnTo>
+                <a:lnTo>
+                  <a:pt x="6878775" y="0"/>
+                </a:lnTo>
+                <a:lnTo>
+                  <a:pt x="6878775" y="6858000"/>
+                </a:lnTo>
+                <a:lnTo>
+                  <a:pt x="713521" y="6858000"/>
+                </a:lnTo>
+                <a:lnTo>
+                  <a:pt x="625642" y="6670527"/>
+                </a:lnTo>
+                <a:cubicBezTo>
+                  <a:pt x="507232" y="6398531"/>
+                  <a:pt x="403083" y="6118381"/>
+                  <a:pt x="312785" y="5830359"/>
+                </a:cubicBezTo>
+                <a:cubicBezTo>
+                  <a:pt x="278149" y="5719759"/>
+                  <a:pt x="248879" y="5607635"/>
+                  <a:pt x="212198" y="5480401"/>
+                </a:cubicBezTo>
+                <a:cubicBezTo>
+                  <a:pt x="212208" y="5491601"/>
+                  <a:pt x="212803" y="5502788"/>
+                  <a:pt x="213988" y="5513923"/>
+                </a:cubicBezTo>
+                <a:cubicBezTo>
+                  <a:pt x="264089" y="5723695"/>
+                  <a:pt x="307290" y="5935370"/>
+                  <a:pt x="365826" y="6142729"/>
+                </a:cubicBezTo>
+                <a:cubicBezTo>
+                  <a:pt x="433152" y="6380817"/>
+                  <a:pt x="510068" y="6614016"/>
+                  <a:pt x="597975" y="6841549"/>
+                </a:cubicBezTo>
+                <a:lnTo>
+                  <a:pt x="604824" y="6858000"/>
+                </a:lnTo>
+                <a:lnTo>
+                  <a:pt x="552056" y="6858000"/>
+                </a:lnTo>
+                <a:lnTo>
+                  <a:pt x="539576" y="6828295"/>
+                </a:lnTo>
+                <a:cubicBezTo>
+                  <a:pt x="380597" y="6414594"/>
+                  <a:pt x="260223" y="5988893"/>
+                  <a:pt x="171555" y="5552906"/>
+                </a:cubicBezTo>
+                <a:cubicBezTo>
+                  <a:pt x="91163" y="5157998"/>
+                  <a:pt x="43746" y="4758899"/>
+                  <a:pt x="12305" y="4357388"/>
+                </a:cubicBezTo>
+                <a:cubicBezTo>
+                  <a:pt x="-14281" y="4013908"/>
+                  <a:pt x="4507" y="3672965"/>
+                  <a:pt x="46684" y="3331516"/>
+                </a:cubicBezTo>
+                <a:cubicBezTo>
+                  <a:pt x="127203" y="2664286"/>
+                  <a:pt x="277819" y="2007265"/>
+                  <a:pt x="496065" y="1371196"/>
+                </a:cubicBezTo>
+                <a:cubicBezTo>
+                  <a:pt x="636273" y="966066"/>
+                  <a:pt x="800445" y="573253"/>
+                  <a:pt x="995723" y="196614"/>
+                </a:cubicBezTo>
+                <a:close/>
+              </a:path>
+            </a:pathLst>
+          </a:custGeom>
+        </p:spPr>
+      </p:pic>
+      <p:sp>
+        <p:nvSpPr>
+          <p:cNvPr id="4" name="Marcador de Posição do Número do Diapositivo 3">
+            <a:extLst>
+              <a:ext uri="{FF2B5EF4-FFF2-40B4-BE49-F238E27FC236}">
+                <a16:creationId xmlns:a16="http://schemas.microsoft.com/office/drawing/2014/main" id="{6F093358-8C9B-4A97-971A-AC1B3EE4D4A0}"/>
+              </a:ext>
+            </a:extLst>
+          </p:cNvPr>
+          <p:cNvSpPr>
+            <a:spLocks noGrp="1"/>
+          </p:cNvSpPr>
+          <p:nvPr>
+            <p:ph type="sldNum" sz="quarter" idx="12"/>
+          </p:nvPr>
+        </p:nvSpPr>
+        <p:spPr>
+          <a:xfrm>
+            <a:off x="10439400" y="6356350"/>
+            <a:ext cx="914400" cy="365125"/>
+          </a:xfrm>
+        </p:spPr>
+        <p:txBody>
+          <a:bodyPr vert="horz" lIns="91440" tIns="45720" rIns="91440" bIns="45720" rtlCol="0" anchor="ctr">
+            <a:normAutofit/>
+          </a:bodyPr>
+          <a:lstStyle/>
+          <a:p>
+            <a:pPr>
+              <a:spcAft>
+                <a:spcPts val="600"/>
+              </a:spcAft>
+              <a:defRPr/>
+            </a:pPr>
+            <a:fld id="{DA87C3F2-8E36-420A-B6CE-8D33D5DF61CB}" type="slidenum">
+              <a:rPr lang="en-US">
+                <a:solidFill>
+                  <a:srgbClr val="FFFFFF"/>
+                </a:solidFill>
+                <a:latin typeface="Calibri" panose="020F0502020204030204"/>
+              </a:rPr>
+              <a:pPr>
+                <a:spcAft>
+                  <a:spcPts val="600"/>
+                </a:spcAft>
+                <a:defRPr/>
+              </a:pPr>
+              <a:t>3</a:t>
+            </a:fld>
+            <a:endParaRPr lang="en-US">
+              <a:solidFill>
+                <a:srgbClr val="FFFFFF"/>
+              </a:solidFill>
+              <a:latin typeface="Calibri" panose="020F0502020204030204"/>
+            </a:endParaRPr>
+          </a:p>
+        </p:txBody>
+      </p:sp>
+    </p:spTree>
+    <p:extLst>
+      <p:ext uri="{BB962C8B-B14F-4D97-AF65-F5344CB8AC3E}">
+        <p14:creationId xmlns:p14="http://schemas.microsoft.com/office/powerpoint/2010/main" val="2675997702"/>
+      </p:ext>
+    </p:extLst>
+  </p:cSld>
+  <p:clrMapOvr>
+    <a:masterClrMapping/>
+  </p:clrMapOvr>
+</p:sld>
+</file>
+
+<file path=ppt/slides/slide4.xml><?xml version="1.0" encoding="utf-8"?>
 <p:sld xmlns:a="http://schemas.openxmlformats.org/drawingml/2006/main" xmlns:r="http://schemas.openxmlformats.org/officeDocument/2006/relationships" xmlns:p="http://schemas.openxmlformats.org/presentationml/2006/main">
   <p:cSld>
     <p:bg>
@@ -24954,7 +26840,7 @@
           <a:p>
             <a:fld id="{DA87C3F2-8E36-420A-B6CE-8D33D5DF61CB}" type="slidenum">
               <a:rPr lang="pt-PT" smtClean="0"/>
-              <a:t>2</a:t>
+              <a:t>4</a:t>
             </a:fld>
             <a:endParaRPr lang="pt-PT"/>
           </a:p>
@@ -24973,7 +26859,7 @@
 </p:sld>
 </file>
 
-<file path=ppt/slides/slide3.xml><?xml version="1.0" encoding="utf-8"?>
+<file path=ppt/slides/slide5.xml><?xml version="1.0" encoding="utf-8"?>
 <p:sld xmlns:a="http://schemas.openxmlformats.org/drawingml/2006/main" xmlns:r="http://schemas.openxmlformats.org/officeDocument/2006/relationships" xmlns:p="http://schemas.openxmlformats.org/presentationml/2006/main">
   <p:cSld>
     <p:bg>
@@ -25350,7 +27236,7 @@
           <a:p>
             <a:fld id="{DA87C3F2-8E36-420A-B6CE-8D33D5DF61CB}" type="slidenum">
               <a:rPr lang="pt-PT" smtClean="0"/>
-              <a:t>3</a:t>
+              <a:t>5</a:t>
             </a:fld>
             <a:endParaRPr lang="pt-PT"/>
           </a:p>
@@ -25369,7 +27255,7 @@
 </p:sld>
 </file>
 
-<file path=ppt/slides/slide4.xml><?xml version="1.0" encoding="utf-8"?>
+<file path=ppt/slides/slide6.xml><?xml version="1.0" encoding="utf-8"?>
 <p:sld xmlns:a="http://schemas.openxmlformats.org/drawingml/2006/main" xmlns:r="http://schemas.openxmlformats.org/officeDocument/2006/relationships" xmlns:p="http://schemas.openxmlformats.org/presentationml/2006/main">
   <p:cSld>
     <p:bg>
@@ -25738,7 +27624,7 @@
           <a:p>
             <a:fld id="{DA87C3F2-8E36-420A-B6CE-8D33D5DF61CB}" type="slidenum">
               <a:rPr lang="pt-PT" smtClean="0"/>
-              <a:t>4</a:t>
+              <a:t>6</a:t>
             </a:fld>
             <a:endParaRPr lang="pt-PT"/>
           </a:p>
@@ -25757,7 +27643,7 @@
 </p:sld>
 </file>
 
-<file path=ppt/slides/slide5.xml><?xml version="1.0" encoding="utf-8"?>
+<file path=ppt/slides/slide7.xml><?xml version="1.0" encoding="utf-8"?>
 <p:sld xmlns:a="http://schemas.openxmlformats.org/drawingml/2006/main" xmlns:r="http://schemas.openxmlformats.org/officeDocument/2006/relationships" xmlns:p="http://schemas.openxmlformats.org/presentationml/2006/main">
   <p:cSld>
     <p:bg>
@@ -25951,7 +27837,7 @@
           <a:p>
             <a:fld id="{DA87C3F2-8E36-420A-B6CE-8D33D5DF61CB}" type="slidenum">
               <a:rPr lang="pt-PT" smtClean="0"/>
-              <a:t>5</a:t>
+              <a:t>7</a:t>
             </a:fld>
             <a:endParaRPr lang="pt-PT"/>
           </a:p>
@@ -25970,7 +27856,7 @@
 </p:sld>
 </file>
 
-<file path=ppt/slides/slide6.xml><?xml version="1.0" encoding="utf-8"?>
+<file path=ppt/slides/slide8.xml><?xml version="1.0" encoding="utf-8"?>
 <p:sld xmlns:a="http://schemas.openxmlformats.org/drawingml/2006/main" xmlns:r="http://schemas.openxmlformats.org/officeDocument/2006/relationships" xmlns:p="http://schemas.openxmlformats.org/presentationml/2006/main">
   <p:cSld>
     <p:bg>
@@ -26263,7 +28149,7 @@
           <a:p>
             <a:fld id="{DA87C3F2-8E36-420A-B6CE-8D33D5DF61CB}" type="slidenum">
               <a:rPr lang="pt-PT" smtClean="0"/>
-              <a:t>6</a:t>
+              <a:t>8</a:t>
             </a:fld>
             <a:endParaRPr lang="pt-PT"/>
           </a:p>
@@ -26374,7 +28260,7 @@
 </p:sld>
 </file>
 
-<file path=ppt/slides/slide7.xml><?xml version="1.0" encoding="utf-8"?>
+<file path=ppt/slides/slide9.xml><?xml version="1.0" encoding="utf-8"?>
 <p:sld xmlns:a="http://schemas.openxmlformats.org/drawingml/2006/main" xmlns:r="http://schemas.openxmlformats.org/officeDocument/2006/relationships" xmlns:p="http://schemas.openxmlformats.org/presentationml/2006/main">
   <p:cSld>
     <p:bg>
@@ -26673,7 +28559,7 @@
           <a:p>
             <a:fld id="{DA87C3F2-8E36-420A-B6CE-8D33D5DF61CB}" type="slidenum">
               <a:rPr lang="pt-PT" smtClean="0"/>
-              <a:t>7</a:t>
+              <a:t>9</a:t>
             </a:fld>
             <a:endParaRPr lang="pt-PT"/>
           </a:p>
@@ -26781,843 +28667,6 @@
       <p:bldP spid="2" grpId="0"/>
     </p:bldLst>
   </p:timing>
-</p:sld>
-</file>
-
-<file path=ppt/slides/slide8.xml><?xml version="1.0" encoding="utf-8"?>
-<p:sld xmlns:a="http://schemas.openxmlformats.org/drawingml/2006/main" xmlns:r="http://schemas.openxmlformats.org/officeDocument/2006/relationships" xmlns:p="http://schemas.openxmlformats.org/presentationml/2006/main">
-  <p:cSld>
-    <p:bg>
-      <p:bgPr>
-        <a:solidFill>
-          <a:schemeClr val="bg1">
-            <a:tint val="95000"/>
-            <a:satMod val="170000"/>
-          </a:schemeClr>
-        </a:solidFill>
-        <a:effectLst/>
-      </p:bgPr>
-    </p:bg>
-    <p:spTree>
-      <p:nvGrpSpPr>
-        <p:cNvPr id="1" name=""/>
-        <p:cNvGrpSpPr/>
-        <p:nvPr/>
-      </p:nvGrpSpPr>
-      <p:grpSpPr>
-        <a:xfrm>
-          <a:off x="0" y="0"/>
-          <a:ext cx="0" cy="0"/>
-          <a:chOff x="0" y="0"/>
-          <a:chExt cx="0" cy="0"/>
-        </a:xfrm>
-      </p:grpSpPr>
-      <p:sp>
-        <p:nvSpPr>
-          <p:cNvPr id="8" name="Freeform: Shape 7">
-            <a:extLst>
-              <a:ext uri="{FF2B5EF4-FFF2-40B4-BE49-F238E27FC236}">
-                <a16:creationId xmlns:a16="http://schemas.microsoft.com/office/drawing/2014/main" id="{66B332A4-D438-4773-A77F-5ED49A448D9D}"/>
-              </a:ext>
-              <a:ext uri="{C183D7F6-B498-43B3-948B-1728B52AA6E4}">
-                <adec:decorative xmlns:adec="http://schemas.microsoft.com/office/drawing/2017/decorative" val="1"/>
-              </a:ext>
-            </a:extLst>
-          </p:cNvPr>
-          <p:cNvSpPr>
-            <a:spLocks noGrp="1" noRot="1" noChangeAspect="1" noMove="1" noResize="1" noEditPoints="1" noAdjustHandles="1" noChangeArrowheads="1" noChangeShapeType="1" noTextEdit="1"/>
-          </p:cNvSpPr>
-          <p:nvPr>
-            <p:extLst>
-              <p:ext uri="{386F3935-93C4-4BCD-93E2-E3B085C9AB24}">
-                <p16:designElem xmlns:p16="http://schemas.microsoft.com/office/powerpoint/2015/main" val="1"/>
-              </p:ext>
-            </p:extLst>
-          </p:nvPr>
-        </p:nvSpPr>
-        <p:spPr>
-          <a:xfrm>
-            <a:off x="1953768" y="0"/>
-            <a:ext cx="8284464" cy="6858000"/>
-          </a:xfrm>
-          <a:custGeom>
-            <a:avLst/>
-            <a:gdLst>
-              <a:gd name="connsiteX0" fmla="*/ 1818109 w 8284464"/>
-              <a:gd name="connsiteY0" fmla="*/ 0 h 6858000"/>
-              <a:gd name="connsiteX1" fmla="*/ 6466355 w 8284464"/>
-              <a:gd name="connsiteY1" fmla="*/ 0 h 6858000"/>
-              <a:gd name="connsiteX2" fmla="*/ 6620596 w 8284464"/>
-              <a:gd name="connsiteY2" fmla="*/ 109683 h 6858000"/>
-              <a:gd name="connsiteX3" fmla="*/ 8284464 w 8284464"/>
-              <a:gd name="connsiteY3" fmla="*/ 3429000 h 6858000"/>
-              <a:gd name="connsiteX4" fmla="*/ 6620596 w 8284464"/>
-              <a:gd name="connsiteY4" fmla="*/ 6748318 h 6858000"/>
-              <a:gd name="connsiteX5" fmla="*/ 6466355 w 8284464"/>
-              <a:gd name="connsiteY5" fmla="*/ 6858000 h 6858000"/>
-              <a:gd name="connsiteX6" fmla="*/ 1818109 w 8284464"/>
-              <a:gd name="connsiteY6" fmla="*/ 6858000 h 6858000"/>
-              <a:gd name="connsiteX7" fmla="*/ 1663869 w 8284464"/>
-              <a:gd name="connsiteY7" fmla="*/ 6748318 h 6858000"/>
-              <a:gd name="connsiteX8" fmla="*/ 0 w 8284464"/>
-              <a:gd name="connsiteY8" fmla="*/ 3429000 h 6858000"/>
-              <a:gd name="connsiteX9" fmla="*/ 1663869 w 8284464"/>
-              <a:gd name="connsiteY9" fmla="*/ 109683 h 6858000"/>
-            </a:gdLst>
-            <a:ahLst/>
-            <a:cxnLst>
-              <a:cxn ang="0">
-                <a:pos x="connsiteX0" y="connsiteY0"/>
-              </a:cxn>
-              <a:cxn ang="0">
-                <a:pos x="connsiteX1" y="connsiteY1"/>
-              </a:cxn>
-              <a:cxn ang="0">
-                <a:pos x="connsiteX2" y="connsiteY2"/>
-              </a:cxn>
-              <a:cxn ang="0">
-                <a:pos x="connsiteX3" y="connsiteY3"/>
-              </a:cxn>
-              <a:cxn ang="0">
-                <a:pos x="connsiteX4" y="connsiteY4"/>
-              </a:cxn>
-              <a:cxn ang="0">
-                <a:pos x="connsiteX5" y="connsiteY5"/>
-              </a:cxn>
-              <a:cxn ang="0">
-                <a:pos x="connsiteX6" y="connsiteY6"/>
-              </a:cxn>
-              <a:cxn ang="0">
-                <a:pos x="connsiteX7" y="connsiteY7"/>
-              </a:cxn>
-              <a:cxn ang="0">
-                <a:pos x="connsiteX8" y="connsiteY8"/>
-              </a:cxn>
-              <a:cxn ang="0">
-                <a:pos x="connsiteX9" y="connsiteY9"/>
-              </a:cxn>
-            </a:cxnLst>
-            <a:rect l="l" t="t" r="r" b="b"/>
-            <a:pathLst>
-              <a:path w="8284464" h="6858000">
-                <a:moveTo>
-                  <a:pt x="1818109" y="0"/>
-                </a:moveTo>
-                <a:lnTo>
-                  <a:pt x="6466355" y="0"/>
-                </a:lnTo>
-                <a:lnTo>
-                  <a:pt x="6620596" y="109683"/>
-                </a:lnTo>
-                <a:cubicBezTo>
-                  <a:pt x="7630666" y="865069"/>
-                  <a:pt x="8284464" y="2070683"/>
-                  <a:pt x="8284464" y="3429000"/>
-                </a:cubicBezTo>
-                <a:cubicBezTo>
-                  <a:pt x="8284464" y="4787317"/>
-                  <a:pt x="7630666" y="5992931"/>
-                  <a:pt x="6620596" y="6748318"/>
-                </a:cubicBezTo>
-                <a:lnTo>
-                  <a:pt x="6466355" y="6858000"/>
-                </a:lnTo>
-                <a:lnTo>
-                  <a:pt x="1818109" y="6858000"/>
-                </a:lnTo>
-                <a:lnTo>
-                  <a:pt x="1663869" y="6748318"/>
-                </a:lnTo>
-                <a:cubicBezTo>
-                  <a:pt x="653798" y="5992931"/>
-                  <a:pt x="0" y="4787317"/>
-                  <a:pt x="0" y="3429000"/>
-                </a:cubicBezTo>
-                <a:cubicBezTo>
-                  <a:pt x="0" y="2070683"/>
-                  <a:pt x="653798" y="865069"/>
-                  <a:pt x="1663869" y="109683"/>
-                </a:cubicBezTo>
-                <a:close/>
-              </a:path>
-            </a:pathLst>
-          </a:custGeom>
-          <a:solidFill>
-            <a:srgbClr val="FFFFFF">
-              <a:alpha val="80000"/>
-            </a:srgbClr>
-          </a:solidFill>
-          <a:ln>
-            <a:noFill/>
-          </a:ln>
-        </p:spPr>
-        <p:style>
-          <a:lnRef idx="2">
-            <a:schemeClr val="accent1">
-              <a:shade val="50000"/>
-            </a:schemeClr>
-          </a:lnRef>
-          <a:fillRef idx="1">
-            <a:schemeClr val="accent1"/>
-          </a:fillRef>
-          <a:effectRef idx="0">
-            <a:schemeClr val="accent1"/>
-          </a:effectRef>
-          <a:fontRef idx="minor">
-            <a:schemeClr val="lt1"/>
-          </a:fontRef>
-        </p:style>
-        <p:txBody>
-          <a:bodyPr wrap="square" rtlCol="0" anchor="ctr">
-            <a:noAutofit/>
-          </a:bodyPr>
-          <a:lstStyle/>
-          <a:p>
-            <a:pPr algn="ctr"/>
-            <a:endParaRPr lang="en-US"/>
-          </a:p>
-        </p:txBody>
-      </p:sp>
-      <p:sp>
-        <p:nvSpPr>
-          <p:cNvPr id="10" name="Freeform: Shape 9">
-            <a:extLst>
-              <a:ext uri="{FF2B5EF4-FFF2-40B4-BE49-F238E27FC236}">
-                <a16:creationId xmlns:a16="http://schemas.microsoft.com/office/drawing/2014/main" id="{DF9AD32D-FF05-44F4-BD4D-9CEE89B71EB9}"/>
-              </a:ext>
-              <a:ext uri="{C183D7F6-B498-43B3-948B-1728B52AA6E4}">
-                <adec:decorative xmlns:adec="http://schemas.microsoft.com/office/drawing/2017/decorative" val="1"/>
-              </a:ext>
-            </a:extLst>
-          </p:cNvPr>
-          <p:cNvSpPr>
-            <a:spLocks noGrp="1" noRot="1" noChangeAspect="1" noMove="1" noResize="1" noEditPoints="1" noAdjustHandles="1" noChangeArrowheads="1" noChangeShapeType="1" noTextEdit="1"/>
-          </p:cNvSpPr>
-          <p:nvPr>
-            <p:extLst>
-              <p:ext uri="{386F3935-93C4-4BCD-93E2-E3B085C9AB24}">
-                <p16:designElem xmlns:p16="http://schemas.microsoft.com/office/powerpoint/2015/main" val="1"/>
-              </p:ext>
-            </p:extLst>
-          </p:nvPr>
-        </p:nvSpPr>
-        <p:spPr>
-          <a:xfrm>
-            <a:off x="2118360" y="0"/>
-            <a:ext cx="7955280" cy="6858000"/>
-          </a:xfrm>
-          <a:custGeom>
-            <a:avLst/>
-            <a:gdLst>
-              <a:gd name="connsiteX0" fmla="*/ 1962423 w 7955280"/>
-              <a:gd name="connsiteY0" fmla="*/ 0 h 6858000"/>
-              <a:gd name="connsiteX1" fmla="*/ 5992858 w 7955280"/>
-              <a:gd name="connsiteY1" fmla="*/ 0 h 6858000"/>
-              <a:gd name="connsiteX2" fmla="*/ 6040191 w 7955280"/>
-              <a:gd name="connsiteY2" fmla="*/ 27216 h 6858000"/>
-              <a:gd name="connsiteX3" fmla="*/ 7955280 w 7955280"/>
-              <a:gd name="connsiteY3" fmla="*/ 3429000 h 6858000"/>
-              <a:gd name="connsiteX4" fmla="*/ 6040191 w 7955280"/>
-              <a:gd name="connsiteY4" fmla="*/ 6830784 h 6858000"/>
-              <a:gd name="connsiteX5" fmla="*/ 5992858 w 7955280"/>
-              <a:gd name="connsiteY5" fmla="*/ 6858000 h 6858000"/>
-              <a:gd name="connsiteX6" fmla="*/ 1962423 w 7955280"/>
-              <a:gd name="connsiteY6" fmla="*/ 6858000 h 6858000"/>
-              <a:gd name="connsiteX7" fmla="*/ 1915089 w 7955280"/>
-              <a:gd name="connsiteY7" fmla="*/ 6830784 h 6858000"/>
-              <a:gd name="connsiteX8" fmla="*/ 0 w 7955280"/>
-              <a:gd name="connsiteY8" fmla="*/ 3429000 h 6858000"/>
-              <a:gd name="connsiteX9" fmla="*/ 1915089 w 7955280"/>
-              <a:gd name="connsiteY9" fmla="*/ 27216 h 6858000"/>
-            </a:gdLst>
-            <a:ahLst/>
-            <a:cxnLst>
-              <a:cxn ang="0">
-                <a:pos x="connsiteX0" y="connsiteY0"/>
-              </a:cxn>
-              <a:cxn ang="0">
-                <a:pos x="connsiteX1" y="connsiteY1"/>
-              </a:cxn>
-              <a:cxn ang="0">
-                <a:pos x="connsiteX2" y="connsiteY2"/>
-              </a:cxn>
-              <a:cxn ang="0">
-                <a:pos x="connsiteX3" y="connsiteY3"/>
-              </a:cxn>
-              <a:cxn ang="0">
-                <a:pos x="connsiteX4" y="connsiteY4"/>
-              </a:cxn>
-              <a:cxn ang="0">
-                <a:pos x="connsiteX5" y="connsiteY5"/>
-              </a:cxn>
-              <a:cxn ang="0">
-                <a:pos x="connsiteX6" y="connsiteY6"/>
-              </a:cxn>
-              <a:cxn ang="0">
-                <a:pos x="connsiteX7" y="connsiteY7"/>
-              </a:cxn>
-              <a:cxn ang="0">
-                <a:pos x="connsiteX8" y="connsiteY8"/>
-              </a:cxn>
-              <a:cxn ang="0">
-                <a:pos x="connsiteX9" y="connsiteY9"/>
-              </a:cxn>
-            </a:cxnLst>
-            <a:rect l="l" t="t" r="r" b="b"/>
-            <a:pathLst>
-              <a:path w="7955280" h="6858000">
-                <a:moveTo>
-                  <a:pt x="1962423" y="0"/>
-                </a:moveTo>
-                <a:lnTo>
-                  <a:pt x="5992858" y="0"/>
-                </a:lnTo>
-                <a:lnTo>
-                  <a:pt x="6040191" y="27216"/>
-                </a:lnTo>
-                <a:cubicBezTo>
-                  <a:pt x="7188332" y="724844"/>
-                  <a:pt x="7955280" y="1987357"/>
-                  <a:pt x="7955280" y="3429000"/>
-                </a:cubicBezTo>
-                <a:cubicBezTo>
-                  <a:pt x="7955280" y="4870644"/>
-                  <a:pt x="7188332" y="6133157"/>
-                  <a:pt x="6040191" y="6830784"/>
-                </a:cubicBezTo>
-                <a:lnTo>
-                  <a:pt x="5992858" y="6858000"/>
-                </a:lnTo>
-                <a:lnTo>
-                  <a:pt x="1962423" y="6858000"/>
-                </a:lnTo>
-                <a:lnTo>
-                  <a:pt x="1915089" y="6830784"/>
-                </a:lnTo>
-                <a:cubicBezTo>
-                  <a:pt x="766948" y="6133157"/>
-                  <a:pt x="0" y="4870644"/>
-                  <a:pt x="0" y="3429000"/>
-                </a:cubicBezTo>
-                <a:cubicBezTo>
-                  <a:pt x="0" y="1987357"/>
-                  <a:pt x="766948" y="724844"/>
-                  <a:pt x="1915089" y="27216"/>
-                </a:cubicBezTo>
-                <a:close/>
-              </a:path>
-            </a:pathLst>
-          </a:custGeom>
-          <a:solidFill>
-            <a:schemeClr val="tx1"/>
-          </a:solidFill>
-          <a:ln>
-            <a:noFill/>
-          </a:ln>
-        </p:spPr>
-        <p:style>
-          <a:lnRef idx="2">
-            <a:schemeClr val="accent1">
-              <a:shade val="50000"/>
-            </a:schemeClr>
-          </a:lnRef>
-          <a:fillRef idx="1">
-            <a:schemeClr val="accent1"/>
-          </a:fillRef>
-          <a:effectRef idx="0">
-            <a:schemeClr val="accent1"/>
-          </a:effectRef>
-          <a:fontRef idx="minor">
-            <a:schemeClr val="lt1"/>
-          </a:fontRef>
-        </p:style>
-        <p:txBody>
-          <a:bodyPr wrap="square" rtlCol="0" anchor="ctr">
-            <a:noAutofit/>
-          </a:bodyPr>
-          <a:lstStyle/>
-          <a:p>
-            <a:pPr algn="ctr"/>
-            <a:endParaRPr lang="en-US"/>
-          </a:p>
-        </p:txBody>
-      </p:sp>
-      <p:sp>
-        <p:nvSpPr>
-          <p:cNvPr id="2" name="Título 1">
-            <a:extLst>
-              <a:ext uri="{FF2B5EF4-FFF2-40B4-BE49-F238E27FC236}">
-                <a16:creationId xmlns:a16="http://schemas.microsoft.com/office/drawing/2014/main" id="{38758FAB-19F5-4230-AE7B-60EA6E08891E}"/>
-              </a:ext>
-            </a:extLst>
-          </p:cNvPr>
-          <p:cNvSpPr>
-            <a:spLocks noGrp="1"/>
-          </p:cNvSpPr>
-          <p:nvPr>
-            <p:ph type="title"/>
-          </p:nvPr>
-        </p:nvSpPr>
-        <p:spPr>
-          <a:xfrm>
-            <a:off x="2555631" y="1441938"/>
-            <a:ext cx="7080738" cy="3974124"/>
-          </a:xfrm>
-        </p:spPr>
-        <p:txBody>
-          <a:bodyPr vert="horz" lIns="91440" tIns="45720" rIns="91440" bIns="45720" rtlCol="0" anchor="ctr">
-            <a:normAutofit/>
-          </a:bodyPr>
-          <a:lstStyle/>
-          <a:p>
-            <a:pPr algn="ctr"/>
-            <a:r>
-              <a:rPr lang="en-US" sz="5400">
-                <a:solidFill>
-                  <a:schemeClr val="bg1">
-                    <a:lumMod val="95000"/>
-                    <a:lumOff val="5000"/>
-                  </a:schemeClr>
-                </a:solidFill>
-                <a:effectLst/>
-              </a:rPr>
-              <a:t>Interligação do projeto </a:t>
-            </a:r>
-            <a:endParaRPr lang="en-US" sz="5400">
-              <a:solidFill>
-                <a:schemeClr val="bg1">
-                  <a:lumMod val="95000"/>
-                  <a:lumOff val="5000"/>
-                </a:schemeClr>
-              </a:solidFill>
-            </a:endParaRPr>
-          </a:p>
-        </p:txBody>
-      </p:sp>
-      <p:sp>
-        <p:nvSpPr>
-          <p:cNvPr id="3" name="Marcador de Posição do Número do Diapositivo 2">
-            <a:extLst>
-              <a:ext uri="{FF2B5EF4-FFF2-40B4-BE49-F238E27FC236}">
-                <a16:creationId xmlns:a16="http://schemas.microsoft.com/office/drawing/2014/main" id="{8A8926E5-E9FC-4E8A-8C14-7246D128069F}"/>
-              </a:ext>
-            </a:extLst>
-          </p:cNvPr>
-          <p:cNvSpPr>
-            <a:spLocks noGrp="1"/>
-          </p:cNvSpPr>
-          <p:nvPr>
-            <p:ph type="sldNum" sz="quarter" idx="12"/>
-          </p:nvPr>
-        </p:nvSpPr>
-        <p:spPr/>
-        <p:txBody>
-          <a:bodyPr/>
-          <a:lstStyle/>
-          <a:p>
-            <a:fld id="{DA87C3F2-8E36-420A-B6CE-8D33D5DF61CB}" type="slidenum">
-              <a:rPr lang="pt-PT" smtClean="0"/>
-              <a:t>8</a:t>
-            </a:fld>
-            <a:endParaRPr lang="pt-PT"/>
-          </a:p>
-        </p:txBody>
-      </p:sp>
-    </p:spTree>
-    <p:extLst>
-      <p:ext uri="{BB962C8B-B14F-4D97-AF65-F5344CB8AC3E}">
-        <p14:creationId xmlns:p14="http://schemas.microsoft.com/office/powerpoint/2010/main" val="3639048791"/>
-      </p:ext>
-    </p:extLst>
-  </p:cSld>
-  <p:clrMapOvr>
-    <a:overrideClrMapping bg1="dk1" tx1="lt1" bg2="dk2" tx2="lt2" accent1="accent1" accent2="accent2" accent3="accent3" accent4="accent4" accent5="accent5" accent6="accent6" hlink="hlink" folHlink="folHlink"/>
-  </p:clrMapOvr>
-</p:sld>
-</file>
-
-<file path=ppt/slides/slide9.xml><?xml version="1.0" encoding="utf-8"?>
-<p:sld xmlns:a="http://schemas.openxmlformats.org/drawingml/2006/main" xmlns:r="http://schemas.openxmlformats.org/officeDocument/2006/relationships" xmlns:p="http://schemas.openxmlformats.org/presentationml/2006/main">
-  <p:cSld>
-    <p:bg>
-      <p:bgPr>
-        <a:solidFill>
-          <a:schemeClr val="bg1">
-            <a:tint val="95000"/>
-            <a:satMod val="170000"/>
-          </a:schemeClr>
-        </a:solidFill>
-        <a:effectLst/>
-      </p:bgPr>
-    </p:bg>
-    <p:spTree>
-      <p:nvGrpSpPr>
-        <p:cNvPr id="1" name=""/>
-        <p:cNvGrpSpPr/>
-        <p:nvPr/>
-      </p:nvGrpSpPr>
-      <p:grpSpPr>
-        <a:xfrm>
-          <a:off x="0" y="0"/>
-          <a:ext cx="0" cy="0"/>
-          <a:chOff x="0" y="0"/>
-          <a:chExt cx="0" cy="0"/>
-        </a:xfrm>
-      </p:grpSpPr>
-      <p:sp>
-        <p:nvSpPr>
-          <p:cNvPr id="2" name="Título 1">
-            <a:extLst>
-              <a:ext uri="{FF2B5EF4-FFF2-40B4-BE49-F238E27FC236}">
-                <a16:creationId xmlns:a16="http://schemas.microsoft.com/office/drawing/2014/main" id="{EAA10D45-88A0-4A9B-B86F-9CE219245F52}"/>
-              </a:ext>
-            </a:extLst>
-          </p:cNvPr>
-          <p:cNvSpPr>
-            <a:spLocks noGrp="1"/>
-          </p:cNvSpPr>
-          <p:nvPr>
-            <p:ph type="title"/>
-          </p:nvPr>
-        </p:nvSpPr>
-        <p:spPr>
-          <a:xfrm>
-            <a:off x="804673" y="3320859"/>
-            <a:ext cx="4524973" cy="2076333"/>
-          </a:xfrm>
-        </p:spPr>
-        <p:txBody>
-          <a:bodyPr vert="horz" lIns="91440" tIns="45720" rIns="91440" bIns="45720" rtlCol="0" anchor="t">
-            <a:normAutofit/>
-          </a:bodyPr>
-          <a:lstStyle/>
-          <a:p>
-            <a:r>
-              <a:rPr lang="en-US" sz="4800"/>
-              <a:t>Desenvolvimento </a:t>
-            </a:r>
-          </a:p>
-        </p:txBody>
-      </p:sp>
-      <p:sp>
-        <p:nvSpPr>
-          <p:cNvPr id="9" name="Freeform: Shape 8">
-            <a:extLst>
-              <a:ext uri="{FF2B5EF4-FFF2-40B4-BE49-F238E27FC236}">
-                <a16:creationId xmlns:a16="http://schemas.microsoft.com/office/drawing/2014/main" id="{BCC55ACC-A2F6-403C-A3A4-D59B3734D45F}"/>
-              </a:ext>
-              <a:ext uri="{C183D7F6-B498-43B3-948B-1728B52AA6E4}">
-                <adec:decorative xmlns:adec="http://schemas.microsoft.com/office/drawing/2017/decorative" val="1"/>
-              </a:ext>
-            </a:extLst>
-          </p:cNvPr>
-          <p:cNvSpPr>
-            <a:spLocks noGrp="1" noRot="1" noChangeAspect="1" noMove="1" noResize="1" noEditPoints="1" noAdjustHandles="1" noChangeArrowheads="1" noChangeShapeType="1" noTextEdit="1"/>
-          </p:cNvSpPr>
-          <p:nvPr>
-            <p:extLst>
-              <p:ext uri="{386F3935-93C4-4BCD-93E2-E3B085C9AB24}">
-                <p16:designElem xmlns:p16="http://schemas.microsoft.com/office/powerpoint/2015/main" val="1"/>
-              </p:ext>
-            </p:extLst>
-          </p:nvPr>
-        </p:nvSpPr>
-        <p:spPr>
-          <a:xfrm>
-            <a:off x="5857312" y="381000"/>
-            <a:ext cx="6334689" cy="6477000"/>
-          </a:xfrm>
-          <a:custGeom>
-            <a:avLst/>
-            <a:gdLst>
-              <a:gd name="connsiteX0" fmla="*/ 3561588 w 6334689"/>
-              <a:gd name="connsiteY0" fmla="*/ 0 h 6477000"/>
-              <a:gd name="connsiteX1" fmla="*/ 6309883 w 6334689"/>
-              <a:gd name="connsiteY1" fmla="*/ 1296087 h 6477000"/>
-              <a:gd name="connsiteX2" fmla="*/ 6334689 w 6334689"/>
-              <a:gd name="connsiteY2" fmla="*/ 1329261 h 6477000"/>
-              <a:gd name="connsiteX3" fmla="*/ 6334689 w 6334689"/>
-              <a:gd name="connsiteY3" fmla="*/ 5793916 h 6477000"/>
-              <a:gd name="connsiteX4" fmla="*/ 6309883 w 6334689"/>
-              <a:gd name="connsiteY4" fmla="*/ 5827089 h 6477000"/>
-              <a:gd name="connsiteX5" fmla="*/ 5760467 w 6334689"/>
-              <a:gd name="connsiteY5" fmla="*/ 6363539 h 6477000"/>
-              <a:gd name="connsiteX6" fmla="*/ 5607796 w 6334689"/>
-              <a:gd name="connsiteY6" fmla="*/ 6477000 h 6477000"/>
-              <a:gd name="connsiteX7" fmla="*/ 1519571 w 6334689"/>
-              <a:gd name="connsiteY7" fmla="*/ 6477000 h 6477000"/>
-              <a:gd name="connsiteX8" fmla="*/ 1296088 w 6334689"/>
-              <a:gd name="connsiteY8" fmla="*/ 6309883 h 6477000"/>
-              <a:gd name="connsiteX9" fmla="*/ 0 w 6334689"/>
-              <a:gd name="connsiteY9" fmla="*/ 3561588 h 6477000"/>
-              <a:gd name="connsiteX10" fmla="*/ 3561588 w 6334689"/>
-              <a:gd name="connsiteY10" fmla="*/ 0 h 6477000"/>
-            </a:gdLst>
-            <a:ahLst/>
-            <a:cxnLst>
-              <a:cxn ang="0">
-                <a:pos x="connsiteX0" y="connsiteY0"/>
-              </a:cxn>
-              <a:cxn ang="0">
-                <a:pos x="connsiteX1" y="connsiteY1"/>
-              </a:cxn>
-              <a:cxn ang="0">
-                <a:pos x="connsiteX2" y="connsiteY2"/>
-              </a:cxn>
-              <a:cxn ang="0">
-                <a:pos x="connsiteX3" y="connsiteY3"/>
-              </a:cxn>
-              <a:cxn ang="0">
-                <a:pos x="connsiteX4" y="connsiteY4"/>
-              </a:cxn>
-              <a:cxn ang="0">
-                <a:pos x="connsiteX5" y="connsiteY5"/>
-              </a:cxn>
-              <a:cxn ang="0">
-                <a:pos x="connsiteX6" y="connsiteY6"/>
-              </a:cxn>
-              <a:cxn ang="0">
-                <a:pos x="connsiteX7" y="connsiteY7"/>
-              </a:cxn>
-              <a:cxn ang="0">
-                <a:pos x="connsiteX8" y="connsiteY8"/>
-              </a:cxn>
-              <a:cxn ang="0">
-                <a:pos x="connsiteX9" y="connsiteY9"/>
-              </a:cxn>
-              <a:cxn ang="0">
-                <a:pos x="connsiteX10" y="connsiteY10"/>
-              </a:cxn>
-            </a:cxnLst>
-            <a:rect l="l" t="t" r="r" b="b"/>
-            <a:pathLst>
-              <a:path w="6334689" h="6477000">
-                <a:moveTo>
-                  <a:pt x="3561588" y="0"/>
-                </a:moveTo>
-                <a:cubicBezTo>
-                  <a:pt x="4668032" y="0"/>
-                  <a:pt x="5656635" y="504534"/>
-                  <a:pt x="6309883" y="1296087"/>
-                </a:cubicBezTo>
-                <a:lnTo>
-                  <a:pt x="6334689" y="1329261"/>
-                </a:lnTo>
-                <a:lnTo>
-                  <a:pt x="6334689" y="5793916"/>
-                </a:lnTo>
-                <a:lnTo>
-                  <a:pt x="6309883" y="5827089"/>
-                </a:lnTo>
-                <a:cubicBezTo>
-                  <a:pt x="6146571" y="6024977"/>
-                  <a:pt x="5962299" y="6204927"/>
-                  <a:pt x="5760467" y="6363539"/>
-                </a:cubicBezTo>
-                <a:lnTo>
-                  <a:pt x="5607796" y="6477000"/>
-                </a:lnTo>
-                <a:lnTo>
-                  <a:pt x="1519571" y="6477000"/>
-                </a:lnTo>
-                <a:lnTo>
-                  <a:pt x="1296088" y="6309883"/>
-                </a:lnTo>
-                <a:cubicBezTo>
-                  <a:pt x="504535" y="5656635"/>
-                  <a:pt x="0" y="4668032"/>
-                  <a:pt x="0" y="3561588"/>
-                </a:cubicBezTo>
-                <a:cubicBezTo>
-                  <a:pt x="0" y="1594577"/>
-                  <a:pt x="1594577" y="0"/>
-                  <a:pt x="3561588" y="0"/>
-                </a:cubicBezTo>
-                <a:close/>
-              </a:path>
-            </a:pathLst>
-          </a:custGeom>
-          <a:solidFill>
-            <a:srgbClr val="FFFFFF">
-              <a:alpha val="80000"/>
-            </a:srgbClr>
-          </a:solidFill>
-          <a:ln>
-            <a:noFill/>
-          </a:ln>
-        </p:spPr>
-        <p:style>
-          <a:lnRef idx="2">
-            <a:schemeClr val="accent1">
-              <a:shade val="50000"/>
-            </a:schemeClr>
-          </a:lnRef>
-          <a:fillRef idx="1">
-            <a:schemeClr val="accent1"/>
-          </a:fillRef>
-          <a:effectRef idx="0">
-            <a:schemeClr val="accent1"/>
-          </a:effectRef>
-          <a:fontRef idx="minor">
-            <a:schemeClr val="lt1"/>
-          </a:fontRef>
-        </p:style>
-        <p:txBody>
-          <a:bodyPr rtlCol="0" anchor="ctr"/>
-          <a:lstStyle/>
-          <a:p>
-            <a:pPr marL="0" marR="0" lvl="0" indent="0" algn="ctr" defTabSz="914400" rtl="0" eaLnBrk="1" fontAlgn="auto" latinLnBrk="0" hangingPunct="1">
-              <a:lnSpc>
-                <a:spcPct val="100000"/>
-              </a:lnSpc>
-              <a:spcBef>
-                <a:spcPts val="0"/>
-              </a:spcBef>
-              <a:spcAft>
-                <a:spcPts val="0"/>
-              </a:spcAft>
-              <a:buClrTx/>
-              <a:buSzTx/>
-              <a:buFontTx/>
-              <a:buNone/>
-              <a:tabLst/>
-              <a:defRPr/>
-            </a:pPr>
-            <a:endParaRPr kumimoji="0" lang="en-US" sz="1800" b="0" i="0" u="none" strike="noStrike" kern="1200" cap="none" spc="0" normalizeH="0" baseline="0" noProof="0">
-              <a:ln>
-                <a:noFill/>
-              </a:ln>
-              <a:solidFill>
-                <a:prstClr val="white"/>
-              </a:solidFill>
-              <a:effectLst/>
-              <a:uLnTx/>
-              <a:uFillTx/>
-              <a:latin typeface="Calibri" panose="020F0502020204030204"/>
-              <a:ea typeface="+mn-ea"/>
-              <a:cs typeface="+mn-cs"/>
-            </a:endParaRPr>
-          </a:p>
-        </p:txBody>
-      </p:sp>
-      <p:pic>
-        <p:nvPicPr>
-          <p:cNvPr id="5" name="Picture 4" descr="Peça de puzzle a preencher o espaço">
-            <a:extLst>
-              <a:ext uri="{FF2B5EF4-FFF2-40B4-BE49-F238E27FC236}">
-                <a16:creationId xmlns:a16="http://schemas.microsoft.com/office/drawing/2014/main" id="{557DAC53-6458-4CA1-9F1B-735D7D5FD118}"/>
-              </a:ext>
-            </a:extLst>
-          </p:cNvPr>
-          <p:cNvPicPr>
-            <a:picLocks noChangeAspect="1"/>
-          </p:cNvPicPr>
-          <p:nvPr/>
-        </p:nvPicPr>
-        <p:blipFill rotWithShape="1">
-          <a:blip r:embed="rId3"/>
-          <a:srcRect l="273" r="26418"/>
-          <a:stretch/>
-        </p:blipFill>
-        <p:spPr>
-          <a:xfrm>
-            <a:off x="6021086" y="544777"/>
-            <a:ext cx="6170914" cy="6313225"/>
-          </a:xfrm>
-          <a:custGeom>
-            <a:avLst/>
-            <a:gdLst/>
-            <a:ahLst/>
-            <a:cxnLst/>
-            <a:rect l="l" t="t" r="r" b="b"/>
-            <a:pathLst>
-              <a:path w="6170914" h="6313225">
-                <a:moveTo>
-                  <a:pt x="3397813" y="0"/>
-                </a:moveTo>
-                <a:cubicBezTo>
-                  <a:pt x="4453378" y="0"/>
-                  <a:pt x="5396522" y="481334"/>
-                  <a:pt x="6019731" y="1236489"/>
-                </a:cubicBezTo>
-                <a:lnTo>
-                  <a:pt x="6170914" y="1438663"/>
-                </a:lnTo>
-                <a:lnTo>
-                  <a:pt x="6170914" y="5356963"/>
-                </a:lnTo>
-                <a:lnTo>
-                  <a:pt x="6019731" y="5559138"/>
-                </a:lnTo>
-                <a:cubicBezTo>
-                  <a:pt x="5786028" y="5842321"/>
-                  <a:pt x="5507333" y="6086998"/>
-                  <a:pt x="5194591" y="6282226"/>
-                </a:cubicBezTo>
-                <a:lnTo>
-                  <a:pt x="5141791" y="6313225"/>
-                </a:lnTo>
-                <a:lnTo>
-                  <a:pt x="1659199" y="6313225"/>
-                </a:lnTo>
-                <a:lnTo>
-                  <a:pt x="1498064" y="6215333"/>
-                </a:lnTo>
-                <a:cubicBezTo>
-                  <a:pt x="594240" y="5604721"/>
-                  <a:pt x="0" y="4570663"/>
-                  <a:pt x="0" y="3397813"/>
-                </a:cubicBezTo>
-                <a:cubicBezTo>
-                  <a:pt x="0" y="1521253"/>
-                  <a:pt x="1521253" y="0"/>
-                  <a:pt x="3397813" y="0"/>
-                </a:cubicBezTo>
-                <a:close/>
-              </a:path>
-            </a:pathLst>
-          </a:custGeom>
-        </p:spPr>
-      </p:pic>
-      <p:sp>
-        <p:nvSpPr>
-          <p:cNvPr id="3" name="Marcador de Posição do Número do Diapositivo 2">
-            <a:extLst>
-              <a:ext uri="{FF2B5EF4-FFF2-40B4-BE49-F238E27FC236}">
-                <a16:creationId xmlns:a16="http://schemas.microsoft.com/office/drawing/2014/main" id="{9D71751B-B825-45F9-90AA-1A4155B2F814}"/>
-              </a:ext>
-            </a:extLst>
-          </p:cNvPr>
-          <p:cNvSpPr>
-            <a:spLocks noGrp="1"/>
-          </p:cNvSpPr>
-          <p:nvPr>
-            <p:ph type="sldNum" sz="quarter" idx="12"/>
-          </p:nvPr>
-        </p:nvSpPr>
-        <p:spPr/>
-        <p:txBody>
-          <a:bodyPr/>
-          <a:lstStyle/>
-          <a:p>
-            <a:fld id="{DA87C3F2-8E36-420A-B6CE-8D33D5DF61CB}" type="slidenum">
-              <a:rPr lang="pt-PT" smtClean="0"/>
-              <a:t>9</a:t>
-            </a:fld>
-            <a:endParaRPr lang="pt-PT"/>
-          </a:p>
-        </p:txBody>
-      </p:sp>
-    </p:spTree>
-    <p:extLst>
-      <p:ext uri="{BB962C8B-B14F-4D97-AF65-F5344CB8AC3E}">
-        <p14:creationId xmlns:p14="http://schemas.microsoft.com/office/powerpoint/2010/main" val="3435902349"/>
-      </p:ext>
-    </p:extLst>
-  </p:cSld>
-  <p:clrMapOvr>
-    <a:overrideClrMapping bg1="dk1" tx1="lt1" bg2="dk2" tx2="lt2" accent1="accent1" accent2="accent2" accent3="accent3" accent4="accent4" accent5="accent5" accent6="accent6" hlink="hlink" folHlink="folHlink"/>
-  </p:clrMapOvr>
 </p:sld>
 </file>
 
@@ -28212,15 +29261,6 @@
 </file>
 
 <file path=customXml/item1.xml><?xml version="1.0" encoding="utf-8"?>
-<?mso-contentType ?>
-<FormTemplates xmlns="http://schemas.microsoft.com/sharepoint/v3/contenttype/forms">
-  <Display>DocumentLibraryForm</Display>
-  <Edit>DocumentLibraryForm</Edit>
-  <New>DocumentLibraryForm</New>
-</FormTemplates>
-</file>
-
-<file path=customXml/item2.xml><?xml version="1.0" encoding="utf-8"?>
 <ct:contentTypeSchema xmlns:ct="http://schemas.microsoft.com/office/2006/metadata/contentType" xmlns:ma="http://schemas.microsoft.com/office/2006/metadata/properties/metaAttributes" ct:_="" ma:_="" ma:contentTypeName="Document" ma:contentTypeID="0x010100F9D87775D2C7474C804A12E237D4A870" ma:contentTypeVersion="12" ma:contentTypeDescription="Create a new document." ma:contentTypeScope="" ma:versionID="715c8e22c52934408a848c5571b9c2dc">
   <xsd:schema xmlns:xsd="http://www.w3.org/2001/XMLSchema" xmlns:xs="http://www.w3.org/2001/XMLSchema" xmlns:p="http://schemas.microsoft.com/office/2006/metadata/properties" xmlns:ns3="bc34f749-a9cc-486e-aa86-7fce59d0e900" xmlns:ns4="0749c31c-d6e7-4502-8916-6384ae8f01aa" targetNamespace="http://schemas.microsoft.com/office/2006/metadata/properties" ma:root="true" ma:fieldsID="0793b28f856afbb0bc8d6bc9132a772e" ns3:_="" ns4:_="">
     <xsd:import namespace="bc34f749-a9cc-486e-aa86-7fce59d0e900"/>
@@ -28437,6 +29477,15 @@
 </ct:contentTypeSchema>
 </file>
 
+<file path=customXml/item2.xml><?xml version="1.0" encoding="utf-8"?>
+<?mso-contentType ?>
+<FormTemplates xmlns="http://schemas.microsoft.com/sharepoint/v3/contenttype/forms">
+  <Display>DocumentLibraryForm</Display>
+  <Edit>DocumentLibraryForm</Edit>
+  <New>DocumentLibraryForm</New>
+</FormTemplates>
+</file>
+
 <file path=customXml/item3.xml><?xml version="1.0" encoding="utf-8"?>
 <p:properties xmlns:p="http://schemas.microsoft.com/office/2006/metadata/properties" xmlns:xsi="http://www.w3.org/2001/XMLSchema-instance" xmlns:pc="http://schemas.microsoft.com/office/infopath/2007/PartnerControls">
   <documentManagement/>
@@ -28444,14 +29493,6 @@
 </file>
 
 <file path=customXml/itemProps1.xml><?xml version="1.0" encoding="utf-8"?>
-<ds:datastoreItem xmlns:ds="http://schemas.openxmlformats.org/officeDocument/2006/customXml" ds:itemID="{51D4F5DA-3E29-4492-A802-408F5FCB0B3C}">
-  <ds:schemaRefs>
-    <ds:schemaRef ds:uri="http://schemas.microsoft.com/sharepoint/v3/contenttype/forms"/>
-  </ds:schemaRefs>
-</ds:datastoreItem>
-</file>
-
-<file path=customXml/itemProps2.xml><?xml version="1.0" encoding="utf-8"?>
 <ds:datastoreItem xmlns:ds="http://schemas.openxmlformats.org/officeDocument/2006/customXml" ds:itemID="{BD7D8914-296A-4762-9E13-BD36E4628C2E}">
   <ds:schemaRefs>
     <ds:schemaRef ds:uri="http://schemas.microsoft.com/office/2006/metadata/contentType"/>
@@ -28466,6 +29507,14 @@
     <ds:schemaRef ds:uri="http://purl.org/dc/elements/1.1/"/>
     <ds:schemaRef ds:uri="http://purl.org/dc/terms/"/>
     <ds:schemaRef ds:uri="http://schemas.microsoft.com/internal/obd"/>
+  </ds:schemaRefs>
+</ds:datastoreItem>
+</file>
+
+<file path=customXml/itemProps2.xml><?xml version="1.0" encoding="utf-8"?>
+<ds:datastoreItem xmlns:ds="http://schemas.openxmlformats.org/officeDocument/2006/customXml" ds:itemID="{51D4F5DA-3E29-4492-A802-408F5FCB0B3C}">
+  <ds:schemaRefs>
+    <ds:schemaRef ds:uri="http://schemas.microsoft.com/sharepoint/v3/contenttype/forms"/>
   </ds:schemaRefs>
 </ds:datastoreItem>
 </file>

--- a/documentos/ApresentacaoFinal.pptx
+++ b/documentos/ApresentacaoFinal.pptx
@@ -213,7 +213,7 @@
           <a:p>
             <a:fld id="{B6B1FB5B-F2CB-438D-8F56-E30A5DFB9512}" type="datetimeFigureOut">
               <a:rPr lang="pt-PT" smtClean="0"/>
-              <a:t>23/02/2022</a:t>
+              <a:t>24/02/2022</a:t>
             </a:fld>
             <a:endParaRPr lang="pt-PT"/>
           </a:p>
@@ -524,40 +524,148 @@
           <a:bodyPr/>
           <a:lstStyle/>
           <a:p>
-            <a:pPr marL="171450" indent="-171450">
-              <a:buFont typeface="Arial" panose="020B0604020202020204" pitchFamily="34" charset="0"/>
-              <a:buChar char="•"/>
-            </a:pPr>
             <a:r>
               <a:rPr lang="pt-PT" dirty="0"/>
-              <a:t>Falar sobre o âmbito do projeto</a:t>
+              <a:t>A ideia surgiu do ano passado onde um colega nosso tinha um conhecido que trabalhava num café/restaurante, e desde então temos estado a trabalhar com o café e com o </a:t>
+            </a:r>
+            <a:r>
+              <a:rPr lang="pt-PT" dirty="0" err="1"/>
+              <a:t>ipleiria</a:t>
+            </a:r>
+            <a:r>
+              <a:rPr lang="pt-PT" dirty="0"/>
+              <a:t> de forma a providenciar um projeto que responda a ambos as partes.</a:t>
+            </a:r>
+          </a:p>
+        </p:txBody>
+      </p:sp>
+      <p:sp>
+        <p:nvSpPr>
+          <p:cNvPr id="4" name="Marcador de Posição do Número do Diapositivo 3"/>
+          <p:cNvSpPr>
+            <a:spLocks noGrp="1"/>
+          </p:cNvSpPr>
+          <p:nvPr>
+            <p:ph type="sldNum" sz="quarter" idx="5"/>
+          </p:nvPr>
+        </p:nvSpPr>
+        <p:spPr/>
+        <p:txBody>
+          <a:bodyPr/>
+          <a:lstStyle/>
+          <a:p>
+            <a:fld id="{B75E9354-2B91-4014-B829-0008AE7711A5}" type="slidenum">
+              <a:rPr lang="pt-PT" smtClean="0"/>
+              <a:t>2</a:t>
+            </a:fld>
+            <a:endParaRPr lang="pt-PT"/>
+          </a:p>
+        </p:txBody>
+      </p:sp>
+    </p:spTree>
+    <p:extLst>
+      <p:ext uri="{BB962C8B-B14F-4D97-AF65-F5344CB8AC3E}">
+        <p14:creationId xmlns:p14="http://schemas.microsoft.com/office/powerpoint/2010/main" val="1459641930"/>
+      </p:ext>
+    </p:extLst>
+  </p:cSld>
+  <p:clrMapOvr>
+    <a:masterClrMapping/>
+  </p:clrMapOvr>
+</p:notes>
+</file>
+
+<file path=ppt/notesSlides/notesSlide10.xml><?xml version="1.0" encoding="utf-8"?>
+<p:notes xmlns:a="http://schemas.openxmlformats.org/drawingml/2006/main" xmlns:r="http://schemas.openxmlformats.org/officeDocument/2006/relationships" xmlns:p="http://schemas.openxmlformats.org/presentationml/2006/main">
+  <p:cSld>
+    <p:spTree>
+      <p:nvGrpSpPr>
+        <p:cNvPr id="1" name=""/>
+        <p:cNvGrpSpPr/>
+        <p:nvPr/>
+      </p:nvGrpSpPr>
+      <p:grpSpPr>
+        <a:xfrm>
+          <a:off x="0" y="0"/>
+          <a:ext cx="0" cy="0"/>
+          <a:chOff x="0" y="0"/>
+          <a:chExt cx="0" cy="0"/>
+        </a:xfrm>
+      </p:grpSpPr>
+      <p:sp>
+        <p:nvSpPr>
+          <p:cNvPr id="2" name="Marcador de Posição da Imagem do Diapositivo 1"/>
+          <p:cNvSpPr>
+            <a:spLocks noGrp="1" noRot="1" noChangeAspect="1"/>
+          </p:cNvSpPr>
+          <p:nvPr>
+            <p:ph type="sldImg"/>
+          </p:nvPr>
+        </p:nvSpPr>
+        <p:spPr/>
+      </p:sp>
+      <p:sp>
+        <p:nvSpPr>
+          <p:cNvPr id="3" name="Marcador de Posição de Notas 2"/>
+          <p:cNvSpPr>
+            <a:spLocks noGrp="1"/>
+          </p:cNvSpPr>
+          <p:nvPr>
+            <p:ph type="body" idx="1"/>
+          </p:nvPr>
+        </p:nvSpPr>
+        <p:spPr/>
+        <p:txBody>
+          <a:bodyPr/>
+          <a:lstStyle/>
+          <a:p>
+            <a:r>
+              <a:rPr lang="pt-PT" dirty="0" err="1"/>
+              <a:t>Php</a:t>
+            </a:r>
+            <a:r>
+              <a:rPr lang="pt-PT" dirty="0"/>
+              <a:t> </a:t>
+            </a:r>
+            <a:r>
+              <a:rPr lang="pt-PT" dirty="0" err="1"/>
+              <a:t>Storm</a:t>
+            </a:r>
+            <a:endParaRPr lang="pt-PT" dirty="0"/>
+          </a:p>
+          <a:p>
+            <a:r>
+              <a:rPr lang="pt-PT" dirty="0"/>
+              <a:t>Android </a:t>
+            </a:r>
+            <a:r>
+              <a:rPr lang="pt-PT" dirty="0" err="1"/>
+              <a:t>Studio</a:t>
+            </a:r>
+            <a:endParaRPr lang="pt-PT" dirty="0"/>
+          </a:p>
+          <a:p>
+            <a:r>
+              <a:rPr lang="pt-PT" dirty="0" err="1"/>
+              <a:t>Netbeans</a:t>
+            </a:r>
+            <a:endParaRPr lang="pt-PT" dirty="0"/>
+          </a:p>
+          <a:p>
+            <a:r>
+              <a:rPr lang="pt-PT" dirty="0" err="1"/>
+              <a:t>Github</a:t>
+            </a:r>
+            <a:r>
+              <a:rPr lang="pt-PT" dirty="0"/>
+              <a:t> </a:t>
             </a:r>
           </a:p>
           <a:p>
-            <a:pPr marL="171450" indent="-171450">
-              <a:buFont typeface="Arial" panose="020B0604020202020204" pitchFamily="34" charset="0"/>
-              <a:buChar char="•"/>
-            </a:pPr>
             <a:r>
-              <a:rPr lang="pt-PT" dirty="0"/>
-              <a:t>a razão pela qual escolhemos este tema</a:t>
+              <a:rPr lang="pt-PT" dirty="0" err="1"/>
+              <a:t>trello</a:t>
             </a:r>
-          </a:p>
-          <a:p>
-            <a:pPr marL="171450" indent="-171450">
-              <a:buFont typeface="Arial" panose="020B0604020202020204" pitchFamily="34" charset="0"/>
-              <a:buChar char="•"/>
-            </a:pPr>
-            <a:r>
-              <a:rPr lang="pt-PT" dirty="0"/>
-              <a:t>Referir que temos um café com o qual temos trabalhado.</a:t>
-            </a:r>
-          </a:p>
-          <a:p>
-            <a:pPr marL="171450" indent="-171450">
-              <a:buFont typeface="Arial" panose="020B0604020202020204" pitchFamily="34" charset="0"/>
-              <a:buChar char="•"/>
-            </a:pPr>
             <a:endParaRPr lang="pt-PT" dirty="0"/>
           </a:p>
         </p:txBody>
@@ -579,7 +687,7 @@
           <a:p>
             <a:fld id="{B75E9354-2B91-4014-B829-0008AE7711A5}" type="slidenum">
               <a:rPr lang="pt-PT" smtClean="0"/>
-              <a:t>4</a:t>
+              <a:t>12</a:t>
             </a:fld>
             <a:endParaRPr lang="pt-PT"/>
           </a:p>
@@ -588,7 +696,7 @@
     </p:spTree>
     <p:extLst>
       <p:ext uri="{BB962C8B-B14F-4D97-AF65-F5344CB8AC3E}">
-        <p14:creationId xmlns:p14="http://schemas.microsoft.com/office/powerpoint/2010/main" val="77468359"/>
+        <p14:creationId xmlns:p14="http://schemas.microsoft.com/office/powerpoint/2010/main" val="1864462275"/>
       </p:ext>
     </p:extLst>
   </p:cSld>
@@ -598,7 +706,7 @@
 </p:notes>
 </file>
 
-<file path=ppt/notesSlides/notesSlide10.xml><?xml version="1.0" encoding="utf-8"?>
+<file path=ppt/notesSlides/notesSlide11.xml><?xml version="1.0" encoding="utf-8"?>
 <p:notes xmlns:a="http://schemas.openxmlformats.org/drawingml/2006/main" xmlns:r="http://schemas.openxmlformats.org/officeDocument/2006/relationships" xmlns:p="http://schemas.openxmlformats.org/presentationml/2006/main">
   <p:cSld>
     <p:spTree>
@@ -717,7 +825,7 @@
 </p:notes>
 </file>
 
-<file path=ppt/notesSlides/notesSlide11.xml><?xml version="1.0" encoding="utf-8"?>
+<file path=ppt/notesSlides/notesSlide12.xml><?xml version="1.0" encoding="utf-8"?>
 <p:notes xmlns:a="http://schemas.openxmlformats.org/drawingml/2006/main" xmlns:r="http://schemas.openxmlformats.org/officeDocument/2006/relationships" xmlns:p="http://schemas.openxmlformats.org/presentationml/2006/main">
   <p:cSld>
     <p:spTree>
@@ -818,7 +926,91 @@
 </p:notes>
 </file>
 
-<file path=ppt/notesSlides/notesSlide12.xml><?xml version="1.0" encoding="utf-8"?>
+<file path=ppt/notesSlides/notesSlide13.xml><?xml version="1.0" encoding="utf-8"?>
+<p:notes xmlns:a="http://schemas.openxmlformats.org/drawingml/2006/main" xmlns:r="http://schemas.openxmlformats.org/officeDocument/2006/relationships" xmlns:p="http://schemas.openxmlformats.org/presentationml/2006/main">
+  <p:cSld>
+    <p:spTree>
+      <p:nvGrpSpPr>
+        <p:cNvPr id="1" name=""/>
+        <p:cNvGrpSpPr/>
+        <p:nvPr/>
+      </p:nvGrpSpPr>
+      <p:grpSpPr>
+        <a:xfrm>
+          <a:off x="0" y="0"/>
+          <a:ext cx="0" cy="0"/>
+          <a:chOff x="0" y="0"/>
+          <a:chExt cx="0" cy="0"/>
+        </a:xfrm>
+      </p:grpSpPr>
+      <p:sp>
+        <p:nvSpPr>
+          <p:cNvPr id="2" name="Marcador de Posição da Imagem do Diapositivo 1"/>
+          <p:cNvSpPr>
+            <a:spLocks noGrp="1" noRot="1" noChangeAspect="1"/>
+          </p:cNvSpPr>
+          <p:nvPr>
+            <p:ph type="sldImg"/>
+          </p:nvPr>
+        </p:nvSpPr>
+        <p:spPr/>
+      </p:sp>
+      <p:sp>
+        <p:nvSpPr>
+          <p:cNvPr id="3" name="Marcador de Posição de Notas 2"/>
+          <p:cNvSpPr>
+            <a:spLocks noGrp="1"/>
+          </p:cNvSpPr>
+          <p:nvPr>
+            <p:ph type="body" idx="1"/>
+          </p:nvPr>
+        </p:nvSpPr>
+        <p:spPr/>
+        <p:txBody>
+          <a:bodyPr/>
+          <a:lstStyle/>
+          <a:p>
+            <a:endParaRPr lang="pt-PT" dirty="0"/>
+          </a:p>
+        </p:txBody>
+      </p:sp>
+      <p:sp>
+        <p:nvSpPr>
+          <p:cNvPr id="4" name="Marcador de Posição do Número do Diapositivo 3"/>
+          <p:cNvSpPr>
+            <a:spLocks noGrp="1"/>
+          </p:cNvSpPr>
+          <p:nvPr>
+            <p:ph type="sldNum" sz="quarter" idx="5"/>
+          </p:nvPr>
+        </p:nvSpPr>
+        <p:spPr/>
+        <p:txBody>
+          <a:bodyPr/>
+          <a:lstStyle/>
+          <a:p>
+            <a:fld id="{B75E9354-2B91-4014-B829-0008AE7711A5}" type="slidenum">
+              <a:rPr lang="pt-PT" smtClean="0"/>
+              <a:t>16</a:t>
+            </a:fld>
+            <a:endParaRPr lang="pt-PT"/>
+          </a:p>
+        </p:txBody>
+      </p:sp>
+    </p:spTree>
+    <p:extLst>
+      <p:ext uri="{BB962C8B-B14F-4D97-AF65-F5344CB8AC3E}">
+        <p14:creationId xmlns:p14="http://schemas.microsoft.com/office/powerpoint/2010/main" val="3503394784"/>
+      </p:ext>
+    </p:extLst>
+  </p:cSld>
+  <p:clrMapOvr>
+    <a:masterClrMapping/>
+  </p:clrMapOvr>
+</p:notes>
+</file>
+
+<file path=ppt/notesSlides/notesSlide14.xml><?xml version="1.0" encoding="utf-8"?>
 <p:notes xmlns:a="http://schemas.openxmlformats.org/drawingml/2006/main" xmlns:r="http://schemas.openxmlformats.org/officeDocument/2006/relationships" xmlns:p="http://schemas.openxmlformats.org/presentationml/2006/main">
   <p:cSld>
     <p:spTree>
@@ -912,6 +1104,124 @@
 </file>
 
 <file path=ppt/notesSlides/notesSlide2.xml><?xml version="1.0" encoding="utf-8"?>
+<p:notes xmlns:a="http://schemas.openxmlformats.org/drawingml/2006/main" xmlns:r="http://schemas.openxmlformats.org/officeDocument/2006/relationships" xmlns:p="http://schemas.openxmlformats.org/presentationml/2006/main">
+  <p:cSld>
+    <p:spTree>
+      <p:nvGrpSpPr>
+        <p:cNvPr id="1" name=""/>
+        <p:cNvGrpSpPr/>
+        <p:nvPr/>
+      </p:nvGrpSpPr>
+      <p:grpSpPr>
+        <a:xfrm>
+          <a:off x="0" y="0"/>
+          <a:ext cx="0" cy="0"/>
+          <a:chOff x="0" y="0"/>
+          <a:chExt cx="0" cy="0"/>
+        </a:xfrm>
+      </p:grpSpPr>
+      <p:sp>
+        <p:nvSpPr>
+          <p:cNvPr id="2" name="Marcador de Posição da Imagem do Diapositivo 1"/>
+          <p:cNvSpPr>
+            <a:spLocks noGrp="1" noRot="1" noChangeAspect="1"/>
+          </p:cNvSpPr>
+          <p:nvPr>
+            <p:ph type="sldImg"/>
+          </p:nvPr>
+        </p:nvSpPr>
+        <p:spPr/>
+      </p:sp>
+      <p:sp>
+        <p:nvSpPr>
+          <p:cNvPr id="3" name="Marcador de Posição de Notas 2"/>
+          <p:cNvSpPr>
+            <a:spLocks noGrp="1"/>
+          </p:cNvSpPr>
+          <p:nvPr>
+            <p:ph type="body" idx="1"/>
+          </p:nvPr>
+        </p:nvSpPr>
+        <p:spPr/>
+        <p:txBody>
+          <a:bodyPr/>
+          <a:lstStyle/>
+          <a:p>
+            <a:pPr marL="171450" indent="-171450">
+              <a:buFont typeface="Arial" panose="020B0604020202020204" pitchFamily="34" charset="0"/>
+              <a:buChar char="•"/>
+            </a:pPr>
+            <a:r>
+              <a:rPr lang="pt-PT" dirty="0"/>
+              <a:t>Falar sobre o âmbito do projeto</a:t>
+            </a:r>
+          </a:p>
+          <a:p>
+            <a:pPr marL="171450" indent="-171450">
+              <a:buFont typeface="Arial" panose="020B0604020202020204" pitchFamily="34" charset="0"/>
+              <a:buChar char="•"/>
+            </a:pPr>
+            <a:r>
+              <a:rPr lang="pt-PT" dirty="0"/>
+              <a:t>a razão pela qual escolhemos este tema</a:t>
+            </a:r>
+          </a:p>
+          <a:p>
+            <a:pPr marL="171450" indent="-171450">
+              <a:buFont typeface="Arial" panose="020B0604020202020204" pitchFamily="34" charset="0"/>
+              <a:buChar char="•"/>
+            </a:pPr>
+            <a:r>
+              <a:rPr lang="pt-PT" dirty="0"/>
+              <a:t>Referir que temos um café com o qual temos trabalhado.</a:t>
+            </a:r>
+          </a:p>
+          <a:p>
+            <a:pPr marL="171450" indent="-171450">
+              <a:buFont typeface="Arial" panose="020B0604020202020204" pitchFamily="34" charset="0"/>
+              <a:buChar char="•"/>
+            </a:pPr>
+            <a:endParaRPr lang="pt-PT" dirty="0"/>
+          </a:p>
+        </p:txBody>
+      </p:sp>
+      <p:sp>
+        <p:nvSpPr>
+          <p:cNvPr id="4" name="Marcador de Posição do Número do Diapositivo 3"/>
+          <p:cNvSpPr>
+            <a:spLocks noGrp="1"/>
+          </p:cNvSpPr>
+          <p:nvPr>
+            <p:ph type="sldNum" sz="quarter" idx="5"/>
+          </p:nvPr>
+        </p:nvSpPr>
+        <p:spPr/>
+        <p:txBody>
+          <a:bodyPr/>
+          <a:lstStyle/>
+          <a:p>
+            <a:fld id="{B75E9354-2B91-4014-B829-0008AE7711A5}" type="slidenum">
+              <a:rPr lang="pt-PT" smtClean="0"/>
+              <a:t>4</a:t>
+            </a:fld>
+            <a:endParaRPr lang="pt-PT"/>
+          </a:p>
+        </p:txBody>
+      </p:sp>
+    </p:spTree>
+    <p:extLst>
+      <p:ext uri="{BB962C8B-B14F-4D97-AF65-F5344CB8AC3E}">
+        <p14:creationId xmlns:p14="http://schemas.microsoft.com/office/powerpoint/2010/main" val="77468359"/>
+      </p:ext>
+    </p:extLst>
+  </p:cSld>
+  <p:clrMapOvr>
+    <a:masterClrMapping/>
+  </p:clrMapOvr>
+</p:notes>
+</file>
+
+<file path=ppt/notesSlides/notesSlide3.xml><?xml version="1.0" encoding="utf-8"?>
 <p:notes xmlns:a="http://schemas.openxmlformats.org/drawingml/2006/main" xmlns:r="http://schemas.openxmlformats.org/officeDocument/2006/relationships" xmlns:p="http://schemas.openxmlformats.org/presentationml/2006/main">
   <p:cSld>
     <p:spTree>
@@ -1198,7 +1508,7 @@
 </p:notes>
 </file>
 
-<file path=ppt/notesSlides/notesSlide3.xml><?xml version="1.0" encoding="utf-8"?>
+<file path=ppt/notesSlides/notesSlide4.xml><?xml version="1.0" encoding="utf-8"?>
 <p:notes xmlns:a="http://schemas.openxmlformats.org/drawingml/2006/main" xmlns:r="http://schemas.openxmlformats.org/officeDocument/2006/relationships" xmlns:p="http://schemas.openxmlformats.org/presentationml/2006/main">
   <p:cSld>
     <p:spTree>
@@ -1285,7 +1595,7 @@
 </p:notes>
 </file>
 
-<file path=ppt/notesSlides/notesSlide4.xml><?xml version="1.0" encoding="utf-8"?>
+<file path=ppt/notesSlides/notesSlide5.xml><?xml version="1.0" encoding="utf-8"?>
 <p:notes xmlns:a="http://schemas.openxmlformats.org/drawingml/2006/main" xmlns:r="http://schemas.openxmlformats.org/officeDocument/2006/relationships" xmlns:p="http://schemas.openxmlformats.org/presentationml/2006/main">
   <p:cSld>
     <p:spTree>
@@ -1406,7 +1716,7 @@
 </p:notes>
 </file>
 
-<file path=ppt/notesSlides/notesSlide5.xml><?xml version="1.0" encoding="utf-8"?>
+<file path=ppt/notesSlides/notesSlide6.xml><?xml version="1.0" encoding="utf-8"?>
 <p:notes xmlns:a="http://schemas.openxmlformats.org/drawingml/2006/main" xmlns:r="http://schemas.openxmlformats.org/officeDocument/2006/relationships" xmlns:p="http://schemas.openxmlformats.org/presentationml/2006/main">
   <p:cSld>
     <p:spTree>
@@ -1499,7 +1809,7 @@
 </p:notes>
 </file>
 
-<file path=ppt/notesSlides/notesSlide6.xml><?xml version="1.0" encoding="utf-8"?>
+<file path=ppt/notesSlides/notesSlide7.xml><?xml version="1.0" encoding="utf-8"?>
 <p:notes xmlns:a="http://schemas.openxmlformats.org/drawingml/2006/main" xmlns:r="http://schemas.openxmlformats.org/officeDocument/2006/relationships" xmlns:p="http://schemas.openxmlformats.org/presentationml/2006/main">
   <p:cSld>
     <p:spTree>
@@ -1611,7 +1921,7 @@
 </p:notes>
 </file>
 
-<file path=ppt/notesSlides/notesSlide7.xml><?xml version="1.0" encoding="utf-8"?>
+<file path=ppt/notesSlides/notesSlide8.xml><?xml version="1.0" encoding="utf-8"?>
 <p:notes xmlns:a="http://schemas.openxmlformats.org/drawingml/2006/main" xmlns:r="http://schemas.openxmlformats.org/officeDocument/2006/relationships" xmlns:p="http://schemas.openxmlformats.org/presentationml/2006/main">
   <p:cSld>
     <p:spTree>
@@ -1698,7 +2008,7 @@
 </p:notes>
 </file>
 
-<file path=ppt/notesSlides/notesSlide8.xml><?xml version="1.0" encoding="utf-8"?>
+<file path=ppt/notesSlides/notesSlide9.xml><?xml version="1.0" encoding="utf-8"?>
 <p:notes xmlns:a="http://schemas.openxmlformats.org/drawingml/2006/main" xmlns:r="http://schemas.openxmlformats.org/officeDocument/2006/relationships" xmlns:p="http://schemas.openxmlformats.org/presentationml/2006/main">
   <p:cSld>
     <p:spTree>
@@ -1776,137 +2086,6 @@
     <p:extLst>
       <p:ext uri="{BB962C8B-B14F-4D97-AF65-F5344CB8AC3E}">
         <p14:creationId xmlns:p14="http://schemas.microsoft.com/office/powerpoint/2010/main" val="1127652146"/>
-      </p:ext>
-    </p:extLst>
-  </p:cSld>
-  <p:clrMapOvr>
-    <a:masterClrMapping/>
-  </p:clrMapOvr>
-</p:notes>
-</file>
-
-<file path=ppt/notesSlides/notesSlide9.xml><?xml version="1.0" encoding="utf-8"?>
-<p:notes xmlns:a="http://schemas.openxmlformats.org/drawingml/2006/main" xmlns:r="http://schemas.openxmlformats.org/officeDocument/2006/relationships" xmlns:p="http://schemas.openxmlformats.org/presentationml/2006/main">
-  <p:cSld>
-    <p:spTree>
-      <p:nvGrpSpPr>
-        <p:cNvPr id="1" name=""/>
-        <p:cNvGrpSpPr/>
-        <p:nvPr/>
-      </p:nvGrpSpPr>
-      <p:grpSpPr>
-        <a:xfrm>
-          <a:off x="0" y="0"/>
-          <a:ext cx="0" cy="0"/>
-          <a:chOff x="0" y="0"/>
-          <a:chExt cx="0" cy="0"/>
-        </a:xfrm>
-      </p:grpSpPr>
-      <p:sp>
-        <p:nvSpPr>
-          <p:cNvPr id="2" name="Marcador de Posição da Imagem do Diapositivo 1"/>
-          <p:cNvSpPr>
-            <a:spLocks noGrp="1" noRot="1" noChangeAspect="1"/>
-          </p:cNvSpPr>
-          <p:nvPr>
-            <p:ph type="sldImg"/>
-          </p:nvPr>
-        </p:nvSpPr>
-        <p:spPr/>
-      </p:sp>
-      <p:sp>
-        <p:nvSpPr>
-          <p:cNvPr id="3" name="Marcador de Posição de Notas 2"/>
-          <p:cNvSpPr>
-            <a:spLocks noGrp="1"/>
-          </p:cNvSpPr>
-          <p:nvPr>
-            <p:ph type="body" idx="1"/>
-          </p:nvPr>
-        </p:nvSpPr>
-        <p:spPr/>
-        <p:txBody>
-          <a:bodyPr/>
-          <a:lstStyle/>
-          <a:p>
-            <a:r>
-              <a:rPr lang="pt-PT" dirty="0" err="1"/>
-              <a:t>Php</a:t>
-            </a:r>
-            <a:r>
-              <a:rPr lang="pt-PT" dirty="0"/>
-              <a:t> </a:t>
-            </a:r>
-            <a:r>
-              <a:rPr lang="pt-PT" dirty="0" err="1"/>
-              <a:t>Storm</a:t>
-            </a:r>
-            <a:endParaRPr lang="pt-PT" dirty="0"/>
-          </a:p>
-          <a:p>
-            <a:r>
-              <a:rPr lang="pt-PT" dirty="0"/>
-              <a:t>Android </a:t>
-            </a:r>
-            <a:r>
-              <a:rPr lang="pt-PT" dirty="0" err="1"/>
-              <a:t>Studio</a:t>
-            </a:r>
-            <a:endParaRPr lang="pt-PT" dirty="0"/>
-          </a:p>
-          <a:p>
-            <a:r>
-              <a:rPr lang="pt-PT" dirty="0" err="1"/>
-              <a:t>Netbeans</a:t>
-            </a:r>
-            <a:endParaRPr lang="pt-PT" dirty="0"/>
-          </a:p>
-          <a:p>
-            <a:r>
-              <a:rPr lang="pt-PT" dirty="0" err="1"/>
-              <a:t>Github</a:t>
-            </a:r>
-            <a:r>
-              <a:rPr lang="pt-PT" dirty="0"/>
-              <a:t> </a:t>
-            </a:r>
-          </a:p>
-          <a:p>
-            <a:r>
-              <a:rPr lang="pt-PT" dirty="0" err="1"/>
-              <a:t>trello</a:t>
-            </a:r>
-            <a:endParaRPr lang="pt-PT" dirty="0"/>
-          </a:p>
-        </p:txBody>
-      </p:sp>
-      <p:sp>
-        <p:nvSpPr>
-          <p:cNvPr id="4" name="Marcador de Posição do Número do Diapositivo 3"/>
-          <p:cNvSpPr>
-            <a:spLocks noGrp="1"/>
-          </p:cNvSpPr>
-          <p:nvPr>
-            <p:ph type="sldNum" sz="quarter" idx="5"/>
-          </p:nvPr>
-        </p:nvSpPr>
-        <p:spPr/>
-        <p:txBody>
-          <a:bodyPr/>
-          <a:lstStyle/>
-          <a:p>
-            <a:fld id="{B75E9354-2B91-4014-B829-0008AE7711A5}" type="slidenum">
-              <a:rPr lang="pt-PT" smtClean="0"/>
-              <a:t>12</a:t>
-            </a:fld>
-            <a:endParaRPr lang="pt-PT"/>
-          </a:p>
-        </p:txBody>
-      </p:sp>
-    </p:spTree>
-    <p:extLst>
-      <p:ext uri="{BB962C8B-B14F-4D97-AF65-F5344CB8AC3E}">
-        <p14:creationId xmlns:p14="http://schemas.microsoft.com/office/powerpoint/2010/main" val="1864462275"/>
       </p:ext>
     </p:extLst>
   </p:cSld>
@@ -2063,7 +2242,7 @@
           <a:p>
             <a:fld id="{05307479-741F-46C9-AA1F-ADEABD52138C}" type="datetime1">
               <a:rPr lang="pt-PT" smtClean="0"/>
-              <a:t>23/02/2022</a:t>
+              <a:t>24/02/2022</a:t>
             </a:fld>
             <a:endParaRPr lang="pt-PT"/>
           </a:p>
@@ -2261,7 +2440,7 @@
           <a:p>
             <a:fld id="{943CABCC-5718-4A34-87BF-4AE9B2AAC825}" type="datetime1">
               <a:rPr lang="pt-PT" smtClean="0"/>
-              <a:t>23/02/2022</a:t>
+              <a:t>24/02/2022</a:t>
             </a:fld>
             <a:endParaRPr lang="pt-PT"/>
           </a:p>
@@ -2469,7 +2648,7 @@
           <a:p>
             <a:fld id="{C504EB24-9AA5-4EBD-8C50-1155405E2FAE}" type="datetime1">
               <a:rPr lang="pt-PT" smtClean="0"/>
-              <a:t>23/02/2022</a:t>
+              <a:t>24/02/2022</a:t>
             </a:fld>
             <a:endParaRPr lang="pt-PT"/>
           </a:p>
@@ -2667,7 +2846,7 @@
           <a:p>
             <a:fld id="{6E5ADBF4-9F27-45CF-9B74-6FD3369ABE6A}" type="datetime1">
               <a:rPr lang="pt-PT" smtClean="0"/>
-              <a:t>23/02/2022</a:t>
+              <a:t>24/02/2022</a:t>
             </a:fld>
             <a:endParaRPr lang="pt-PT"/>
           </a:p>
@@ -2942,7 +3121,7 @@
           <a:p>
             <a:fld id="{A64028EA-98ED-4938-A4A2-6D3579BD0C34}" type="datetime1">
               <a:rPr lang="pt-PT" smtClean="0"/>
-              <a:t>23/02/2022</a:t>
+              <a:t>24/02/2022</a:t>
             </a:fld>
             <a:endParaRPr lang="pt-PT"/>
           </a:p>
@@ -3207,7 +3386,7 @@
           <a:p>
             <a:fld id="{8074561A-FA82-4D84-ACC7-105B3B6F90B5}" type="datetime1">
               <a:rPr lang="pt-PT" smtClean="0"/>
-              <a:t>23/02/2022</a:t>
+              <a:t>24/02/2022</a:t>
             </a:fld>
             <a:endParaRPr lang="pt-PT"/>
           </a:p>
@@ -3619,7 +3798,7 @@
           <a:p>
             <a:fld id="{AA0B1A50-C9F9-4FC8-B6AD-EFA0456F3BCA}" type="datetime1">
               <a:rPr lang="pt-PT" smtClean="0"/>
-              <a:t>23/02/2022</a:t>
+              <a:t>24/02/2022</a:t>
             </a:fld>
             <a:endParaRPr lang="pt-PT"/>
           </a:p>
@@ -3760,7 +3939,7 @@
           <a:p>
             <a:fld id="{3E82B714-C593-471C-8B15-DE7C752031CE}" type="datetime1">
               <a:rPr lang="pt-PT" smtClean="0"/>
-              <a:t>23/02/2022</a:t>
+              <a:t>24/02/2022</a:t>
             </a:fld>
             <a:endParaRPr lang="pt-PT"/>
           </a:p>
@@ -3873,7 +4052,7 @@
           <a:p>
             <a:fld id="{FF458F88-3E3A-4176-BE57-D724FF237973}" type="datetime1">
               <a:rPr lang="pt-PT" smtClean="0"/>
-              <a:t>23/02/2022</a:t>
+              <a:t>24/02/2022</a:t>
             </a:fld>
             <a:endParaRPr lang="pt-PT"/>
           </a:p>
@@ -4184,7 +4363,7 @@
           <a:p>
             <a:fld id="{1DF82F4D-080D-4131-8344-4272FD0F5547}" type="datetime1">
               <a:rPr lang="pt-PT" smtClean="0"/>
-              <a:t>23/02/2022</a:t>
+              <a:t>24/02/2022</a:t>
             </a:fld>
             <a:endParaRPr lang="pt-PT"/>
           </a:p>
@@ -4472,7 +4651,7 @@
           <a:p>
             <a:fld id="{D70B890E-449C-4D84-89E0-3D4A87516A3D}" type="datetime1">
               <a:rPr lang="pt-PT" smtClean="0"/>
-              <a:t>23/02/2022</a:t>
+              <a:t>24/02/2022</a:t>
             </a:fld>
             <a:endParaRPr lang="pt-PT"/>
           </a:p>
@@ -4713,7 +4892,7 @@
           <a:p>
             <a:fld id="{E0CAB64D-F707-4AC9-8F38-3BDFB3101443}" type="datetime1">
               <a:rPr lang="pt-PT" smtClean="0"/>
-              <a:t>23/02/2022</a:t>
+              <a:t>24/02/2022</a:t>
             </a:fld>
             <a:endParaRPr lang="pt-PT"/>
           </a:p>
@@ -6231,6 +6410,18 @@
   <p:clrMapOvr>
     <a:overrideClrMapping bg1="dk1" tx1="lt1" bg2="dk2" tx2="lt2" accent1="accent1" accent2="accent2" accent3="accent3" accent4="accent4" accent5="accent5" accent6="accent6" hlink="hlink" folHlink="folHlink"/>
   </p:clrMapOvr>
+  <mc:AlternateContent xmlns:mc="http://schemas.openxmlformats.org/markup-compatibility/2006">
+    <mc:Choice xmlns:p159="http://schemas.microsoft.com/office/powerpoint/2015/09/main" Requires="p159">
+      <p:transition xmlns:p14="http://schemas.microsoft.com/office/powerpoint/2010/main" spd="slow" p14:dur="2000">
+        <p159:morph option="byObject"/>
+      </p:transition>
+    </mc:Choice>
+    <mc:Fallback>
+      <p:transition spd="slow">
+        <p:fade/>
+      </p:transition>
+    </mc:Fallback>
+  </mc:AlternateContent>
 </p:sld>
 </file>
 
@@ -6616,6 +6807,18 @@
   <p:clrMapOvr>
     <a:overrideClrMapping bg1="dk1" tx1="lt1" bg2="dk2" tx2="lt2" accent1="accent1" accent2="accent2" accent3="accent3" accent4="accent4" accent5="accent5" accent6="accent6" hlink="hlink" folHlink="folHlink"/>
   </p:clrMapOvr>
+  <mc:AlternateContent xmlns:mc="http://schemas.openxmlformats.org/markup-compatibility/2006">
+    <mc:Choice xmlns:p15="http://schemas.microsoft.com/office/powerpoint/2012/main" Requires="p15">
+      <p:transition xmlns:p14="http://schemas.microsoft.com/office/powerpoint/2010/main" spd="slow" p14:dur="1250">
+        <p15:prstTrans prst="peelOff"/>
+      </p:transition>
+    </mc:Choice>
+    <mc:Fallback>
+      <p:transition spd="slow">
+        <p:fade/>
+      </p:transition>
+    </mc:Fallback>
+  </mc:AlternateContent>
 </p:sld>
 </file>
 
@@ -6936,6 +7139,18 @@
   <p:clrMapOvr>
     <a:masterClrMapping/>
   </p:clrMapOvr>
+  <mc:AlternateContent xmlns:mc="http://schemas.openxmlformats.org/markup-compatibility/2006">
+    <mc:Choice xmlns:p15="http://schemas.microsoft.com/office/powerpoint/2012/main" Requires="p15">
+      <p:transition xmlns:p14="http://schemas.microsoft.com/office/powerpoint/2010/main" spd="slow" p14:dur="1250">
+        <p15:prstTrans prst="pageCurlDouble"/>
+      </p:transition>
+    </mc:Choice>
+    <mc:Fallback>
+      <p:transition spd="slow">
+        <p:fade/>
+      </p:transition>
+    </mc:Fallback>
+  </mc:AlternateContent>
 </p:sld>
 </file>
 
@@ -11023,6 +11238,9 @@
   <p:clrMapOvr>
     <a:masterClrMapping/>
   </p:clrMapOvr>
+  <p:transition spd="slow">
+    <p:cover/>
+  </p:transition>
 </p:sld>
 </file>
 
@@ -11329,6 +11547,9 @@
   <p:clrMapOvr>
     <a:overrideClrMapping bg1="dk1" tx1="lt1" bg2="dk2" tx2="lt2" accent1="accent1" accent2="accent2" accent3="accent3" accent4="accent4" accent5="accent5" accent6="accent6" hlink="hlink" folHlink="folHlink"/>
   </p:clrMapOvr>
+  <p:transition spd="slow">
+    <p:comb/>
+  </p:transition>
 </p:sld>
 </file>
 
@@ -18194,6 +18415,18 @@
   <p:clrMapOvr>
     <a:masterClrMapping/>
   </p:clrMapOvr>
+  <mc:AlternateContent xmlns:mc="http://schemas.openxmlformats.org/markup-compatibility/2006">
+    <mc:Choice xmlns:p14="http://schemas.microsoft.com/office/powerpoint/2010/main" Requires="p14">
+      <p:transition spd="slow" p14:dur="1200">
+        <p:dissolve/>
+      </p:transition>
+    </mc:Choice>
+    <mc:Fallback>
+      <p:transition spd="slow">
+        <p:dissolve/>
+      </p:transition>
+    </mc:Fallback>
+  </mc:AlternateContent>
 </p:sld>
 </file>
 
@@ -18380,7 +18613,7 @@
           <p:nvPr/>
         </p:nvPicPr>
         <p:blipFill rotWithShape="1">
-          <a:blip r:embed="rId2">
+          <a:blip r:embed="rId3">
             <a:extLst>
               <a:ext uri="{28A0092B-C50C-407E-A947-70E740481C1C}">
                 <a14:useLocalDpi xmlns:a14="http://schemas.microsoft.com/office/drawing/2010/main" val="0"/>
@@ -24981,7 +25214,7 @@
               </a:pathLst>
             </a:custGeom>
             <a:blipFill dpi="0" rotWithShape="1">
-              <a:blip r:embed="rId3">
+              <a:blip r:embed="rId4">
                 <a:alphaModFix amt="57000"/>
               </a:blip>
               <a:srcRect/>
@@ -25059,6 +25292,18 @@
   <p:clrMapOvr>
     <a:masterClrMapping/>
   </p:clrMapOvr>
+  <mc:AlternateContent xmlns:mc="http://schemas.openxmlformats.org/markup-compatibility/2006">
+    <mc:Choice xmlns:p15="http://schemas.microsoft.com/office/powerpoint/2012/main" Requires="p15">
+      <p:transition xmlns:p14="http://schemas.microsoft.com/office/powerpoint/2010/main" spd="slow" p14:dur="2000">
+        <p15:prstTrans prst="drape"/>
+      </p:transition>
+    </mc:Choice>
+    <mc:Fallback>
+      <p:transition spd="slow">
+        <p:fade/>
+      </p:transition>
+    </mc:Fallback>
+  </mc:AlternateContent>
 </p:sld>
 </file>
 
@@ -25492,6 +25737,18 @@
   <p:clrMapOvr>
     <a:overrideClrMapping bg1="dk1" tx1="lt1" bg2="dk2" tx2="lt2" accent1="accent1" accent2="accent2" accent3="accent3" accent4="accent4" accent5="accent5" accent6="accent6" hlink="hlink" folHlink="folHlink"/>
   </p:clrMapOvr>
+  <mc:AlternateContent xmlns:mc="http://schemas.openxmlformats.org/markup-compatibility/2006">
+    <mc:Choice xmlns:p15="http://schemas.microsoft.com/office/powerpoint/2012/main" Requires="p15">
+      <p:transition spd="slow">
+        <p15:prstTrans prst="prestige"/>
+      </p:transition>
+    </mc:Choice>
+    <mc:Fallback>
+      <p:transition spd="slow">
+        <p:fade/>
+      </p:transition>
+    </mc:Fallback>
+  </mc:AlternateContent>
 </p:sld>
 </file>
 
@@ -25501,7 +25758,7 @@
     <p:bg>
       <p:bgPr>
         <a:solidFill>
-          <a:schemeClr val="bg1"/>
+          <a:srgbClr val="000000"/>
         </a:solidFill>
         <a:effectLst/>
       </p:bgPr>
@@ -25520,12 +25777,12 @@
           <a:chExt cx="0" cy="0"/>
         </a:xfrm>
       </p:grpSpPr>
-      <p:sp useBgFill="1">
+      <p:sp>
         <p:nvSpPr>
-          <p:cNvPr id="13" name="Rectangle 12">
+          <p:cNvPr id="20" name="Rectangle 19">
             <a:extLst>
               <a:ext uri="{FF2B5EF4-FFF2-40B4-BE49-F238E27FC236}">
-                <a16:creationId xmlns:a16="http://schemas.microsoft.com/office/drawing/2014/main" id="{04812C46-200A-4DEB-A05E-3ED6C68C2387}"/>
+                <a16:creationId xmlns:a16="http://schemas.microsoft.com/office/drawing/2014/main" id="{71B2258F-86CA-4D4D-8270-BC05FCDEBFB3}"/>
               </a:ext>
               <a:ext uri="{C183D7F6-B498-43B3-948B-1728B52AA6E4}">
                 <adec:decorative xmlns:adec="http://schemas.microsoft.com/office/drawing/2017/decorative" val="1"/>
@@ -25545,12 +25802,15 @@
         </p:nvSpPr>
         <p:spPr>
           <a:xfrm>
-            <a:off x="-1" y="0"/>
-            <a:ext cx="12188952" cy="6858000"/>
+            <a:off x="0" y="0"/>
+            <a:ext cx="12192000" cy="6857999"/>
           </a:xfrm>
           <a:prstGeom prst="rect">
             <a:avLst/>
           </a:prstGeom>
+          <a:solidFill>
+            <a:srgbClr val="000000"/>
+          </a:solidFill>
           <a:ln>
             <a:noFill/>
           </a:ln>
@@ -25595,112 +25855,27 @@
           <p:nvPr/>
         </p:nvPicPr>
         <p:blipFill rotWithShape="1">
-          <a:blip r:embed="rId2">
+          <a:blip r:embed="rId3">
+            <a:alphaModFix amt="50000"/>
             <a:extLst>
               <a:ext uri="{28A0092B-C50C-407E-A947-70E740481C1C}">
                 <a14:useLocalDpi xmlns:a14="http://schemas.microsoft.com/office/drawing/2010/main" val="0"/>
               </a:ext>
             </a:extLst>
           </a:blip>
-          <a:srcRect r="6237"/>
+          <a:srcRect t="7707" b="7707"/>
           <a:stretch/>
         </p:blipFill>
         <p:spPr>
           <a:xfrm>
-            <a:off x="1" y="10"/>
-            <a:ext cx="9669642" cy="6857990"/>
+            <a:off x="20" y="1"/>
+            <a:ext cx="12191980" cy="6857999"/>
           </a:xfrm>
           <a:prstGeom prst="rect">
             <a:avLst/>
           </a:prstGeom>
         </p:spPr>
       </p:pic>
-      <p:sp>
-        <p:nvSpPr>
-          <p:cNvPr id="15" name="Rectangle 14">
-            <a:extLst>
-              <a:ext uri="{FF2B5EF4-FFF2-40B4-BE49-F238E27FC236}">
-                <a16:creationId xmlns:a16="http://schemas.microsoft.com/office/drawing/2014/main" id="{D1EA859B-E555-4109-94F3-6700E046E008}"/>
-              </a:ext>
-              <a:ext uri="{C183D7F6-B498-43B3-948B-1728B52AA6E4}">
-                <adec:decorative xmlns:adec="http://schemas.microsoft.com/office/drawing/2017/decorative" val="1"/>
-              </a:ext>
-            </a:extLst>
-          </p:cNvPr>
-          <p:cNvSpPr>
-            <a:spLocks noGrp="1" noRot="1" noChangeAspect="1" noMove="1" noResize="1" noEditPoints="1" noAdjustHandles="1" noChangeArrowheads="1" noChangeShapeType="1" noTextEdit="1"/>
-          </p:cNvSpPr>
-          <p:nvPr>
-            <p:extLst>
-              <p:ext uri="{386F3935-93C4-4BCD-93E2-E3B085C9AB24}">
-                <p16:designElem xmlns:p16="http://schemas.microsoft.com/office/powerpoint/2015/main" val="1"/>
-              </p:ext>
-            </p:extLst>
-          </p:nvPr>
-        </p:nvSpPr>
-        <p:spPr>
-          <a:xfrm flipH="1">
-            <a:off x="5125019" y="0"/>
-            <a:ext cx="7066978" cy="6858000"/>
-          </a:xfrm>
-          <a:prstGeom prst="rect">
-            <a:avLst/>
-          </a:prstGeom>
-          <a:gradFill>
-            <a:gsLst>
-              <a:gs pos="48000">
-                <a:schemeClr val="bg1"/>
-              </a:gs>
-              <a:gs pos="35000">
-                <a:schemeClr val="bg1">
-                  <a:alpha val="77000"/>
-                </a:schemeClr>
-              </a:gs>
-              <a:gs pos="19000">
-                <a:schemeClr val="bg1">
-                  <a:alpha val="38000"/>
-                </a:schemeClr>
-              </a:gs>
-              <a:gs pos="0">
-                <a:schemeClr val="bg1">
-                  <a:alpha val="0"/>
-                </a:schemeClr>
-              </a:gs>
-              <a:gs pos="100000">
-                <a:schemeClr val="bg1"/>
-              </a:gs>
-            </a:gsLst>
-            <a:lin ang="10800000" scaled="0"/>
-          </a:gradFill>
-          <a:ln>
-            <a:noFill/>
-          </a:ln>
-        </p:spPr>
-        <p:style>
-          <a:lnRef idx="2">
-            <a:schemeClr val="accent1">
-              <a:shade val="50000"/>
-            </a:schemeClr>
-          </a:lnRef>
-          <a:fillRef idx="1">
-            <a:schemeClr val="accent1"/>
-          </a:fillRef>
-          <a:effectRef idx="0">
-            <a:schemeClr val="accent1"/>
-          </a:effectRef>
-          <a:fontRef idx="minor">
-            <a:schemeClr val="lt1"/>
-          </a:fontRef>
-        </p:style>
-        <p:txBody>
-          <a:bodyPr rtlCol="0" anchor="ctr"/>
-          <a:lstStyle/>
-          <a:p>
-            <a:pPr algn="ctr"/>
-            <a:endParaRPr lang="en-US" dirty="0"/>
-          </a:p>
-        </p:txBody>
-      </p:sp>
       <p:sp>
         <p:nvSpPr>
           <p:cNvPr id="2" name="Título 1">
@@ -25719,52 +25894,70 @@
         </p:nvSpPr>
         <p:spPr>
           <a:xfrm>
-            <a:off x="7531610" y="365125"/>
-            <a:ext cx="3822189" cy="1899912"/>
+            <a:off x="1524000" y="1122362"/>
+            <a:ext cx="9144000" cy="2900518"/>
           </a:xfrm>
         </p:spPr>
         <p:txBody>
-          <a:bodyPr>
+          <a:bodyPr vert="horz" lIns="91440" tIns="45720" rIns="91440" bIns="45720" rtlCol="0" anchor="b">
             <a:normAutofit/>
           </a:bodyPr>
           <a:lstStyle/>
           <a:p>
+            <a:pPr algn="ctr"/>
             <a:r>
-              <a:rPr lang="pt-PT" sz="4000"/>
-              <a:t>De Onde Surgiu a Ideia</a:t>
+              <a:rPr lang="en-US" sz="6000" dirty="0">
+                <a:solidFill>
+                  <a:srgbClr val="FFFFFF"/>
+                </a:solidFill>
+              </a:rPr>
+              <a:t>De </a:t>
             </a:r>
-          </a:p>
-        </p:txBody>
-      </p:sp>
-      <p:sp>
-        <p:nvSpPr>
-          <p:cNvPr id="10" name="Content Placeholder 9">
-            <a:extLst>
-              <a:ext uri="{FF2B5EF4-FFF2-40B4-BE49-F238E27FC236}">
-                <a16:creationId xmlns:a16="http://schemas.microsoft.com/office/drawing/2014/main" id="{653F63D2-C4F5-41A1-A01E-5124F8B3B4A8}"/>
-              </a:ext>
-            </a:extLst>
-          </p:cNvPr>
-          <p:cNvSpPr>
-            <a:spLocks noGrp="1"/>
-          </p:cNvSpPr>
-          <p:nvPr>
-            <p:ph idx="1"/>
-          </p:nvPr>
-        </p:nvSpPr>
-        <p:spPr>
-          <a:xfrm>
-            <a:off x="7531610" y="2434201"/>
-            <a:ext cx="3822189" cy="3742762"/>
-          </a:xfrm>
-        </p:spPr>
-        <p:txBody>
-          <a:bodyPr>
-            <a:normAutofit/>
-          </a:bodyPr>
-          <a:lstStyle/>
-          <a:p>
-            <a:endParaRPr lang="en-US" sz="2000"/>
+            <a:r>
+              <a:rPr lang="en-US" sz="6000" dirty="0" err="1">
+                <a:solidFill>
+                  <a:srgbClr val="FFFFFF"/>
+                </a:solidFill>
+              </a:rPr>
+              <a:t>onde</a:t>
+            </a:r>
+            <a:r>
+              <a:rPr lang="en-US" sz="6000" dirty="0">
+                <a:solidFill>
+                  <a:srgbClr val="FFFFFF"/>
+                </a:solidFill>
+              </a:rPr>
+              <a:t> </a:t>
+            </a:r>
+            <a:r>
+              <a:rPr lang="en-US" sz="6000" dirty="0" err="1">
+                <a:solidFill>
+                  <a:srgbClr val="FFFFFF"/>
+                </a:solidFill>
+              </a:rPr>
+              <a:t>surgiu</a:t>
+            </a:r>
+            <a:r>
+              <a:rPr lang="en-US" sz="6000" dirty="0">
+                <a:solidFill>
+                  <a:srgbClr val="FFFFFF"/>
+                </a:solidFill>
+              </a:rPr>
+              <a:t> a </a:t>
+            </a:r>
+            <a:r>
+              <a:rPr lang="en-US" sz="6000" dirty="0" err="1">
+                <a:solidFill>
+                  <a:srgbClr val="FFFFFF"/>
+                </a:solidFill>
+              </a:rPr>
+              <a:t>ideia</a:t>
+            </a:r>
+            <a:endParaRPr lang="en-US" sz="6000" dirty="0">
+              <a:solidFill>
+                <a:srgbClr val="FFFFFF"/>
+              </a:solidFill>
+            </a:endParaRPr>
           </a:p>
         </p:txBody>
       </p:sp>
@@ -25791,7 +25984,7 @@
           </a:xfrm>
         </p:spPr>
         <p:txBody>
-          <a:bodyPr>
+          <a:bodyPr vert="horz" lIns="91440" tIns="45720" rIns="91440" bIns="45720" rtlCol="0" anchor="ctr">
             <a:normAutofit/>
           </a:bodyPr>
           <a:lstStyle/>
@@ -25800,17 +25993,29 @@
               <a:spcAft>
                 <a:spcPts val="600"/>
               </a:spcAft>
+              <a:defRPr/>
             </a:pPr>
             <a:fld id="{DA87C3F2-8E36-420A-B6CE-8D33D5DF61CB}" type="slidenum">
-              <a:rPr lang="pt-PT" smtClean="0"/>
+              <a:rPr lang="en-US">
+                <a:solidFill>
+                  <a:srgbClr val="FFFFFF"/>
+                </a:solidFill>
+                <a:latin typeface="Calibri" panose="020F0502020204030204"/>
+              </a:rPr>
               <a:pPr>
                 <a:spcAft>
                   <a:spcPts val="600"/>
                 </a:spcAft>
+                <a:defRPr/>
               </a:pPr>
               <a:t>2</a:t>
             </a:fld>
-            <a:endParaRPr lang="pt-PT"/>
+            <a:endParaRPr lang="en-US">
+              <a:solidFill>
+                <a:srgbClr val="FFFFFF"/>
+              </a:solidFill>
+              <a:latin typeface="Calibri" panose="020F0502020204030204"/>
+            </a:endParaRPr>
           </a:p>
         </p:txBody>
       </p:sp>
@@ -25822,8 +26027,100 @@
     </p:extLst>
   </p:cSld>
   <p:clrMapOvr>
-    <a:masterClrMapping/>
+    <a:overrideClrMapping bg1="dk1" tx1="lt1" bg2="dk2" tx2="lt2" accent1="accent1" accent2="accent2" accent3="accent3" accent4="accent4" accent5="accent5" accent6="accent6" hlink="hlink" folHlink="folHlink"/>
   </p:clrMapOvr>
+  <p:timing>
+    <p:tnLst>
+      <p:par>
+        <p:cTn id="1" dur="indefinite" restart="never" nodeType="tmRoot">
+          <p:childTnLst>
+            <p:seq concurrent="1" nextAc="seek">
+              <p:cTn id="2" dur="indefinite" nodeType="mainSeq">
+                <p:childTnLst>
+                  <p:par>
+                    <p:cTn id="3" fill="hold">
+                      <p:stCondLst>
+                        <p:cond delay="indefinite"/>
+                        <p:cond evt="onBegin" delay="0">
+                          <p:tn val="2"/>
+                        </p:cond>
+                      </p:stCondLst>
+                      <p:childTnLst>
+                        <p:par>
+                          <p:cTn id="4" fill="hold">
+                            <p:stCondLst>
+                              <p:cond delay="0"/>
+                            </p:stCondLst>
+                            <p:childTnLst>
+                              <p:par>
+                                <p:cTn id="5" presetID="10" presetClass="entr" presetSubtype="0" fill="hold" grpId="0" nodeType="withEffect">
+                                  <p:stCondLst>
+                                    <p:cond delay="1000"/>
+                                  </p:stCondLst>
+                                  <p:iterate type="lt">
+                                    <p:tmPct val="10000"/>
+                                  </p:iterate>
+                                  <p:childTnLst>
+                                    <p:set>
+                                      <p:cBhvr>
+                                        <p:cTn id="6" dur="1" fill="hold">
+                                          <p:stCondLst>
+                                            <p:cond delay="0"/>
+                                          </p:stCondLst>
+                                        </p:cTn>
+                                        <p:tgtEl>
+                                          <p:spTgt spid="2"/>
+                                        </p:tgtEl>
+                                        <p:attrNameLst>
+                                          <p:attrName>style.visibility</p:attrName>
+                                        </p:attrNameLst>
+                                      </p:cBhvr>
+                                      <p:to>
+                                        <p:strVal val="visible"/>
+                                      </p:to>
+                                    </p:set>
+                                    <p:animEffect transition="in" filter="fade">
+                                      <p:cBhvr>
+                                        <p:cTn id="7" dur="400"/>
+                                        <p:tgtEl>
+                                          <p:spTgt spid="2"/>
+                                        </p:tgtEl>
+                                      </p:cBhvr>
+                                    </p:animEffect>
+                                  </p:childTnLst>
+                                </p:cTn>
+                              </p:par>
+                            </p:childTnLst>
+                          </p:cTn>
+                        </p:par>
+                      </p:childTnLst>
+                    </p:cTn>
+                  </p:par>
+                </p:childTnLst>
+              </p:cTn>
+              <p:prevCondLst>
+                <p:cond evt="onPrev" delay="0">
+                  <p:tgtEl>
+                    <p:sldTgt/>
+                  </p:tgtEl>
+                </p:cond>
+              </p:prevCondLst>
+              <p:nextCondLst>
+                <p:cond evt="onNext" delay="0">
+                  <p:tgtEl>
+                    <p:sldTgt/>
+                  </p:tgtEl>
+                </p:cond>
+              </p:nextCondLst>
+            </p:seq>
+          </p:childTnLst>
+        </p:cTn>
+      </p:par>
+    </p:tnLst>
+    <p:bldLst>
+      <p:bldP spid="2" grpId="0"/>
+    </p:bldLst>
+  </p:timing>
 </p:sld>
 </file>
 
@@ -25854,10 +26151,10 @@
       </p:grpSpPr>
       <p:sp useBgFill="1">
         <p:nvSpPr>
-          <p:cNvPr id="12" name="Rectangle 11">
+          <p:cNvPr id="19" name="Rectangle 18">
             <a:extLst>
               <a:ext uri="{FF2B5EF4-FFF2-40B4-BE49-F238E27FC236}">
-                <a16:creationId xmlns:a16="http://schemas.microsoft.com/office/drawing/2014/main" id="{F13C74B1-5B17-4795-BED0-7140497B445A}"/>
+                <a16:creationId xmlns:a16="http://schemas.microsoft.com/office/drawing/2014/main" id="{33CD251C-A887-4D2F-925B-FC097198538B}"/>
               </a:ext>
               <a:ext uri="{C183D7F6-B498-43B3-948B-1728B52AA6E4}">
                 <adec:decorative xmlns:adec="http://schemas.microsoft.com/office/drawing/2017/decorative" val="1"/>
@@ -25878,11 +26175,74 @@
         <p:spPr>
           <a:xfrm>
             <a:off x="0" y="0"/>
-            <a:ext cx="12188952" cy="6858000"/>
+            <a:ext cx="12192000" cy="6858000"/>
           </a:xfrm>
           <a:prstGeom prst="rect">
             <a:avLst/>
           </a:prstGeom>
+          <a:ln>
+            <a:noFill/>
+          </a:ln>
+        </p:spPr>
+        <p:style>
+          <a:lnRef idx="2">
+            <a:schemeClr val="accent1">
+              <a:shade val="50000"/>
+            </a:schemeClr>
+          </a:lnRef>
+          <a:fillRef idx="1">
+            <a:schemeClr val="accent1"/>
+          </a:fillRef>
+          <a:effectRef idx="0">
+            <a:schemeClr val="accent1"/>
+          </a:effectRef>
+          <a:fontRef idx="minor">
+            <a:schemeClr val="lt1"/>
+          </a:fontRef>
+        </p:style>
+        <p:txBody>
+          <a:bodyPr rtlCol="0" anchor="ctr"/>
+          <a:lstStyle/>
+          <a:p>
+            <a:pPr algn="ctr"/>
+            <a:endParaRPr lang="en-US"/>
+          </a:p>
+        </p:txBody>
+      </p:sp>
+      <p:sp>
+        <p:nvSpPr>
+          <p:cNvPr id="21" name="Rectangle 20">
+            <a:extLst>
+              <a:ext uri="{FF2B5EF4-FFF2-40B4-BE49-F238E27FC236}">
+                <a16:creationId xmlns:a16="http://schemas.microsoft.com/office/drawing/2014/main" id="{B19D093C-27FB-4032-B282-42C4563F257C}"/>
+              </a:ext>
+              <a:ext uri="{C183D7F6-B498-43B3-948B-1728B52AA6E4}">
+                <adec:decorative xmlns:adec="http://schemas.microsoft.com/office/drawing/2017/decorative" val="1"/>
+              </a:ext>
+            </a:extLst>
+          </p:cNvPr>
+          <p:cNvSpPr>
+            <a:spLocks noGrp="1" noRot="1" noChangeAspect="1" noMove="1" noResize="1" noEditPoints="1" noAdjustHandles="1" noChangeArrowheads="1" noChangeShapeType="1" noTextEdit="1"/>
+          </p:cNvSpPr>
+          <p:nvPr>
+            <p:extLst>
+              <p:ext uri="{386F3935-93C4-4BCD-93E2-E3B085C9AB24}">
+                <p16:designElem xmlns:p16="http://schemas.microsoft.com/office/powerpoint/2015/main" val="1"/>
+              </p:ext>
+            </p:extLst>
+          </p:nvPr>
+        </p:nvSpPr>
+        <p:spPr>
+          <a:xfrm>
+            <a:off x="0" y="0"/>
+            <a:ext cx="4694548" cy="6858000"/>
+          </a:xfrm>
+          <a:prstGeom prst="rect">
+            <a:avLst/>
+          </a:prstGeom>
+          <a:solidFill>
+            <a:schemeClr val="tx1"/>
+          </a:solidFill>
           <a:ln>
             <a:noFill/>
           </a:ln>
@@ -25930,38 +26290,45 @@
         </p:nvSpPr>
         <p:spPr>
           <a:xfrm>
-            <a:off x="640080" y="325369"/>
-            <a:ext cx="4368602" cy="1956841"/>
+            <a:off x="767290" y="1780661"/>
+            <a:ext cx="3582073" cy="1463472"/>
           </a:xfrm>
         </p:spPr>
         <p:txBody>
-          <a:bodyPr vert="horz" lIns="91440" tIns="45720" rIns="91440" bIns="45720" rtlCol="0" anchor="b">
+          <a:bodyPr vert="horz" lIns="91440" tIns="45720" rIns="91440" bIns="45720" rtlCol="0" anchor="t">
             <a:normAutofit/>
           </a:bodyPr>
           <a:lstStyle/>
           <a:p>
             <a:r>
-              <a:rPr lang="en-US" sz="5400"/>
+              <a:rPr lang="en-US" sz="4800" kern="1200">
+                <a:solidFill>
+                  <a:schemeClr val="bg1"/>
+                </a:solidFill>
+                <a:latin typeface="+mj-lt"/>
+                <a:ea typeface="+mj-ea"/>
+                <a:cs typeface="+mj-cs"/>
+              </a:rPr>
               <a:t>Problemas Resolvidos</a:t>
             </a:r>
           </a:p>
         </p:txBody>
       </p:sp>
-      <p:sp>
-        <p:nvSpPr>
-          <p:cNvPr id="14" name="sketchy line">
+      <p:grpSp>
+        <p:nvGrpSpPr>
+          <p:cNvPr id="23" name="Group 22">
             <a:extLst>
               <a:ext uri="{FF2B5EF4-FFF2-40B4-BE49-F238E27FC236}">
-                <a16:creationId xmlns:a16="http://schemas.microsoft.com/office/drawing/2014/main" id="{D4974D33-8DC5-464E-8C6D-BE58F0669C17}"/>
+                <a16:creationId xmlns:a16="http://schemas.microsoft.com/office/drawing/2014/main" id="{35EE815E-1BD3-4777-B652-6D98825BF66B}"/>
               </a:ext>
               <a:ext uri="{C183D7F6-B498-43B3-948B-1728B52AA6E4}">
                 <adec:decorative xmlns:adec="http://schemas.microsoft.com/office/drawing/2017/decorative" val="1"/>
               </a:ext>
             </a:extLst>
           </p:cNvPr>
-          <p:cNvSpPr>
-            <a:spLocks noGrp="1" noRot="1" noChangeAspect="1" noMove="1" noResize="1" noEditPoints="1" noAdjustHandles="1" noChangeArrowheads="1" noChangeShapeType="1" noTextEdit="1"/>
-          </p:cNvSpPr>
+          <p:cNvGrpSpPr>
+            <a:grpSpLocks noGrp="1" noUngrp="1" noRot="1" noChangeAspect="1" noMove="1" noResize="1"/>
+          </p:cNvGrpSpPr>
           <p:nvPr>
             <p:extLst>
               <p:ext uri="{386F3935-93C4-4BCD-93E2-E3B085C9AB24}">
@@ -25969,267 +26336,390 @@
               </p:ext>
             </p:extLst>
           </p:nvPr>
-        </p:nvSpPr>
-        <p:spPr>
+        </p:nvGrpSpPr>
+        <p:grpSpPr>
           <a:xfrm>
-            <a:off x="640080" y="2586994"/>
-            <a:ext cx="3474720" cy="18288"/>
+            <a:off x="767290" y="681628"/>
+            <a:ext cx="1128382" cy="847206"/>
+            <a:chOff x="668003" y="1684057"/>
+            <a:chExt cx="1128382" cy="847206"/>
           </a:xfrm>
-          <a:custGeom>
-            <a:avLst/>
-            <a:gdLst>
-              <a:gd name="connsiteX0" fmla="*/ 0 w 3474720"/>
-              <a:gd name="connsiteY0" fmla="*/ 0 h 18288"/>
-              <a:gd name="connsiteX1" fmla="*/ 694944 w 3474720"/>
-              <a:gd name="connsiteY1" fmla="*/ 0 h 18288"/>
-              <a:gd name="connsiteX2" fmla="*/ 1355141 w 3474720"/>
-              <a:gd name="connsiteY2" fmla="*/ 0 h 18288"/>
-              <a:gd name="connsiteX3" fmla="*/ 2015338 w 3474720"/>
-              <a:gd name="connsiteY3" fmla="*/ 0 h 18288"/>
-              <a:gd name="connsiteX4" fmla="*/ 2779776 w 3474720"/>
-              <a:gd name="connsiteY4" fmla="*/ 0 h 18288"/>
-              <a:gd name="connsiteX5" fmla="*/ 3474720 w 3474720"/>
-              <a:gd name="connsiteY5" fmla="*/ 0 h 18288"/>
-              <a:gd name="connsiteX6" fmla="*/ 3474720 w 3474720"/>
-              <a:gd name="connsiteY6" fmla="*/ 18288 h 18288"/>
-              <a:gd name="connsiteX7" fmla="*/ 2779776 w 3474720"/>
-              <a:gd name="connsiteY7" fmla="*/ 18288 h 18288"/>
-              <a:gd name="connsiteX8" fmla="*/ 2189074 w 3474720"/>
-              <a:gd name="connsiteY8" fmla="*/ 18288 h 18288"/>
-              <a:gd name="connsiteX9" fmla="*/ 1528877 w 3474720"/>
-              <a:gd name="connsiteY9" fmla="*/ 18288 h 18288"/>
-              <a:gd name="connsiteX10" fmla="*/ 868680 w 3474720"/>
-              <a:gd name="connsiteY10" fmla="*/ 18288 h 18288"/>
-              <a:gd name="connsiteX11" fmla="*/ 0 w 3474720"/>
-              <a:gd name="connsiteY11" fmla="*/ 18288 h 18288"/>
-              <a:gd name="connsiteX12" fmla="*/ 0 w 3474720"/>
-              <a:gd name="connsiteY12" fmla="*/ 0 h 18288"/>
-            </a:gdLst>
-            <a:ahLst/>
-            <a:cxnLst>
-              <a:cxn ang="0">
-                <a:pos x="connsiteX0" y="connsiteY0"/>
-              </a:cxn>
-              <a:cxn ang="0">
-                <a:pos x="connsiteX1" y="connsiteY1"/>
-              </a:cxn>
-              <a:cxn ang="0">
-                <a:pos x="connsiteX2" y="connsiteY2"/>
-              </a:cxn>
-              <a:cxn ang="0">
-                <a:pos x="connsiteX3" y="connsiteY3"/>
-              </a:cxn>
-              <a:cxn ang="0">
-                <a:pos x="connsiteX4" y="connsiteY4"/>
-              </a:cxn>
-              <a:cxn ang="0">
-                <a:pos x="connsiteX5" y="connsiteY5"/>
-              </a:cxn>
-              <a:cxn ang="0">
-                <a:pos x="connsiteX6" y="connsiteY6"/>
-              </a:cxn>
-              <a:cxn ang="0">
-                <a:pos x="connsiteX7" y="connsiteY7"/>
-              </a:cxn>
-              <a:cxn ang="0">
-                <a:pos x="connsiteX8" y="connsiteY8"/>
-              </a:cxn>
-              <a:cxn ang="0">
-                <a:pos x="connsiteX9" y="connsiteY9"/>
-              </a:cxn>
-              <a:cxn ang="0">
-                <a:pos x="connsiteX10" y="connsiteY10"/>
-              </a:cxn>
-              <a:cxn ang="0">
-                <a:pos x="connsiteX11" y="connsiteY11"/>
-              </a:cxn>
-              <a:cxn ang="0">
-                <a:pos x="connsiteX12" y="connsiteY12"/>
-              </a:cxn>
-            </a:cxnLst>
-            <a:rect l="l" t="t" r="r" b="b"/>
-            <a:pathLst>
-              <a:path w="3474720" h="18288" fill="none" extrusionOk="0">
-                <a:moveTo>
-                  <a:pt x="0" y="0"/>
-                </a:moveTo>
-                <a:cubicBezTo>
-                  <a:pt x="224454" y="-14544"/>
-                  <a:pt x="495407" y="26540"/>
-                  <a:pt x="694944" y="0"/>
-                </a:cubicBezTo>
-                <a:cubicBezTo>
-                  <a:pt x="894481" y="-26540"/>
-                  <a:pt x="1130063" y="24713"/>
-                  <a:pt x="1355141" y="0"/>
-                </a:cubicBezTo>
-                <a:cubicBezTo>
-                  <a:pt x="1580219" y="-24713"/>
-                  <a:pt x="1820099" y="26695"/>
-                  <a:pt x="2015338" y="0"/>
-                </a:cubicBezTo>
-                <a:cubicBezTo>
-                  <a:pt x="2210577" y="-26695"/>
-                  <a:pt x="2402045" y="165"/>
-                  <a:pt x="2779776" y="0"/>
-                </a:cubicBezTo>
-                <a:cubicBezTo>
-                  <a:pt x="3157507" y="-165"/>
-                  <a:pt x="3286859" y="-15571"/>
-                  <a:pt x="3474720" y="0"/>
-                </a:cubicBezTo>
-                <a:cubicBezTo>
-                  <a:pt x="3474286" y="7551"/>
-                  <a:pt x="3474253" y="9822"/>
-                  <a:pt x="3474720" y="18288"/>
-                </a:cubicBezTo>
-                <a:cubicBezTo>
-                  <a:pt x="3233904" y="29845"/>
-                  <a:pt x="2945134" y="-5256"/>
-                  <a:pt x="2779776" y="18288"/>
-                </a:cubicBezTo>
-                <a:cubicBezTo>
-                  <a:pt x="2614418" y="41832"/>
-                  <a:pt x="2339768" y="22709"/>
-                  <a:pt x="2189074" y="18288"/>
-                </a:cubicBezTo>
-                <a:cubicBezTo>
-                  <a:pt x="2038380" y="13867"/>
-                  <a:pt x="1817434" y="-4947"/>
-                  <a:pt x="1528877" y="18288"/>
-                </a:cubicBezTo>
-                <a:cubicBezTo>
-                  <a:pt x="1240320" y="41523"/>
-                  <a:pt x="1042447" y="37198"/>
-                  <a:pt x="868680" y="18288"/>
-                </a:cubicBezTo>
-                <a:cubicBezTo>
-                  <a:pt x="694913" y="-622"/>
-                  <a:pt x="233232" y="44909"/>
-                  <a:pt x="0" y="18288"/>
-                </a:cubicBezTo>
-                <a:cubicBezTo>
-                  <a:pt x="60" y="11696"/>
-                  <a:pt x="66" y="3758"/>
-                  <a:pt x="0" y="0"/>
-                </a:cubicBezTo>
-                <a:close/>
-              </a:path>
-              <a:path w="3474720" h="18288" stroke="0" extrusionOk="0">
-                <a:moveTo>
-                  <a:pt x="0" y="0"/>
-                </a:moveTo>
-                <a:cubicBezTo>
-                  <a:pt x="202328" y="-14716"/>
-                  <a:pt x="332722" y="-11499"/>
-                  <a:pt x="625450" y="0"/>
-                </a:cubicBezTo>
-                <a:cubicBezTo>
-                  <a:pt x="918178" y="11499"/>
-                  <a:pt x="1096688" y="5123"/>
-                  <a:pt x="1389888" y="0"/>
-                </a:cubicBezTo>
-                <a:cubicBezTo>
-                  <a:pt x="1683088" y="-5123"/>
-                  <a:pt x="1835981" y="-14038"/>
-                  <a:pt x="1980590" y="0"/>
-                </a:cubicBezTo>
-                <a:cubicBezTo>
-                  <a:pt x="2125199" y="14038"/>
-                  <a:pt x="2396099" y="-7203"/>
-                  <a:pt x="2571293" y="0"/>
-                </a:cubicBezTo>
-                <a:cubicBezTo>
-                  <a:pt x="2746487" y="7203"/>
-                  <a:pt x="3041609" y="-12036"/>
-                  <a:pt x="3474720" y="0"/>
-                </a:cubicBezTo>
-                <a:cubicBezTo>
-                  <a:pt x="3474638" y="4406"/>
-                  <a:pt x="3474631" y="9982"/>
-                  <a:pt x="3474720" y="18288"/>
-                </a:cubicBezTo>
-                <a:cubicBezTo>
-                  <a:pt x="3324873" y="21876"/>
-                  <a:pt x="3136771" y="12587"/>
-                  <a:pt x="2814523" y="18288"/>
-                </a:cubicBezTo>
-                <a:cubicBezTo>
-                  <a:pt x="2492275" y="23989"/>
-                  <a:pt x="2294402" y="47111"/>
-                  <a:pt x="2154326" y="18288"/>
-                </a:cubicBezTo>
-                <a:cubicBezTo>
-                  <a:pt x="2014250" y="-10535"/>
-                  <a:pt x="1820317" y="33903"/>
-                  <a:pt x="1494130" y="18288"/>
-                </a:cubicBezTo>
-                <a:cubicBezTo>
-                  <a:pt x="1167943" y="2673"/>
-                  <a:pt x="948432" y="14868"/>
-                  <a:pt x="729691" y="18288"/>
-                </a:cubicBezTo>
-                <a:cubicBezTo>
-                  <a:pt x="510950" y="21708"/>
-                  <a:pt x="264032" y="24354"/>
-                  <a:pt x="0" y="18288"/>
-                </a:cubicBezTo>
-                <a:cubicBezTo>
-                  <a:pt x="189" y="14288"/>
-                  <a:pt x="-703" y="3747"/>
-                  <a:pt x="0" y="0"/>
-                </a:cubicBezTo>
-                <a:close/>
-              </a:path>
-            </a:pathLst>
-          </a:custGeom>
-          <a:solidFill>
-            <a:schemeClr val="accent2"/>
-          </a:solidFill>
-          <a:ln w="44450" cap="rnd">
-            <a:solidFill>
-              <a:schemeClr val="accent2"/>
-            </a:solidFill>
-            <a:round/>
-            <a:extLst>
-              <a:ext uri="{C807C97D-BFC1-408E-A445-0C87EB9F89A2}">
-                <ask:lineSketchStyleProps xmlns:ask="http://schemas.microsoft.com/office/drawing/2018/sketchyshapes" sd="2863741219">
-                  <a:prstGeom prst="rect">
-                    <a:avLst/>
-                  </a:prstGeom>
-                  <ask:type>
-                    <ask:lineSketchFreehand/>
-                  </ask:type>
-                </ask:lineSketchStyleProps>
-              </a:ext>
-            </a:extLst>
-          </a:ln>
-        </p:spPr>
-        <p:style>
-          <a:lnRef idx="2">
-            <a:schemeClr val="accent1">
-              <a:shade val="50000"/>
-            </a:schemeClr>
-          </a:lnRef>
-          <a:fillRef idx="1">
-            <a:schemeClr val="accent1"/>
-          </a:fillRef>
-          <a:effectRef idx="0">
-            <a:schemeClr val="accent1"/>
-          </a:effectRef>
-          <a:fontRef idx="minor">
-            <a:schemeClr val="lt1"/>
-          </a:fontRef>
-        </p:style>
-        <p:txBody>
-          <a:bodyPr rtlCol="0" anchor="ctr"/>
-          <a:lstStyle/>
-          <a:p>
-            <a:pPr algn="ctr"/>
-            <a:endParaRPr lang="en-US"/>
-          </a:p>
-        </p:txBody>
-      </p:sp>
+        </p:grpSpPr>
+        <p:sp>
+          <p:nvSpPr>
+            <p:cNvPr id="24" name="Freeform 5">
+              <a:extLst>
+                <a:ext uri="{FF2B5EF4-FFF2-40B4-BE49-F238E27FC236}">
+                  <a16:creationId xmlns:a16="http://schemas.microsoft.com/office/drawing/2014/main" id="{E6692982-4A7D-4392-87CD-F0CD4B027DDE}"/>
+                </a:ext>
+                <a:ext uri="{C183D7F6-B498-43B3-948B-1728B52AA6E4}">
+                  <adec:decorative xmlns:adec="http://schemas.microsoft.com/office/drawing/2017/decorative" val="1"/>
+                </a:ext>
+              </a:extLst>
+            </p:cNvPr>
+            <p:cNvSpPr>
+              <a:spLocks/>
+            </p:cNvSpPr>
+            <p:nvPr>
+              <p:extLst>
+                <p:ext uri="{386F3935-93C4-4BCD-93E2-E3B085C9AB24}">
+                  <p16:designElem xmlns:p16="http://schemas.microsoft.com/office/powerpoint/2015/main" val="1"/>
+                </p:ext>
+              </p:extLst>
+            </p:nvPr>
+          </p:nvSpPr>
+          <p:spPr bwMode="auto">
+            <a:xfrm>
+              <a:off x="668003" y="1935883"/>
+              <a:ext cx="675351" cy="595380"/>
+            </a:xfrm>
+            <a:custGeom>
+              <a:avLst/>
+              <a:gdLst>
+                <a:gd name="T0" fmla="*/ 225 w 785"/>
+                <a:gd name="T1" fmla="*/ 692 h 692"/>
+                <a:gd name="T2" fmla="*/ 177 w 785"/>
+                <a:gd name="T3" fmla="*/ 665 h 692"/>
+                <a:gd name="T4" fmla="*/ 9 w 785"/>
+                <a:gd name="T5" fmla="*/ 374 h 692"/>
+                <a:gd name="T6" fmla="*/ 9 w 785"/>
+                <a:gd name="T7" fmla="*/ 318 h 692"/>
+                <a:gd name="T8" fmla="*/ 177 w 785"/>
+                <a:gd name="T9" fmla="*/ 27 h 692"/>
+                <a:gd name="T10" fmla="*/ 225 w 785"/>
+                <a:gd name="T11" fmla="*/ 0 h 692"/>
+                <a:gd name="T12" fmla="*/ 561 w 785"/>
+                <a:gd name="T13" fmla="*/ 0 h 692"/>
+                <a:gd name="T14" fmla="*/ 609 w 785"/>
+                <a:gd name="T15" fmla="*/ 27 h 692"/>
+                <a:gd name="T16" fmla="*/ 777 w 785"/>
+                <a:gd name="T17" fmla="*/ 318 h 692"/>
+                <a:gd name="T18" fmla="*/ 777 w 785"/>
+                <a:gd name="T19" fmla="*/ 374 h 692"/>
+                <a:gd name="T20" fmla="*/ 609 w 785"/>
+                <a:gd name="T21" fmla="*/ 665 h 692"/>
+                <a:gd name="T22" fmla="*/ 561 w 785"/>
+                <a:gd name="T23" fmla="*/ 692 h 692"/>
+                <a:gd name="T24" fmla="*/ 225 w 785"/>
+                <a:gd name="T25" fmla="*/ 692 h 692"/>
+              </a:gdLst>
+              <a:ahLst/>
+              <a:cxnLst>
+                <a:cxn ang="0">
+                  <a:pos x="T0" y="T1"/>
+                </a:cxn>
+                <a:cxn ang="0">
+                  <a:pos x="T2" y="T3"/>
+                </a:cxn>
+                <a:cxn ang="0">
+                  <a:pos x="T4" y="T5"/>
+                </a:cxn>
+                <a:cxn ang="0">
+                  <a:pos x="T6" y="T7"/>
+                </a:cxn>
+                <a:cxn ang="0">
+                  <a:pos x="T8" y="T9"/>
+                </a:cxn>
+                <a:cxn ang="0">
+                  <a:pos x="T10" y="T11"/>
+                </a:cxn>
+                <a:cxn ang="0">
+                  <a:pos x="T12" y="T13"/>
+                </a:cxn>
+                <a:cxn ang="0">
+                  <a:pos x="T14" y="T15"/>
+                </a:cxn>
+                <a:cxn ang="0">
+                  <a:pos x="T16" y="T17"/>
+                </a:cxn>
+                <a:cxn ang="0">
+                  <a:pos x="T18" y="T19"/>
+                </a:cxn>
+                <a:cxn ang="0">
+                  <a:pos x="T20" y="T21"/>
+                </a:cxn>
+                <a:cxn ang="0">
+                  <a:pos x="T22" y="T23"/>
+                </a:cxn>
+                <a:cxn ang="0">
+                  <a:pos x="T24" y="T25"/>
+                </a:cxn>
+              </a:cxnLst>
+              <a:rect l="0" t="0" r="r" b="b"/>
+              <a:pathLst>
+                <a:path w="785" h="692">
+                  <a:moveTo>
+                    <a:pt x="225" y="692"/>
+                  </a:moveTo>
+                  <a:cubicBezTo>
+                    <a:pt x="207" y="692"/>
+                    <a:pt x="185" y="680"/>
+                    <a:pt x="177" y="665"/>
+                  </a:cubicBezTo>
+                  <a:cubicBezTo>
+                    <a:pt x="9" y="374"/>
+                    <a:pt x="9" y="374"/>
+                    <a:pt x="9" y="374"/>
+                  </a:cubicBezTo>
+                  <a:cubicBezTo>
+                    <a:pt x="0" y="358"/>
+                    <a:pt x="0" y="334"/>
+                    <a:pt x="9" y="318"/>
+                  </a:cubicBezTo>
+                  <a:cubicBezTo>
+                    <a:pt x="177" y="27"/>
+                    <a:pt x="177" y="27"/>
+                    <a:pt x="177" y="27"/>
+                  </a:cubicBezTo>
+                  <a:cubicBezTo>
+                    <a:pt x="185" y="12"/>
+                    <a:pt x="207" y="0"/>
+                    <a:pt x="225" y="0"/>
+                  </a:cubicBezTo>
+                  <a:cubicBezTo>
+                    <a:pt x="561" y="0"/>
+                    <a:pt x="561" y="0"/>
+                    <a:pt x="561" y="0"/>
+                  </a:cubicBezTo>
+                  <a:cubicBezTo>
+                    <a:pt x="578" y="0"/>
+                    <a:pt x="600" y="12"/>
+                    <a:pt x="609" y="27"/>
+                  </a:cubicBezTo>
+                  <a:cubicBezTo>
+                    <a:pt x="777" y="318"/>
+                    <a:pt x="777" y="318"/>
+                    <a:pt x="777" y="318"/>
+                  </a:cubicBezTo>
+                  <a:cubicBezTo>
+                    <a:pt x="785" y="334"/>
+                    <a:pt x="785" y="358"/>
+                    <a:pt x="777" y="374"/>
+                  </a:cubicBezTo>
+                  <a:cubicBezTo>
+                    <a:pt x="609" y="665"/>
+                    <a:pt x="609" y="665"/>
+                    <a:pt x="609" y="665"/>
+                  </a:cubicBezTo>
+                  <a:cubicBezTo>
+                    <a:pt x="600" y="680"/>
+                    <a:pt x="578" y="692"/>
+                    <a:pt x="561" y="692"/>
+                  </a:cubicBezTo>
+                  <a:lnTo>
+                    <a:pt x="225" y="692"/>
+                  </a:lnTo>
+                  <a:close/>
+                </a:path>
+              </a:pathLst>
+            </a:custGeom>
+            <a:noFill/>
+            <a:ln w="28575" cmpd="sng">
+              <a:solidFill>
+                <a:schemeClr val="bg1"/>
+              </a:solidFill>
+            </a:ln>
+          </p:spPr>
+          <p:txBody>
+            <a:bodyPr vert="horz" wrap="square" lIns="91440" tIns="45720" rIns="91440" bIns="45720" numCol="1" anchor="t" anchorCtr="0" compatLnSpc="1">
+              <a:prstTxWarp prst="textNoShape">
+                <a:avLst/>
+              </a:prstTxWarp>
+            </a:bodyPr>
+            <a:lstStyle/>
+            <a:p>
+              <a:endParaRPr lang="en-US"/>
+            </a:p>
+          </p:txBody>
+        </p:sp>
+        <p:sp>
+          <p:nvSpPr>
+            <p:cNvPr id="25" name="Freeform 5">
+              <a:extLst>
+                <a:ext uri="{FF2B5EF4-FFF2-40B4-BE49-F238E27FC236}">
+                  <a16:creationId xmlns:a16="http://schemas.microsoft.com/office/drawing/2014/main" id="{196485F7-F277-4123-AC53-98EA4C858774}"/>
+                </a:ext>
+                <a:ext uri="{C183D7F6-B498-43B3-948B-1728B52AA6E4}">
+                  <adec:decorative xmlns:adec="http://schemas.microsoft.com/office/drawing/2017/decorative" val="1"/>
+                </a:ext>
+              </a:extLst>
+            </p:cNvPr>
+            <p:cNvSpPr>
+              <a:spLocks/>
+            </p:cNvSpPr>
+            <p:nvPr>
+              <p:extLst>
+                <p:ext uri="{386F3935-93C4-4BCD-93E2-E3B085C9AB24}">
+                  <p16:designElem xmlns:p16="http://schemas.microsoft.com/office/powerpoint/2015/main" val="1"/>
+                </p:ext>
+              </p:extLst>
+            </p:nvPr>
+          </p:nvSpPr>
+          <p:spPr bwMode="auto">
+            <a:xfrm>
+              <a:off x="1245893" y="1684057"/>
+              <a:ext cx="550492" cy="485306"/>
+            </a:xfrm>
+            <a:custGeom>
+              <a:avLst/>
+              <a:gdLst>
+                <a:gd name="T0" fmla="*/ 225 w 785"/>
+                <a:gd name="T1" fmla="*/ 692 h 692"/>
+                <a:gd name="T2" fmla="*/ 177 w 785"/>
+                <a:gd name="T3" fmla="*/ 665 h 692"/>
+                <a:gd name="T4" fmla="*/ 9 w 785"/>
+                <a:gd name="T5" fmla="*/ 374 h 692"/>
+                <a:gd name="T6" fmla="*/ 9 w 785"/>
+                <a:gd name="T7" fmla="*/ 318 h 692"/>
+                <a:gd name="T8" fmla="*/ 177 w 785"/>
+                <a:gd name="T9" fmla="*/ 27 h 692"/>
+                <a:gd name="T10" fmla="*/ 225 w 785"/>
+                <a:gd name="T11" fmla="*/ 0 h 692"/>
+                <a:gd name="T12" fmla="*/ 561 w 785"/>
+                <a:gd name="T13" fmla="*/ 0 h 692"/>
+                <a:gd name="T14" fmla="*/ 609 w 785"/>
+                <a:gd name="T15" fmla="*/ 27 h 692"/>
+                <a:gd name="T16" fmla="*/ 777 w 785"/>
+                <a:gd name="T17" fmla="*/ 318 h 692"/>
+                <a:gd name="T18" fmla="*/ 777 w 785"/>
+                <a:gd name="T19" fmla="*/ 374 h 692"/>
+                <a:gd name="T20" fmla="*/ 609 w 785"/>
+                <a:gd name="T21" fmla="*/ 665 h 692"/>
+                <a:gd name="T22" fmla="*/ 561 w 785"/>
+                <a:gd name="T23" fmla="*/ 692 h 692"/>
+                <a:gd name="T24" fmla="*/ 225 w 785"/>
+                <a:gd name="T25" fmla="*/ 692 h 692"/>
+              </a:gdLst>
+              <a:ahLst/>
+              <a:cxnLst>
+                <a:cxn ang="0">
+                  <a:pos x="T0" y="T1"/>
+                </a:cxn>
+                <a:cxn ang="0">
+                  <a:pos x="T2" y="T3"/>
+                </a:cxn>
+                <a:cxn ang="0">
+                  <a:pos x="T4" y="T5"/>
+                </a:cxn>
+                <a:cxn ang="0">
+                  <a:pos x="T6" y="T7"/>
+                </a:cxn>
+                <a:cxn ang="0">
+                  <a:pos x="T8" y="T9"/>
+                </a:cxn>
+                <a:cxn ang="0">
+                  <a:pos x="T10" y="T11"/>
+                </a:cxn>
+                <a:cxn ang="0">
+                  <a:pos x="T12" y="T13"/>
+                </a:cxn>
+                <a:cxn ang="0">
+                  <a:pos x="T14" y="T15"/>
+                </a:cxn>
+                <a:cxn ang="0">
+                  <a:pos x="T16" y="T17"/>
+                </a:cxn>
+                <a:cxn ang="0">
+                  <a:pos x="T18" y="T19"/>
+                </a:cxn>
+                <a:cxn ang="0">
+                  <a:pos x="T20" y="T21"/>
+                </a:cxn>
+                <a:cxn ang="0">
+                  <a:pos x="T22" y="T23"/>
+                </a:cxn>
+                <a:cxn ang="0">
+                  <a:pos x="T24" y="T25"/>
+                </a:cxn>
+              </a:cxnLst>
+              <a:rect l="0" t="0" r="r" b="b"/>
+              <a:pathLst>
+                <a:path w="785" h="692">
+                  <a:moveTo>
+                    <a:pt x="225" y="692"/>
+                  </a:moveTo>
+                  <a:cubicBezTo>
+                    <a:pt x="207" y="692"/>
+                    <a:pt x="185" y="680"/>
+                    <a:pt x="177" y="665"/>
+                  </a:cubicBezTo>
+                  <a:cubicBezTo>
+                    <a:pt x="9" y="374"/>
+                    <a:pt x="9" y="374"/>
+                    <a:pt x="9" y="374"/>
+                  </a:cubicBezTo>
+                  <a:cubicBezTo>
+                    <a:pt x="0" y="358"/>
+                    <a:pt x="0" y="334"/>
+                    <a:pt x="9" y="318"/>
+                  </a:cubicBezTo>
+                  <a:cubicBezTo>
+                    <a:pt x="177" y="27"/>
+                    <a:pt x="177" y="27"/>
+                    <a:pt x="177" y="27"/>
+                  </a:cubicBezTo>
+                  <a:cubicBezTo>
+                    <a:pt x="185" y="12"/>
+                    <a:pt x="207" y="0"/>
+                    <a:pt x="225" y="0"/>
+                  </a:cubicBezTo>
+                  <a:cubicBezTo>
+                    <a:pt x="561" y="0"/>
+                    <a:pt x="561" y="0"/>
+                    <a:pt x="561" y="0"/>
+                  </a:cubicBezTo>
+                  <a:cubicBezTo>
+                    <a:pt x="578" y="0"/>
+                    <a:pt x="600" y="12"/>
+                    <a:pt x="609" y="27"/>
+                  </a:cubicBezTo>
+                  <a:cubicBezTo>
+                    <a:pt x="777" y="318"/>
+                    <a:pt x="777" y="318"/>
+                    <a:pt x="777" y="318"/>
+                  </a:cubicBezTo>
+                  <a:cubicBezTo>
+                    <a:pt x="785" y="334"/>
+                    <a:pt x="785" y="358"/>
+                    <a:pt x="777" y="374"/>
+                  </a:cubicBezTo>
+                  <a:cubicBezTo>
+                    <a:pt x="609" y="665"/>
+                    <a:pt x="609" y="665"/>
+                    <a:pt x="609" y="665"/>
+                  </a:cubicBezTo>
+                  <a:cubicBezTo>
+                    <a:pt x="600" y="680"/>
+                    <a:pt x="578" y="692"/>
+                    <a:pt x="561" y="692"/>
+                  </a:cubicBezTo>
+                  <a:lnTo>
+                    <a:pt x="225" y="692"/>
+                  </a:lnTo>
+                  <a:close/>
+                </a:path>
+              </a:pathLst>
+            </a:custGeom>
+            <a:noFill/>
+            <a:ln w="28575" cmpd="sng">
+              <a:solidFill>
+                <a:schemeClr val="bg1"/>
+              </a:solidFill>
+            </a:ln>
+          </p:spPr>
+          <p:txBody>
+            <a:bodyPr vert="horz" wrap="square" lIns="91440" tIns="45720" rIns="91440" bIns="45720" numCol="1" anchor="t" anchorCtr="0" compatLnSpc="1">
+              <a:prstTxWarp prst="textNoShape">
+                <a:avLst/>
+              </a:prstTxWarp>
+            </a:bodyPr>
+            <a:lstStyle/>
+            <a:p>
+              <a:endParaRPr lang="en-US"/>
+            </a:p>
+          </p:txBody>
+        </p:sp>
+      </p:grpSp>
       <p:sp>
         <p:nvSpPr>
           <p:cNvPr id="7" name="CaixaDeTexto 6">
@@ -26244,15 +26734,15 @@
         </p:nvSpPr>
         <p:spPr>
           <a:xfrm>
-            <a:off x="640080" y="2872899"/>
-            <a:ext cx="4243589" cy="3320668"/>
+            <a:off x="767290" y="3383121"/>
+            <a:ext cx="3582072" cy="2793251"/>
           </a:xfrm>
           <a:prstGeom prst="rect">
             <a:avLst/>
           </a:prstGeom>
         </p:spPr>
         <p:txBody>
-          <a:bodyPr vert="horz" lIns="91440" tIns="45720" rIns="91440" bIns="45720" rtlCol="0">
+          <a:bodyPr vert="horz" lIns="91440" tIns="45720" rIns="91440" bIns="45720" rtlCol="0" anchor="t">
             <a:normAutofit/>
           </a:bodyPr>
           <a:lstStyle/>
@@ -26268,8 +26758,12 @@
               <a:buChar char="•"/>
             </a:pPr>
             <a:r>
-              <a:rPr lang="en-US" sz="2200"/>
-              <a:t>Tempo de espera</a:t>
+              <a:rPr lang="pt-PT" sz="2000" dirty="0">
+                <a:solidFill>
+                  <a:schemeClr val="bg1"/>
+                </a:solidFill>
+              </a:rPr>
+              <a:t>Tempo de espera;</a:t>
             </a:r>
           </a:p>
           <a:p>
@@ -26284,8 +26778,12 @@
               <a:buChar char="•"/>
             </a:pPr>
             <a:r>
-              <a:rPr lang="en-US" sz="2200"/>
-              <a:t>Problemas relacionados com covid</a:t>
+              <a:rPr lang="pt-PT" sz="2000" dirty="0">
+                <a:solidFill>
+                  <a:schemeClr val="bg1"/>
+                </a:solidFill>
+              </a:rPr>
+              <a:t>Problemas relacionados com covid;</a:t>
             </a:r>
           </a:p>
           <a:p>
@@ -26300,8 +26798,12 @@
               <a:buChar char="•"/>
             </a:pPr>
             <a:r>
-              <a:rPr lang="en-US" sz="2200"/>
-              <a:t>Facilidade</a:t>
+              <a:rPr lang="pt-PT" sz="2000" dirty="0">
+                <a:solidFill>
+                  <a:schemeClr val="bg1"/>
+                </a:solidFill>
+              </a:rPr>
+              <a:t>Facilidade;</a:t>
             </a:r>
           </a:p>
           <a:p>
@@ -26316,18 +26818,22 @@
               <a:buChar char="•"/>
             </a:pPr>
             <a:r>
-              <a:rPr lang="en-US" sz="2200"/>
-              <a:t>Rapidez</a:t>
+              <a:rPr lang="pt-PT" sz="2000" dirty="0">
+                <a:solidFill>
+                  <a:schemeClr val="bg1"/>
+                </a:solidFill>
+              </a:rPr>
+              <a:t>Rapidez;</a:t>
             </a:r>
           </a:p>
         </p:txBody>
       </p:sp>
       <p:pic>
         <p:nvPicPr>
-          <p:cNvPr id="6" name="Marcador de Posição de Conteúdo 5" descr="Uma imagem com texto, cartão-de-visita&#10;&#10;Descrição gerada automaticamente">
+          <p:cNvPr id="9" name="Marcador de Posição de Conteúdo 8" descr="Uma imagem com texto, céu noturno&#10;&#10;Descrição gerada automaticamente">
             <a:extLst>
               <a:ext uri="{FF2B5EF4-FFF2-40B4-BE49-F238E27FC236}">
-                <a16:creationId xmlns:a16="http://schemas.microsoft.com/office/drawing/2014/main" id="{99AB38E1-30EC-47A2-806D-5015DB03A8DD}"/>
+                <a16:creationId xmlns:a16="http://schemas.microsoft.com/office/drawing/2014/main" id="{737710B9-1A44-4181-93D3-592F8A6133C3}"/>
               </a:ext>
             </a:extLst>
           </p:cNvPr>
@@ -26338,7 +26844,7 @@
             <p:ph idx="1"/>
           </p:nvPr>
         </p:nvPicPr>
-        <p:blipFill rotWithShape="1">
+        <p:blipFill>
           <a:blip r:embed="rId2">
             <a:extLst>
               <a:ext uri="{28A0092B-C50C-407E-A947-70E740481C1C}">
@@ -26346,129 +26852,18 @@
               </a:ext>
             </a:extLst>
           </a:blip>
-          <a:srcRect l="1205" r="4978" b="1"/>
-          <a:stretch/>
+          <a:stretch>
+            <a:fillRect/>
+          </a:stretch>
         </p:blipFill>
         <p:spPr>
           <a:xfrm>
-            <a:off x="5311702" y="10"/>
-            <a:ext cx="6878775" cy="6857990"/>
+            <a:off x="5116652" y="985227"/>
+            <a:ext cx="6642532" cy="4309312"/>
           </a:xfrm>
-          <a:custGeom>
+          <a:prstGeom prst="rect">
             <a:avLst/>
-            <a:gdLst/>
-            <a:ahLst/>
-            <a:cxnLst/>
-            <a:rect l="l" t="t" r="r" b="b"/>
-            <a:pathLst>
-              <a:path w="6878775" h="6858000">
-                <a:moveTo>
-                  <a:pt x="1102973" y="0"/>
-                </a:moveTo>
-                <a:lnTo>
-                  <a:pt x="1160688" y="0"/>
-                </a:lnTo>
-                <a:lnTo>
-                  <a:pt x="983189" y="331786"/>
-                </a:lnTo>
-                <a:cubicBezTo>
-                  <a:pt x="914866" y="469145"/>
-                  <a:pt x="850355" y="608712"/>
-                  <a:pt x="789261" y="750263"/>
-                </a:cubicBezTo>
-                <a:cubicBezTo>
-                  <a:pt x="774307" y="784928"/>
-                  <a:pt x="759992" y="819849"/>
-                  <a:pt x="745295" y="854514"/>
-                </a:cubicBezTo>
-                <a:cubicBezTo>
-                  <a:pt x="756682" y="845393"/>
-                  <a:pt x="765489" y="833492"/>
-                  <a:pt x="770857" y="819975"/>
-                </a:cubicBezTo>
-                <a:cubicBezTo>
-                  <a:pt x="879943" y="589569"/>
-                  <a:pt x="999605" y="365513"/>
-                  <a:pt x="1131329" y="148742"/>
-                </a:cubicBezTo>
-                <a:lnTo>
-                  <a:pt x="1227589" y="0"/>
-                </a:lnTo>
-                <a:lnTo>
-                  <a:pt x="6878775" y="0"/>
-                </a:lnTo>
-                <a:lnTo>
-                  <a:pt x="6878775" y="6858000"/>
-                </a:lnTo>
-                <a:lnTo>
-                  <a:pt x="713521" y="6858000"/>
-                </a:lnTo>
-                <a:lnTo>
-                  <a:pt x="625642" y="6670527"/>
-                </a:lnTo>
-                <a:cubicBezTo>
-                  <a:pt x="507232" y="6398531"/>
-                  <a:pt x="403083" y="6118381"/>
-                  <a:pt x="312785" y="5830359"/>
-                </a:cubicBezTo>
-                <a:cubicBezTo>
-                  <a:pt x="278149" y="5719759"/>
-                  <a:pt x="248879" y="5607635"/>
-                  <a:pt x="212198" y="5480401"/>
-                </a:cubicBezTo>
-                <a:cubicBezTo>
-                  <a:pt x="212208" y="5491601"/>
-                  <a:pt x="212803" y="5502788"/>
-                  <a:pt x="213988" y="5513923"/>
-                </a:cubicBezTo>
-                <a:cubicBezTo>
-                  <a:pt x="264089" y="5723695"/>
-                  <a:pt x="307290" y="5935370"/>
-                  <a:pt x="365826" y="6142729"/>
-                </a:cubicBezTo>
-                <a:cubicBezTo>
-                  <a:pt x="433152" y="6380817"/>
-                  <a:pt x="510068" y="6614016"/>
-                  <a:pt x="597975" y="6841549"/>
-                </a:cubicBezTo>
-                <a:lnTo>
-                  <a:pt x="604824" y="6858000"/>
-                </a:lnTo>
-                <a:lnTo>
-                  <a:pt x="552056" y="6858000"/>
-                </a:lnTo>
-                <a:lnTo>
-                  <a:pt x="539576" y="6828295"/>
-                </a:lnTo>
-                <a:cubicBezTo>
-                  <a:pt x="380597" y="6414594"/>
-                  <a:pt x="260223" y="5988893"/>
-                  <a:pt x="171555" y="5552906"/>
-                </a:cubicBezTo>
-                <a:cubicBezTo>
-                  <a:pt x="91163" y="5157998"/>
-                  <a:pt x="43746" y="4758899"/>
-                  <a:pt x="12305" y="4357388"/>
-                </a:cubicBezTo>
-                <a:cubicBezTo>
-                  <a:pt x="-14281" y="4013908"/>
-                  <a:pt x="4507" y="3672965"/>
-                  <a:pt x="46684" y="3331516"/>
-                </a:cubicBezTo>
-                <a:cubicBezTo>
-                  <a:pt x="127203" y="2664286"/>
-                  <a:pt x="277819" y="2007265"/>
-                  <a:pt x="496065" y="1371196"/>
-                </a:cubicBezTo>
-                <a:cubicBezTo>
-                  <a:pt x="636273" y="966066"/>
-                  <a:pt x="800445" y="573253"/>
-                  <a:pt x="995723" y="196614"/>
-                </a:cubicBezTo>
-                <a:close/>
-              </a:path>
-            </a:pathLst>
-          </a:custGeom>
+          </a:prstGeom>
         </p:spPr>
       </p:pic>
       <p:sp>
@@ -26489,9 +26884,17 @@
         </p:nvSpPr>
         <p:spPr>
           <a:xfrm>
-            <a:off x="10439400" y="6356350"/>
-            <a:ext cx="914400" cy="365125"/>
+            <a:off x="11146536" y="6035040"/>
+            <a:ext cx="548640" cy="548640"/>
           </a:xfrm>
+          <a:prstGeom prst="ellipse">
+            <a:avLst/>
+          </a:prstGeom>
+          <a:solidFill>
+            <a:schemeClr val="tx1">
+              <a:alpha val="80000"/>
+            </a:schemeClr>
+          </a:solidFill>
         </p:spPr>
         <p:txBody>
           <a:bodyPr vert="horz" lIns="91440" tIns="45720" rIns="91440" bIns="45720" rtlCol="0" anchor="ctr">
@@ -26499,7 +26902,7 @@
           </a:bodyPr>
           <a:lstStyle/>
           <a:p>
-            <a:pPr>
+            <a:pPr algn="ctr">
               <a:spcAft>
                 <a:spcPts val="600"/>
               </a:spcAft>
@@ -26508,11 +26911,10 @@
             <a:fld id="{DA87C3F2-8E36-420A-B6CE-8D33D5DF61CB}" type="slidenum">
               <a:rPr lang="en-US">
                 <a:solidFill>
-                  <a:srgbClr val="FFFFFF"/>
+                  <a:schemeClr val="bg1"/>
                 </a:solidFill>
-                <a:latin typeface="Calibri" panose="020F0502020204030204"/>
               </a:rPr>
-              <a:pPr>
+              <a:pPr algn="ctr">
                 <a:spcAft>
                   <a:spcPts val="600"/>
                 </a:spcAft>
@@ -26522,9 +26924,8 @@
             </a:fld>
             <a:endParaRPr lang="en-US">
               <a:solidFill>
-                <a:srgbClr val="FFFFFF"/>
+                <a:schemeClr val="bg1"/>
               </a:solidFill>
-              <a:latin typeface="Calibri" panose="020F0502020204030204"/>
             </a:endParaRPr>
           </a:p>
         </p:txBody>
@@ -26539,6 +26940,499 @@
   <p:clrMapOvr>
     <a:masterClrMapping/>
   </p:clrMapOvr>
+  <p:timing>
+    <p:tnLst>
+      <p:par>
+        <p:cTn id="1" dur="indefinite" restart="never" nodeType="tmRoot">
+          <p:childTnLst>
+            <p:seq concurrent="1" nextAc="seek">
+              <p:cTn id="2" dur="indefinite" nodeType="mainSeq">
+                <p:childTnLst>
+                  <p:par>
+                    <p:cTn id="3" fill="hold">
+                      <p:stCondLst>
+                        <p:cond delay="indefinite"/>
+                      </p:stCondLst>
+                      <p:childTnLst>
+                        <p:par>
+                          <p:cTn id="4" fill="hold">
+                            <p:stCondLst>
+                              <p:cond delay="0"/>
+                            </p:stCondLst>
+                            <p:childTnLst>
+                              <p:par>
+                                <p:cTn id="5" presetID="42" presetClass="entr" presetSubtype="0" fill="hold" grpId="0" nodeType="clickEffect">
+                                  <p:stCondLst>
+                                    <p:cond delay="0"/>
+                                  </p:stCondLst>
+                                  <p:childTnLst>
+                                    <p:set>
+                                      <p:cBhvr>
+                                        <p:cTn id="6" dur="1" fill="hold">
+                                          <p:stCondLst>
+                                            <p:cond delay="0"/>
+                                          </p:stCondLst>
+                                        </p:cTn>
+                                        <p:tgtEl>
+                                          <p:spTgt spid="7">
+                                            <p:txEl>
+                                              <p:pRg st="0" end="0"/>
+                                            </p:txEl>
+                                          </p:spTgt>
+                                        </p:tgtEl>
+                                        <p:attrNameLst>
+                                          <p:attrName>style.visibility</p:attrName>
+                                        </p:attrNameLst>
+                                      </p:cBhvr>
+                                      <p:to>
+                                        <p:strVal val="visible"/>
+                                      </p:to>
+                                    </p:set>
+                                    <p:animEffect transition="in" filter="fade">
+                                      <p:cBhvr>
+                                        <p:cTn id="7" dur="1000"/>
+                                        <p:tgtEl>
+                                          <p:spTgt spid="7">
+                                            <p:txEl>
+                                              <p:pRg st="0" end="0"/>
+                                            </p:txEl>
+                                          </p:spTgt>
+                                        </p:tgtEl>
+                                      </p:cBhvr>
+                                    </p:animEffect>
+                                    <p:anim calcmode="lin" valueType="num">
+                                      <p:cBhvr>
+                                        <p:cTn id="8" dur="1000" fill="hold"/>
+                                        <p:tgtEl>
+                                          <p:spTgt spid="7">
+                                            <p:txEl>
+                                              <p:pRg st="0" end="0"/>
+                                            </p:txEl>
+                                          </p:spTgt>
+                                        </p:tgtEl>
+                                        <p:attrNameLst>
+                                          <p:attrName>ppt_x</p:attrName>
+                                        </p:attrNameLst>
+                                      </p:cBhvr>
+                                      <p:tavLst>
+                                        <p:tav tm="0">
+                                          <p:val>
+                                            <p:strVal val="#ppt_x"/>
+                                          </p:val>
+                                        </p:tav>
+                                        <p:tav tm="100000">
+                                          <p:val>
+                                            <p:strVal val="#ppt_x"/>
+                                          </p:val>
+                                        </p:tav>
+                                      </p:tavLst>
+                                    </p:anim>
+                                    <p:anim calcmode="lin" valueType="num">
+                                      <p:cBhvr>
+                                        <p:cTn id="9" dur="1000" fill="hold"/>
+                                        <p:tgtEl>
+                                          <p:spTgt spid="7">
+                                            <p:txEl>
+                                              <p:pRg st="0" end="0"/>
+                                            </p:txEl>
+                                          </p:spTgt>
+                                        </p:tgtEl>
+                                        <p:attrNameLst>
+                                          <p:attrName>ppt_y</p:attrName>
+                                        </p:attrNameLst>
+                                      </p:cBhvr>
+                                      <p:tavLst>
+                                        <p:tav tm="0">
+                                          <p:val>
+                                            <p:strVal val="#ppt_y+.1"/>
+                                          </p:val>
+                                        </p:tav>
+                                        <p:tav tm="100000">
+                                          <p:val>
+                                            <p:strVal val="#ppt_y"/>
+                                          </p:val>
+                                        </p:tav>
+                                      </p:tavLst>
+                                    </p:anim>
+                                  </p:childTnLst>
+                                </p:cTn>
+                              </p:par>
+                            </p:childTnLst>
+                          </p:cTn>
+                        </p:par>
+                      </p:childTnLst>
+                    </p:cTn>
+                  </p:par>
+                  <p:par>
+                    <p:cTn id="10" fill="hold">
+                      <p:stCondLst>
+                        <p:cond delay="indefinite"/>
+                      </p:stCondLst>
+                      <p:childTnLst>
+                        <p:par>
+                          <p:cTn id="11" fill="hold">
+                            <p:stCondLst>
+                              <p:cond delay="0"/>
+                            </p:stCondLst>
+                            <p:childTnLst>
+                              <p:par>
+                                <p:cTn id="12" presetID="42" presetClass="entr" presetSubtype="0" fill="hold" grpId="0" nodeType="clickEffect">
+                                  <p:stCondLst>
+                                    <p:cond delay="0"/>
+                                  </p:stCondLst>
+                                  <p:childTnLst>
+                                    <p:set>
+                                      <p:cBhvr>
+                                        <p:cTn id="13" dur="1" fill="hold">
+                                          <p:stCondLst>
+                                            <p:cond delay="0"/>
+                                          </p:stCondLst>
+                                        </p:cTn>
+                                        <p:tgtEl>
+                                          <p:spTgt spid="7">
+                                            <p:txEl>
+                                              <p:pRg st="1" end="1"/>
+                                            </p:txEl>
+                                          </p:spTgt>
+                                        </p:tgtEl>
+                                        <p:attrNameLst>
+                                          <p:attrName>style.visibility</p:attrName>
+                                        </p:attrNameLst>
+                                      </p:cBhvr>
+                                      <p:to>
+                                        <p:strVal val="visible"/>
+                                      </p:to>
+                                    </p:set>
+                                    <p:animEffect transition="in" filter="fade">
+                                      <p:cBhvr>
+                                        <p:cTn id="14" dur="1000"/>
+                                        <p:tgtEl>
+                                          <p:spTgt spid="7">
+                                            <p:txEl>
+                                              <p:pRg st="1" end="1"/>
+                                            </p:txEl>
+                                          </p:spTgt>
+                                        </p:tgtEl>
+                                      </p:cBhvr>
+                                    </p:animEffect>
+                                    <p:anim calcmode="lin" valueType="num">
+                                      <p:cBhvr>
+                                        <p:cTn id="15" dur="1000" fill="hold"/>
+                                        <p:tgtEl>
+                                          <p:spTgt spid="7">
+                                            <p:txEl>
+                                              <p:pRg st="1" end="1"/>
+                                            </p:txEl>
+                                          </p:spTgt>
+                                        </p:tgtEl>
+                                        <p:attrNameLst>
+                                          <p:attrName>ppt_x</p:attrName>
+                                        </p:attrNameLst>
+                                      </p:cBhvr>
+                                      <p:tavLst>
+                                        <p:tav tm="0">
+                                          <p:val>
+                                            <p:strVal val="#ppt_x"/>
+                                          </p:val>
+                                        </p:tav>
+                                        <p:tav tm="100000">
+                                          <p:val>
+                                            <p:strVal val="#ppt_x"/>
+                                          </p:val>
+                                        </p:tav>
+                                      </p:tavLst>
+                                    </p:anim>
+                                    <p:anim calcmode="lin" valueType="num">
+                                      <p:cBhvr>
+                                        <p:cTn id="16" dur="1000" fill="hold"/>
+                                        <p:tgtEl>
+                                          <p:spTgt spid="7">
+                                            <p:txEl>
+                                              <p:pRg st="1" end="1"/>
+                                            </p:txEl>
+                                          </p:spTgt>
+                                        </p:tgtEl>
+                                        <p:attrNameLst>
+                                          <p:attrName>ppt_y</p:attrName>
+                                        </p:attrNameLst>
+                                      </p:cBhvr>
+                                      <p:tavLst>
+                                        <p:tav tm="0">
+                                          <p:val>
+                                            <p:strVal val="#ppt_y+.1"/>
+                                          </p:val>
+                                        </p:tav>
+                                        <p:tav tm="100000">
+                                          <p:val>
+                                            <p:strVal val="#ppt_y"/>
+                                          </p:val>
+                                        </p:tav>
+                                      </p:tavLst>
+                                    </p:anim>
+                                  </p:childTnLst>
+                                </p:cTn>
+                              </p:par>
+                            </p:childTnLst>
+                          </p:cTn>
+                        </p:par>
+                      </p:childTnLst>
+                    </p:cTn>
+                  </p:par>
+                  <p:par>
+                    <p:cTn id="17" fill="hold">
+                      <p:stCondLst>
+                        <p:cond delay="indefinite"/>
+                      </p:stCondLst>
+                      <p:childTnLst>
+                        <p:par>
+                          <p:cTn id="18" fill="hold">
+                            <p:stCondLst>
+                              <p:cond delay="0"/>
+                            </p:stCondLst>
+                            <p:childTnLst>
+                              <p:par>
+                                <p:cTn id="19" presetID="42" presetClass="entr" presetSubtype="0" fill="hold" grpId="0" nodeType="clickEffect">
+                                  <p:stCondLst>
+                                    <p:cond delay="0"/>
+                                  </p:stCondLst>
+                                  <p:childTnLst>
+                                    <p:set>
+                                      <p:cBhvr>
+                                        <p:cTn id="20" dur="1" fill="hold">
+                                          <p:stCondLst>
+                                            <p:cond delay="0"/>
+                                          </p:stCondLst>
+                                        </p:cTn>
+                                        <p:tgtEl>
+                                          <p:spTgt spid="7">
+                                            <p:txEl>
+                                              <p:pRg st="2" end="2"/>
+                                            </p:txEl>
+                                          </p:spTgt>
+                                        </p:tgtEl>
+                                        <p:attrNameLst>
+                                          <p:attrName>style.visibility</p:attrName>
+                                        </p:attrNameLst>
+                                      </p:cBhvr>
+                                      <p:to>
+                                        <p:strVal val="visible"/>
+                                      </p:to>
+                                    </p:set>
+                                    <p:animEffect transition="in" filter="fade">
+                                      <p:cBhvr>
+                                        <p:cTn id="21" dur="1000"/>
+                                        <p:tgtEl>
+                                          <p:spTgt spid="7">
+                                            <p:txEl>
+                                              <p:pRg st="2" end="2"/>
+                                            </p:txEl>
+                                          </p:spTgt>
+                                        </p:tgtEl>
+                                      </p:cBhvr>
+                                    </p:animEffect>
+                                    <p:anim calcmode="lin" valueType="num">
+                                      <p:cBhvr>
+                                        <p:cTn id="22" dur="1000" fill="hold"/>
+                                        <p:tgtEl>
+                                          <p:spTgt spid="7">
+                                            <p:txEl>
+                                              <p:pRg st="2" end="2"/>
+                                            </p:txEl>
+                                          </p:spTgt>
+                                        </p:tgtEl>
+                                        <p:attrNameLst>
+                                          <p:attrName>ppt_x</p:attrName>
+                                        </p:attrNameLst>
+                                      </p:cBhvr>
+                                      <p:tavLst>
+                                        <p:tav tm="0">
+                                          <p:val>
+                                            <p:strVal val="#ppt_x"/>
+                                          </p:val>
+                                        </p:tav>
+                                        <p:tav tm="100000">
+                                          <p:val>
+                                            <p:strVal val="#ppt_x"/>
+                                          </p:val>
+                                        </p:tav>
+                                      </p:tavLst>
+                                    </p:anim>
+                                    <p:anim calcmode="lin" valueType="num">
+                                      <p:cBhvr>
+                                        <p:cTn id="23" dur="1000" fill="hold"/>
+                                        <p:tgtEl>
+                                          <p:spTgt spid="7">
+                                            <p:txEl>
+                                              <p:pRg st="2" end="2"/>
+                                            </p:txEl>
+                                          </p:spTgt>
+                                        </p:tgtEl>
+                                        <p:attrNameLst>
+                                          <p:attrName>ppt_y</p:attrName>
+                                        </p:attrNameLst>
+                                      </p:cBhvr>
+                                      <p:tavLst>
+                                        <p:tav tm="0">
+                                          <p:val>
+                                            <p:strVal val="#ppt_y+.1"/>
+                                          </p:val>
+                                        </p:tav>
+                                        <p:tav tm="100000">
+                                          <p:val>
+                                            <p:strVal val="#ppt_y"/>
+                                          </p:val>
+                                        </p:tav>
+                                      </p:tavLst>
+                                    </p:anim>
+                                  </p:childTnLst>
+                                </p:cTn>
+                              </p:par>
+                            </p:childTnLst>
+                          </p:cTn>
+                        </p:par>
+                      </p:childTnLst>
+                    </p:cTn>
+                  </p:par>
+                  <p:par>
+                    <p:cTn id="24" fill="hold">
+                      <p:stCondLst>
+                        <p:cond delay="indefinite"/>
+                      </p:stCondLst>
+                      <p:childTnLst>
+                        <p:par>
+                          <p:cTn id="25" fill="hold">
+                            <p:stCondLst>
+                              <p:cond delay="0"/>
+                            </p:stCondLst>
+                            <p:childTnLst>
+                              <p:par>
+                                <p:cTn id="26" presetID="42" presetClass="entr" presetSubtype="0" fill="hold" grpId="0" nodeType="clickEffect">
+                                  <p:stCondLst>
+                                    <p:cond delay="0"/>
+                                  </p:stCondLst>
+                                  <p:childTnLst>
+                                    <p:set>
+                                      <p:cBhvr>
+                                        <p:cTn id="27" dur="1" fill="hold">
+                                          <p:stCondLst>
+                                            <p:cond delay="0"/>
+                                          </p:stCondLst>
+                                        </p:cTn>
+                                        <p:tgtEl>
+                                          <p:spTgt spid="7">
+                                            <p:txEl>
+                                              <p:pRg st="3" end="3"/>
+                                            </p:txEl>
+                                          </p:spTgt>
+                                        </p:tgtEl>
+                                        <p:attrNameLst>
+                                          <p:attrName>style.visibility</p:attrName>
+                                        </p:attrNameLst>
+                                      </p:cBhvr>
+                                      <p:to>
+                                        <p:strVal val="visible"/>
+                                      </p:to>
+                                    </p:set>
+                                    <p:animEffect transition="in" filter="fade">
+                                      <p:cBhvr>
+                                        <p:cTn id="28" dur="1000"/>
+                                        <p:tgtEl>
+                                          <p:spTgt spid="7">
+                                            <p:txEl>
+                                              <p:pRg st="3" end="3"/>
+                                            </p:txEl>
+                                          </p:spTgt>
+                                        </p:tgtEl>
+                                      </p:cBhvr>
+                                    </p:animEffect>
+                                    <p:anim calcmode="lin" valueType="num">
+                                      <p:cBhvr>
+                                        <p:cTn id="29" dur="1000" fill="hold"/>
+                                        <p:tgtEl>
+                                          <p:spTgt spid="7">
+                                            <p:txEl>
+                                              <p:pRg st="3" end="3"/>
+                                            </p:txEl>
+                                          </p:spTgt>
+                                        </p:tgtEl>
+                                        <p:attrNameLst>
+                                          <p:attrName>ppt_x</p:attrName>
+                                        </p:attrNameLst>
+                                      </p:cBhvr>
+                                      <p:tavLst>
+                                        <p:tav tm="0">
+                                          <p:val>
+                                            <p:strVal val="#ppt_x"/>
+                                          </p:val>
+                                        </p:tav>
+                                        <p:tav tm="100000">
+                                          <p:val>
+                                            <p:strVal val="#ppt_x"/>
+                                          </p:val>
+                                        </p:tav>
+                                      </p:tavLst>
+                                    </p:anim>
+                                    <p:anim calcmode="lin" valueType="num">
+                                      <p:cBhvr>
+                                        <p:cTn id="30" dur="1000" fill="hold"/>
+                                        <p:tgtEl>
+                                          <p:spTgt spid="7">
+                                            <p:txEl>
+                                              <p:pRg st="3" end="3"/>
+                                            </p:txEl>
+                                          </p:spTgt>
+                                        </p:tgtEl>
+                                        <p:attrNameLst>
+                                          <p:attrName>ppt_y</p:attrName>
+                                        </p:attrNameLst>
+                                      </p:cBhvr>
+                                      <p:tavLst>
+                                        <p:tav tm="0">
+                                          <p:val>
+                                            <p:strVal val="#ppt_y+.1"/>
+                                          </p:val>
+                                        </p:tav>
+                                        <p:tav tm="100000">
+                                          <p:val>
+                                            <p:strVal val="#ppt_y"/>
+                                          </p:val>
+                                        </p:tav>
+                                      </p:tavLst>
+                                    </p:anim>
+                                  </p:childTnLst>
+                                </p:cTn>
+                              </p:par>
+                            </p:childTnLst>
+                          </p:cTn>
+                        </p:par>
+                      </p:childTnLst>
+                    </p:cTn>
+                  </p:par>
+                </p:childTnLst>
+              </p:cTn>
+              <p:prevCondLst>
+                <p:cond evt="onPrev" delay="0">
+                  <p:tgtEl>
+                    <p:sldTgt/>
+                  </p:tgtEl>
+                </p:cond>
+              </p:prevCondLst>
+              <p:nextCondLst>
+                <p:cond evt="onNext" delay="0">
+                  <p:tgtEl>
+                    <p:sldTgt/>
+                  </p:tgtEl>
+                </p:cond>
+              </p:nextCondLst>
+            </p:seq>
+          </p:childTnLst>
+        </p:cTn>
+      </p:par>
+    </p:tnLst>
+    <p:bldLst>
+      <p:bldP spid="7" grpId="0" build="p"/>
+    </p:bldLst>
+  </p:timing>
 </p:sld>
 </file>
 
@@ -26599,12 +27493,24 @@
           <a:lstStyle/>
           <a:p>
             <a:r>
-              <a:rPr lang="en-US" sz="5400">
+              <a:rPr lang="en-US" sz="5400" dirty="0" err="1">
                 <a:effectLst/>
               </a:rPr>
-              <a:t>Contexto do projeto</a:t>
+              <a:t>Contexto</a:t>
             </a:r>
-            <a:endParaRPr lang="en-US" sz="5400"/>
+            <a:r>
+              <a:rPr lang="en-US" sz="5400" dirty="0">
+                <a:effectLst/>
+              </a:rPr>
+              <a:t> do </a:t>
+            </a:r>
+            <a:r>
+              <a:rPr lang="en-US" sz="5400" dirty="0" err="1">
+                <a:effectLst/>
+              </a:rPr>
+              <a:t>projeto</a:t>
+            </a:r>
+            <a:endParaRPr lang="en-US" sz="5400" dirty="0"/>
           </a:p>
         </p:txBody>
       </p:sp>
@@ -26856,6 +27762,18 @@
   <p:clrMapOvr>
     <a:overrideClrMapping bg1="dk1" tx1="lt1" bg2="dk2" tx2="lt2" accent1="accent1" accent2="accent2" accent3="accent3" accent4="accent4" accent5="accent5" accent6="accent6" hlink="hlink" folHlink="folHlink"/>
   </p:clrMapOvr>
+  <mc:AlternateContent xmlns:mc="http://schemas.openxmlformats.org/markup-compatibility/2006">
+    <mc:Choice xmlns:p14="http://schemas.microsoft.com/office/powerpoint/2010/main" Requires="p14">
+      <p:transition spd="med" p14:dur="700">
+        <p:fade/>
+      </p:transition>
+    </mc:Choice>
+    <mc:Fallback>
+      <p:transition spd="med">
+        <p:fade/>
+      </p:transition>
+    </mc:Fallback>
+  </mc:AlternateContent>
 </p:sld>
 </file>
 
@@ -27252,6 +28170,9 @@
   <p:clrMapOvr>
     <a:overrideClrMapping bg1="dk1" tx1="lt1" bg2="dk2" tx2="lt2" accent1="accent1" accent2="accent2" accent3="accent3" accent4="accent4" accent5="accent5" accent6="accent6" hlink="hlink" folHlink="folHlink"/>
   </p:clrMapOvr>
+  <p:transition spd="slow">
+    <p:push dir="u"/>
+  </p:transition>
 </p:sld>
 </file>
 
@@ -27640,6 +28561,9 @@
   <p:clrMapOvr>
     <a:overrideClrMapping bg1="dk1" tx1="lt1" bg2="dk2" tx2="lt2" accent1="accent1" accent2="accent2" accent3="accent3" accent4="accent4" accent5="accent5" accent6="accent6" hlink="hlink" folHlink="folHlink"/>
   </p:clrMapOvr>
+  <p:transition spd="med">
+    <p:pull/>
+  </p:transition>
 </p:sld>
 </file>
 
@@ -27853,6 +28777,9 @@
   <p:clrMapOvr>
     <a:masterClrMapping/>
   </p:clrMapOvr>
+  <p:transition spd="slow">
+    <p:push dir="u"/>
+  </p:transition>
 </p:sld>
 </file>
 
@@ -28165,6 +29092,9 @@
   <p:clrMapOvr>
     <a:overrideClrMapping bg1="dk1" tx1="lt1" bg2="dk2" tx2="lt2" accent1="accent1" accent2="accent2" accent3="accent3" accent4="accent4" accent5="accent5" accent6="accent6" hlink="hlink" folHlink="folHlink"/>
   </p:clrMapOvr>
+  <p:transition spd="slow">
+    <p:push dir="u"/>
+  </p:transition>
   <p:timing>
     <p:tnLst>
       <p:par>
@@ -28575,6 +29505,9 @@
   <p:clrMapOvr>
     <a:masterClrMapping/>
   </p:clrMapOvr>
+  <p:transition spd="slow">
+    <p:push dir="u"/>
+  </p:transition>
   <p:timing>
     <p:tnLst>
       <p:par>

--- a/documentos/ApresentacaoFinal.pptx
+++ b/documentos/ApresentacaoFinal.pptx
@@ -970,6 +970,10 @@
           <a:bodyPr/>
           <a:lstStyle/>
           <a:p>
+            <a:r>
+              <a:rPr lang="pt-PT"/>
+              <a:t>15</a:t>
+            </a:r>
             <a:endParaRPr lang="pt-PT" dirty="0"/>
           </a:p>
         </p:txBody>
@@ -6410,13 +6414,13 @@
   <p:clrMapOvr>
     <a:overrideClrMapping bg1="dk1" tx1="lt1" bg2="dk2" tx2="lt2" accent1="accent1" accent2="accent2" accent3="accent3" accent4="accent4" accent5="accent5" accent6="accent6" hlink="hlink" folHlink="folHlink"/>
   </p:clrMapOvr>
-  <mc:AlternateContent xmlns:mc="http://schemas.openxmlformats.org/markup-compatibility/2006">
-    <mc:Choice xmlns:p159="http://schemas.microsoft.com/office/powerpoint/2015/09/main" Requires="p159">
+  <mc:AlternateContent xmlns:mc="http://schemas.openxmlformats.org/markup-compatibility/2006" xmlns:p159="http://schemas.microsoft.com/office/powerpoint/2015/09/main">
+    <mc:Choice Requires="p159">
       <p:transition xmlns:p14="http://schemas.microsoft.com/office/powerpoint/2010/main" spd="slow" p14:dur="2000">
         <p159:morph option="byObject"/>
       </p:transition>
     </mc:Choice>
-    <mc:Fallback>
+    <mc:Fallback xmlns="">
       <p:transition spd="slow">
         <p:fade/>
       </p:transition>
@@ -6807,13 +6811,13 @@
   <p:clrMapOvr>
     <a:overrideClrMapping bg1="dk1" tx1="lt1" bg2="dk2" tx2="lt2" accent1="accent1" accent2="accent2" accent3="accent3" accent4="accent4" accent5="accent5" accent6="accent6" hlink="hlink" folHlink="folHlink"/>
   </p:clrMapOvr>
-  <mc:AlternateContent xmlns:mc="http://schemas.openxmlformats.org/markup-compatibility/2006">
-    <mc:Choice xmlns:p15="http://schemas.microsoft.com/office/powerpoint/2012/main" Requires="p15">
+  <mc:AlternateContent xmlns:mc="http://schemas.openxmlformats.org/markup-compatibility/2006" xmlns:p15="http://schemas.microsoft.com/office/powerpoint/2012/main">
+    <mc:Choice Requires="p15">
       <p:transition xmlns:p14="http://schemas.microsoft.com/office/powerpoint/2010/main" spd="slow" p14:dur="1250">
         <p15:prstTrans prst="peelOff"/>
       </p:transition>
     </mc:Choice>
-    <mc:Fallback>
+    <mc:Fallback xmlns="">
       <p:transition spd="slow">
         <p:fade/>
       </p:transition>
@@ -7139,13 +7143,13 @@
   <p:clrMapOvr>
     <a:masterClrMapping/>
   </p:clrMapOvr>
-  <mc:AlternateContent xmlns:mc="http://schemas.openxmlformats.org/markup-compatibility/2006">
-    <mc:Choice xmlns:p15="http://schemas.microsoft.com/office/powerpoint/2012/main" Requires="p15">
+  <mc:AlternateContent xmlns:mc="http://schemas.openxmlformats.org/markup-compatibility/2006" xmlns:p15="http://schemas.microsoft.com/office/powerpoint/2012/main">
+    <mc:Choice Requires="p15">
       <p:transition xmlns:p14="http://schemas.microsoft.com/office/powerpoint/2010/main" spd="slow" p14:dur="1250">
         <p15:prstTrans prst="pageCurlDouble"/>
       </p:transition>
     </mc:Choice>
-    <mc:Fallback>
+    <mc:Fallback xmlns="">
       <p:transition spd="slow">
         <p:fade/>
       </p:transition>
@@ -18415,13 +18419,13 @@
   <p:clrMapOvr>
     <a:masterClrMapping/>
   </p:clrMapOvr>
-  <mc:AlternateContent xmlns:mc="http://schemas.openxmlformats.org/markup-compatibility/2006">
-    <mc:Choice xmlns:p14="http://schemas.microsoft.com/office/powerpoint/2010/main" Requires="p14">
+  <mc:AlternateContent xmlns:mc="http://schemas.openxmlformats.org/markup-compatibility/2006" xmlns:p14="http://schemas.microsoft.com/office/powerpoint/2010/main">
+    <mc:Choice Requires="p14">
       <p:transition spd="slow" p14:dur="1200">
         <p:dissolve/>
       </p:transition>
     </mc:Choice>
-    <mc:Fallback>
+    <mc:Fallback xmlns="">
       <p:transition spd="slow">
         <p:dissolve/>
       </p:transition>
@@ -25292,13 +25296,13 @@
   <p:clrMapOvr>
     <a:masterClrMapping/>
   </p:clrMapOvr>
-  <mc:AlternateContent xmlns:mc="http://schemas.openxmlformats.org/markup-compatibility/2006">
-    <mc:Choice xmlns:p15="http://schemas.microsoft.com/office/powerpoint/2012/main" Requires="p15">
+  <mc:AlternateContent xmlns:mc="http://schemas.openxmlformats.org/markup-compatibility/2006" xmlns:p15="http://schemas.microsoft.com/office/powerpoint/2012/main">
+    <mc:Choice Requires="p15">
       <p:transition xmlns:p14="http://schemas.microsoft.com/office/powerpoint/2010/main" spd="slow" p14:dur="2000">
         <p15:prstTrans prst="drape"/>
       </p:transition>
     </mc:Choice>
-    <mc:Fallback>
+    <mc:Fallback xmlns="">
       <p:transition spd="slow">
         <p:fade/>
       </p:transition>
@@ -25737,13 +25741,13 @@
   <p:clrMapOvr>
     <a:overrideClrMapping bg1="dk1" tx1="lt1" bg2="dk2" tx2="lt2" accent1="accent1" accent2="accent2" accent3="accent3" accent4="accent4" accent5="accent5" accent6="accent6" hlink="hlink" folHlink="folHlink"/>
   </p:clrMapOvr>
-  <mc:AlternateContent xmlns:mc="http://schemas.openxmlformats.org/markup-compatibility/2006">
-    <mc:Choice xmlns:p15="http://schemas.microsoft.com/office/powerpoint/2012/main" Requires="p15">
+  <mc:AlternateContent xmlns:mc="http://schemas.openxmlformats.org/markup-compatibility/2006" xmlns:p15="http://schemas.microsoft.com/office/powerpoint/2012/main">
+    <mc:Choice Requires="p15">
       <p:transition spd="slow">
         <p15:prstTrans prst="prestige"/>
       </p:transition>
     </mc:Choice>
-    <mc:Fallback>
+    <mc:Fallback xmlns="">
       <p:transition spd="slow">
         <p:fade/>
       </p:transition>
@@ -27762,13 +27766,13 @@
   <p:clrMapOvr>
     <a:overrideClrMapping bg1="dk1" tx1="lt1" bg2="dk2" tx2="lt2" accent1="accent1" accent2="accent2" accent3="accent3" accent4="accent4" accent5="accent5" accent6="accent6" hlink="hlink" folHlink="folHlink"/>
   </p:clrMapOvr>
-  <mc:AlternateContent xmlns:mc="http://schemas.openxmlformats.org/markup-compatibility/2006">
-    <mc:Choice xmlns:p14="http://schemas.microsoft.com/office/powerpoint/2010/main" Requires="p14">
+  <mc:AlternateContent xmlns:mc="http://schemas.openxmlformats.org/markup-compatibility/2006" xmlns:p14="http://schemas.microsoft.com/office/powerpoint/2010/main">
+    <mc:Choice Requires="p14">
       <p:transition spd="med" p14:dur="700">
         <p:fade/>
       </p:transition>
     </mc:Choice>
-    <mc:Fallback>
+    <mc:Fallback xmlns="">
       <p:transition spd="med">
         <p:fade/>
       </p:transition>
@@ -30194,6 +30198,15 @@
 </file>
 
 <file path=customXml/item1.xml><?xml version="1.0" encoding="utf-8"?>
+<?mso-contentType ?>
+<FormTemplates xmlns="http://schemas.microsoft.com/sharepoint/v3/contenttype/forms">
+  <Display>DocumentLibraryForm</Display>
+  <Edit>DocumentLibraryForm</Edit>
+  <New>DocumentLibraryForm</New>
+</FormTemplates>
+</file>
+
+<file path=customXml/item2.xml><?xml version="1.0" encoding="utf-8"?>
 <ct:contentTypeSchema xmlns:ct="http://schemas.microsoft.com/office/2006/metadata/contentType" xmlns:ma="http://schemas.microsoft.com/office/2006/metadata/properties/metaAttributes" ct:_="" ma:_="" ma:contentTypeName="Document" ma:contentTypeID="0x010100F9D87775D2C7474C804A12E237D4A870" ma:contentTypeVersion="12" ma:contentTypeDescription="Create a new document." ma:contentTypeScope="" ma:versionID="715c8e22c52934408a848c5571b9c2dc">
   <xsd:schema xmlns:xsd="http://www.w3.org/2001/XMLSchema" xmlns:xs="http://www.w3.org/2001/XMLSchema" xmlns:p="http://schemas.microsoft.com/office/2006/metadata/properties" xmlns:ns3="bc34f749-a9cc-486e-aa86-7fce59d0e900" xmlns:ns4="0749c31c-d6e7-4502-8916-6384ae8f01aa" targetNamespace="http://schemas.microsoft.com/office/2006/metadata/properties" ma:root="true" ma:fieldsID="0793b28f856afbb0bc8d6bc9132a772e" ns3:_="" ns4:_="">
     <xsd:import namespace="bc34f749-a9cc-486e-aa86-7fce59d0e900"/>
@@ -30410,15 +30423,6 @@
 </ct:contentTypeSchema>
 </file>
 
-<file path=customXml/item2.xml><?xml version="1.0" encoding="utf-8"?>
-<?mso-contentType ?>
-<FormTemplates xmlns="http://schemas.microsoft.com/sharepoint/v3/contenttype/forms">
-  <Display>DocumentLibraryForm</Display>
-  <Edit>DocumentLibraryForm</Edit>
-  <New>DocumentLibraryForm</New>
-</FormTemplates>
-</file>
-
 <file path=customXml/item3.xml><?xml version="1.0" encoding="utf-8"?>
 <p:properties xmlns:p="http://schemas.microsoft.com/office/2006/metadata/properties" xmlns:xsi="http://www.w3.org/2001/XMLSchema-instance" xmlns:pc="http://schemas.microsoft.com/office/infopath/2007/PartnerControls">
   <documentManagement/>
@@ -30426,6 +30430,14 @@
 </file>
 
 <file path=customXml/itemProps1.xml><?xml version="1.0" encoding="utf-8"?>
+<ds:datastoreItem xmlns:ds="http://schemas.openxmlformats.org/officeDocument/2006/customXml" ds:itemID="{51D4F5DA-3E29-4492-A802-408F5FCB0B3C}">
+  <ds:schemaRefs>
+    <ds:schemaRef ds:uri="http://schemas.microsoft.com/sharepoint/v3/contenttype/forms"/>
+  </ds:schemaRefs>
+</ds:datastoreItem>
+</file>
+
+<file path=customXml/itemProps2.xml><?xml version="1.0" encoding="utf-8"?>
 <ds:datastoreItem xmlns:ds="http://schemas.openxmlformats.org/officeDocument/2006/customXml" ds:itemID="{BD7D8914-296A-4762-9E13-BD36E4628C2E}">
   <ds:schemaRefs>
     <ds:schemaRef ds:uri="http://schemas.microsoft.com/office/2006/metadata/contentType"/>
@@ -30440,14 +30452,6 @@
     <ds:schemaRef ds:uri="http://purl.org/dc/elements/1.1/"/>
     <ds:schemaRef ds:uri="http://purl.org/dc/terms/"/>
     <ds:schemaRef ds:uri="http://schemas.microsoft.com/internal/obd"/>
-  </ds:schemaRefs>
-</ds:datastoreItem>
-</file>
-
-<file path=customXml/itemProps2.xml><?xml version="1.0" encoding="utf-8"?>
-<ds:datastoreItem xmlns:ds="http://schemas.openxmlformats.org/officeDocument/2006/customXml" ds:itemID="{51D4F5DA-3E29-4492-A802-408F5FCB0B3C}">
-  <ds:schemaRefs>
-    <ds:schemaRef ds:uri="http://schemas.microsoft.com/sharepoint/v3/contenttype/forms"/>
   </ds:schemaRefs>
 </ds:datastoreItem>
 </file>
